--- a/smart music composer.pptx
+++ b/smart music composer.pptx
@@ -6284,7 +6284,7 @@
         </p:nvSpPr>
         <p:spPr>
           <a:xfrm>
-            <a:off x="793244" y="995966"/>
+            <a:off x="780365" y="1021723"/>
             <a:ext cx="8596668" cy="1320800"/>
           </a:xfrm>
         </p:spPr>
@@ -6327,7 +6327,7 @@
         <p:spPr>
           <a:xfrm>
             <a:off x="5293218" y="3734874"/>
-            <a:ext cx="3877531" cy="1569660"/>
+            <a:ext cx="3877531" cy="1754326"/>
           </a:xfrm>
           <a:prstGeom prst="rect">
             <a:avLst/>
@@ -6341,76 +6341,66 @@
           <a:lstStyle/>
           <a:p>
             <a:r>
-              <a:rPr lang="en-US" altLang="zh-CN" sz="2400" dirty="0" smtClean="0"/>
-              <a:t>Team</a:t>
-            </a:r>
-            <a:r>
-              <a:rPr lang="zh-CN" altLang="en-US" sz="2400" dirty="0" smtClean="0"/>
-              <a:t> </a:t>
-            </a:r>
-            <a:r>
-              <a:rPr lang="en-US" altLang="zh-CN" sz="2400" dirty="0" smtClean="0"/>
-              <a:t>Member(team</a:t>
-            </a:r>
-            <a:r>
-              <a:rPr lang="zh-CN" altLang="en-US" sz="2400" dirty="0" smtClean="0"/>
-              <a:t> </a:t>
-            </a:r>
-            <a:r>
-              <a:rPr lang="en-US" altLang="zh-CN" sz="2400" dirty="0" smtClean="0"/>
-              <a:t>4):</a:t>
-            </a:r>
-          </a:p>
-          <a:p>
-            <a:r>
-              <a:rPr lang="en-US" altLang="zh-CN" sz="2400" dirty="0" smtClean="0"/>
+              <a:rPr lang="en-US" altLang="zh-CN" sz="2800" dirty="0" smtClean="0"/>
+              <a:t>Team 4</a:t>
+            </a:r>
+          </a:p>
+          <a:p>
+            <a:r>
+              <a:rPr lang="en-US" altLang="zh-CN" sz="2000" dirty="0" smtClean="0"/>
+              <a:t>			Member:</a:t>
+            </a:r>
+          </a:p>
+          <a:p>
+            <a:r>
+              <a:rPr lang="en-US" altLang="zh-CN" sz="2000" dirty="0" smtClean="0"/>
               <a:t>			</a:t>
             </a:r>
             <a:r>
-              <a:rPr lang="en-US" altLang="zh-CN" sz="2400" dirty="0" err="1" smtClean="0"/>
+              <a:rPr lang="en-US" altLang="zh-CN" sz="2000" dirty="0" err="1" smtClean="0"/>
               <a:t>Junxi</a:t>
             </a:r>
             <a:r>
-              <a:rPr lang="zh-CN" altLang="en-US" sz="2400" dirty="0" smtClean="0"/>
-              <a:t> </a:t>
-            </a:r>
-            <a:r>
-              <a:rPr lang="en-US" altLang="zh-CN" sz="2400" dirty="0" smtClean="0"/>
+              <a:rPr lang="zh-CN" altLang="en-US" sz="2000" dirty="0" smtClean="0"/>
+              <a:t> </a:t>
+            </a:r>
+            <a:r>
+              <a:rPr lang="en-US" altLang="zh-CN" sz="2000" dirty="0" smtClean="0"/>
               <a:t>Fan</a:t>
             </a:r>
           </a:p>
           <a:p>
             <a:r>
-              <a:rPr lang="en-US" altLang="zh-CN" sz="2400" dirty="0" smtClean="0"/>
+              <a:rPr lang="en-US" altLang="zh-CN" sz="2000" dirty="0" smtClean="0"/>
               <a:t>			Zhixin</a:t>
             </a:r>
             <a:r>
-              <a:rPr lang="zh-CN" altLang="en-US" sz="2400" dirty="0" smtClean="0"/>
-              <a:t> </a:t>
-            </a:r>
-            <a:r>
-              <a:rPr lang="en-US" altLang="zh-CN" sz="2400" dirty="0" smtClean="0"/>
+              <a:rPr lang="zh-CN" altLang="en-US" sz="2000" dirty="0" smtClean="0"/>
+              <a:t> </a:t>
+            </a:r>
+            <a:r>
+              <a:rPr lang="en-US" altLang="zh-CN" sz="2000" dirty="0" smtClean="0"/>
               <a:t>Wang</a:t>
             </a:r>
           </a:p>
           <a:p>
             <a:r>
-              <a:rPr lang="en-US" altLang="zh-CN" sz="2400" dirty="0" smtClean="0"/>
+              <a:rPr lang="en-US" altLang="zh-CN" sz="2000" dirty="0" smtClean="0"/>
               <a:t>			</a:t>
             </a:r>
             <a:r>
-              <a:rPr lang="en-US" altLang="zh-CN" sz="2400" dirty="0" err="1" smtClean="0"/>
+              <a:rPr lang="en-US" altLang="zh-CN" sz="2000" dirty="0" err="1" smtClean="0"/>
               <a:t>Kaixin</a:t>
             </a:r>
             <a:r>
-              <a:rPr lang="zh-CN" altLang="en-US" sz="2400" dirty="0" smtClean="0"/>
-              <a:t> </a:t>
-            </a:r>
-            <a:r>
-              <a:rPr lang="en-US" altLang="zh-CN" sz="2400" dirty="0" smtClean="0"/>
+              <a:rPr lang="zh-CN" altLang="en-US" sz="2000" dirty="0" smtClean="0"/>
+              <a:t> </a:t>
+            </a:r>
+            <a:r>
+              <a:rPr lang="en-US" altLang="zh-CN" sz="2000" dirty="0" smtClean="0"/>
               <a:t>Gao</a:t>
             </a:r>
-            <a:endParaRPr lang="en-US" sz="2400" dirty="0"/>
+            <a:endParaRPr lang="en-US" sz="2000" dirty="0"/>
           </a:p>
         </p:txBody>
       </p:sp>
@@ -6424,6 +6414,13 @@
   <p:clrMapOvr>
     <a:masterClrMapping/>
   </p:clrMapOvr>
+  <p:timing>
+    <p:tnLst>
+      <p:par>
+        <p:cTn id="1" dur="indefinite" restart="never" nodeType="tmRoot"/>
+      </p:par>
+    </p:tnLst>
+  </p:timing>
 </p:sld>
 </file>
 
@@ -6503,10 +6500,6 @@
               <a:t>project</a:t>
             </a:r>
             <a:r>
-              <a:rPr lang="zh-CN" altLang="en-US" sz="3200" dirty="0" smtClean="0"/>
-              <a:t> </a:t>
-            </a:r>
-            <a:r>
               <a:rPr lang="en-US" altLang="zh-CN" sz="3200" dirty="0" smtClean="0">
                 <a:solidFill>
                   <a:schemeClr val="tx1"/>
@@ -6555,12 +6548,28 @@
               <a:t> </a:t>
             </a:r>
             <a:r>
+              <a:rPr lang="en-US" altLang="zh-CN" sz="3200" dirty="0">
+                <a:solidFill>
+                  <a:schemeClr val="tx1"/>
+                </a:solidFill>
+              </a:rPr>
+              <a:t>going</a:t>
+            </a:r>
+            <a:r>
+              <a:rPr lang="zh-CN" altLang="en-US" sz="3200" dirty="0" smtClean="0">
+                <a:solidFill>
+                  <a:schemeClr val="tx1"/>
+                </a:solidFill>
+              </a:rPr>
+              <a:t> </a:t>
+            </a:r>
+            <a:r>
               <a:rPr lang="en-US" altLang="zh-CN" sz="3200" dirty="0" smtClean="0">
                 <a:solidFill>
                   <a:schemeClr val="tx1"/>
                 </a:solidFill>
               </a:rPr>
-              <a:t>about</a:t>
+              <a:t>to</a:t>
             </a:r>
             <a:r>
               <a:rPr lang="zh-CN" altLang="en-US" sz="3200" dirty="0" smtClean="0">
@@ -6576,7 +6585,7 @@
                   <a:schemeClr val="tx1"/>
                 </a:solidFill>
               </a:rPr>
-              <a:t>to</a:t>
+              <a:t>input</a:t>
             </a:r>
             <a:r>
               <a:rPr lang="zh-CN" altLang="en-US" sz="3200" dirty="0" smtClean="0">
@@ -6592,7 +6601,7 @@
                   <a:schemeClr val="tx1"/>
                 </a:solidFill>
               </a:rPr>
-              <a:t>input</a:t>
+              <a:t>audio</a:t>
             </a:r>
             <a:r>
               <a:rPr lang="zh-CN" altLang="en-US" sz="3200" dirty="0" smtClean="0">
@@ -6608,7 +6617,7 @@
                   <a:schemeClr val="tx1"/>
                 </a:solidFill>
               </a:rPr>
-              <a:t>audio</a:t>
+              <a:t>file</a:t>
             </a:r>
             <a:r>
               <a:rPr lang="zh-CN" altLang="en-US" sz="3200" dirty="0" smtClean="0">
@@ -6624,7 +6633,7 @@
                   <a:schemeClr val="tx1"/>
                 </a:solidFill>
               </a:rPr>
-              <a:t>file</a:t>
+              <a:t>in</a:t>
             </a:r>
             <a:r>
               <a:rPr lang="zh-CN" altLang="en-US" sz="3200" dirty="0" smtClean="0">
@@ -6640,7 +6649,7 @@
                   <a:schemeClr val="tx1"/>
                 </a:solidFill>
               </a:rPr>
-              <a:t>in</a:t>
+              <a:t>format</a:t>
             </a:r>
             <a:r>
               <a:rPr lang="zh-CN" altLang="en-US" sz="3200" dirty="0" smtClean="0">
@@ -6656,7 +6665,7 @@
                   <a:schemeClr val="tx1"/>
                 </a:solidFill>
               </a:rPr>
-              <a:t>format</a:t>
+              <a:t>of</a:t>
             </a:r>
             <a:r>
               <a:rPr lang="zh-CN" altLang="en-US" sz="3200" dirty="0" smtClean="0">
@@ -6672,6 +6681,150 @@
                   <a:schemeClr val="tx1"/>
                 </a:solidFill>
               </a:rPr>
+              <a:t>MIDI</a:t>
+            </a:r>
+            <a:r>
+              <a:rPr lang="zh-CN" altLang="en-US" sz="3200" dirty="0" smtClean="0">
+                <a:solidFill>
+                  <a:schemeClr val="tx1"/>
+                </a:solidFill>
+              </a:rPr>
+              <a:t> </a:t>
+            </a:r>
+            <a:r>
+              <a:rPr lang="en-US" altLang="zh-CN" sz="3200" dirty="0" smtClean="0">
+                <a:solidFill>
+                  <a:schemeClr val="tx1"/>
+                </a:solidFill>
+              </a:rPr>
+              <a:t>and</a:t>
+            </a:r>
+            <a:r>
+              <a:rPr lang="zh-CN" altLang="en-US" sz="3200" dirty="0" smtClean="0">
+                <a:solidFill>
+                  <a:schemeClr val="tx1"/>
+                </a:solidFill>
+              </a:rPr>
+              <a:t> </a:t>
+            </a:r>
+            <a:r>
+              <a:rPr lang="en-US" altLang="zh-CN" sz="3200" dirty="0" smtClean="0">
+                <a:solidFill>
+                  <a:schemeClr val="tx1"/>
+                </a:solidFill>
+              </a:rPr>
+              <a:t>this</a:t>
+            </a:r>
+            <a:r>
+              <a:rPr lang="zh-CN" altLang="en-US" sz="3200" dirty="0" smtClean="0">
+                <a:solidFill>
+                  <a:schemeClr val="tx1"/>
+                </a:solidFill>
+              </a:rPr>
+              <a:t> </a:t>
+            </a:r>
+            <a:r>
+              <a:rPr lang="en-US" altLang="zh-CN" sz="3200" dirty="0" smtClean="0">
+                <a:solidFill>
+                  <a:schemeClr val="tx1"/>
+                </a:solidFill>
+              </a:rPr>
+              <a:t>time</a:t>
+            </a:r>
+            <a:r>
+              <a:rPr lang="zh-CN" altLang="en-US" sz="3200" dirty="0" smtClean="0">
+                <a:solidFill>
+                  <a:schemeClr val="tx1"/>
+                </a:solidFill>
+              </a:rPr>
+              <a:t> </a:t>
+            </a:r>
+            <a:r>
+              <a:rPr lang="en-US" altLang="zh-CN" sz="3200" dirty="0" smtClean="0">
+                <a:solidFill>
+                  <a:schemeClr val="tx1"/>
+                </a:solidFill>
+              </a:rPr>
+              <a:t>we</a:t>
+            </a:r>
+            <a:r>
+              <a:rPr lang="zh-CN" altLang="en-US" sz="3200" dirty="0" smtClean="0">
+                <a:solidFill>
+                  <a:schemeClr val="tx1"/>
+                </a:solidFill>
+              </a:rPr>
+              <a:t> </a:t>
+            </a:r>
+            <a:r>
+              <a:rPr lang="en-US" altLang="zh-CN" sz="3200" dirty="0" smtClean="0">
+                <a:solidFill>
+                  <a:schemeClr val="tx1"/>
+                </a:solidFill>
+              </a:rPr>
+              <a:t>focus</a:t>
+            </a:r>
+            <a:r>
+              <a:rPr lang="zh-CN" altLang="en-US" sz="3200" dirty="0" smtClean="0">
+                <a:solidFill>
+                  <a:schemeClr val="tx1"/>
+                </a:solidFill>
+              </a:rPr>
+              <a:t> </a:t>
+            </a:r>
+            <a:r>
+              <a:rPr lang="en-US" altLang="zh-CN" sz="3200" dirty="0" smtClean="0">
+                <a:solidFill>
+                  <a:schemeClr val="tx1"/>
+                </a:solidFill>
+              </a:rPr>
+              <a:t>on</a:t>
+            </a:r>
+            <a:r>
+              <a:rPr lang="zh-CN" altLang="en-US" sz="3200" dirty="0" smtClean="0">
+                <a:solidFill>
+                  <a:schemeClr val="tx1"/>
+                </a:solidFill>
+              </a:rPr>
+              <a:t> </a:t>
+            </a:r>
+            <a:r>
+              <a:rPr lang="en-US" altLang="zh-CN" sz="3200" dirty="0" smtClean="0">
+                <a:solidFill>
+                  <a:schemeClr val="tx1"/>
+                </a:solidFill>
+              </a:rPr>
+              <a:t>several</a:t>
+            </a:r>
+            <a:r>
+              <a:rPr lang="zh-CN" altLang="en-US" sz="3200" dirty="0" smtClean="0">
+                <a:solidFill>
+                  <a:schemeClr val="tx1"/>
+                </a:solidFill>
+              </a:rPr>
+              <a:t> </a:t>
+            </a:r>
+            <a:r>
+              <a:rPr lang="en-US" altLang="zh-CN" sz="3200" dirty="0" smtClean="0">
+                <a:solidFill>
+                  <a:schemeClr val="tx1"/>
+                </a:solidFill>
+              </a:rPr>
+              <a:t>styles</a:t>
+            </a:r>
+            <a:r>
+              <a:rPr lang="zh-CN" altLang="en-US" sz="3200" dirty="0" smtClean="0">
+                <a:solidFill>
+                  <a:schemeClr val="tx1"/>
+                </a:solidFill>
+              </a:rPr>
+              <a:t> </a:t>
+            </a:r>
+            <a:r>
+              <a:rPr lang="en-US" altLang="zh-CN" sz="3200" dirty="0" smtClean="0">
+                <a:solidFill>
+                  <a:schemeClr val="tx1"/>
+                </a:solidFill>
+              </a:rPr>
               <a:t>of</a:t>
             </a:r>
             <a:r>
@@ -6688,15 +6841,15 @@
                   <a:schemeClr val="tx1"/>
                 </a:solidFill>
               </a:rPr>
-              <a:t>midi</a:t>
-            </a:r>
-            <a:r>
-              <a:rPr lang="zh-CN" altLang="en-US" sz="3200" dirty="0" smtClean="0">
-                <a:solidFill>
-                  <a:schemeClr val="tx1"/>
-                </a:solidFill>
-              </a:rPr>
-              <a:t> </a:t>
+              <a:t>music(</a:t>
+            </a:r>
+            <a:r>
+              <a:rPr lang="en-US" altLang="zh-CN" sz="3200" dirty="0">
+                <a:solidFill>
+                  <a:schemeClr val="tx1"/>
+                </a:solidFill>
+              </a:rPr>
+              <a:t>P</a:t>
             </a:r>
             <a:r>
               <a:rPr lang="en-US" altLang="zh-CN" sz="3200" dirty="0" smtClean="0">
@@ -6704,167 +6857,7 @@
                   <a:schemeClr val="tx1"/>
                 </a:solidFill>
               </a:rPr>
-              <a:t>and</a:t>
-            </a:r>
-            <a:r>
-              <a:rPr lang="zh-CN" altLang="en-US" sz="3200" dirty="0" smtClean="0">
-                <a:solidFill>
-                  <a:schemeClr val="tx1"/>
-                </a:solidFill>
-              </a:rPr>
-              <a:t> </a:t>
-            </a:r>
-            <a:r>
-              <a:rPr lang="en-US" altLang="zh-CN" sz="3200" dirty="0" smtClean="0">
-                <a:solidFill>
-                  <a:schemeClr val="tx1"/>
-                </a:solidFill>
-              </a:rPr>
-              <a:t>this</a:t>
-            </a:r>
-            <a:r>
-              <a:rPr lang="zh-CN" altLang="en-US" sz="3200" dirty="0" smtClean="0">
-                <a:solidFill>
-                  <a:schemeClr val="tx1"/>
-                </a:solidFill>
-              </a:rPr>
-              <a:t> </a:t>
-            </a:r>
-            <a:r>
-              <a:rPr lang="en-US" altLang="zh-CN" sz="3200" dirty="0" smtClean="0">
-                <a:solidFill>
-                  <a:schemeClr val="tx1"/>
-                </a:solidFill>
-              </a:rPr>
-              <a:t>time</a:t>
-            </a:r>
-            <a:r>
-              <a:rPr lang="zh-CN" altLang="en-US" sz="3200" dirty="0" smtClean="0">
-                <a:solidFill>
-                  <a:schemeClr val="tx1"/>
-                </a:solidFill>
-              </a:rPr>
-              <a:t> </a:t>
-            </a:r>
-            <a:r>
-              <a:rPr lang="en-US" altLang="zh-CN" sz="3200" dirty="0" smtClean="0">
-                <a:solidFill>
-                  <a:schemeClr val="tx1"/>
-                </a:solidFill>
-              </a:rPr>
-              <a:t>we</a:t>
-            </a:r>
-            <a:r>
-              <a:rPr lang="zh-CN" altLang="en-US" sz="3200" dirty="0" smtClean="0">
-                <a:solidFill>
-                  <a:schemeClr val="tx1"/>
-                </a:solidFill>
-              </a:rPr>
-              <a:t> </a:t>
-            </a:r>
-            <a:r>
-              <a:rPr lang="en-US" altLang="zh-CN" sz="3200" dirty="0" smtClean="0">
-                <a:solidFill>
-                  <a:schemeClr val="tx1"/>
-                </a:solidFill>
-              </a:rPr>
-              <a:t>focus</a:t>
-            </a:r>
-            <a:r>
-              <a:rPr lang="zh-CN" altLang="en-US" sz="3200" dirty="0" smtClean="0">
-                <a:solidFill>
-                  <a:schemeClr val="tx1"/>
-                </a:solidFill>
-              </a:rPr>
-              <a:t> </a:t>
-            </a:r>
-            <a:r>
-              <a:rPr lang="en-US" altLang="zh-CN" sz="3200" dirty="0" smtClean="0">
-                <a:solidFill>
-                  <a:schemeClr val="tx1"/>
-                </a:solidFill>
-              </a:rPr>
-              <a:t>on</a:t>
-            </a:r>
-            <a:r>
-              <a:rPr lang="zh-CN" altLang="en-US" sz="3200" dirty="0" smtClean="0">
-                <a:solidFill>
-                  <a:schemeClr val="tx1"/>
-                </a:solidFill>
-              </a:rPr>
-              <a:t> </a:t>
-            </a:r>
-            <a:r>
-              <a:rPr lang="en-US" altLang="zh-CN" sz="3200" dirty="0" smtClean="0">
-                <a:solidFill>
-                  <a:schemeClr val="tx1"/>
-                </a:solidFill>
-              </a:rPr>
-              <a:t>several</a:t>
-            </a:r>
-            <a:r>
-              <a:rPr lang="zh-CN" altLang="en-US" sz="3200" dirty="0" smtClean="0">
-                <a:solidFill>
-                  <a:schemeClr val="tx1"/>
-                </a:solidFill>
-              </a:rPr>
-              <a:t> </a:t>
-            </a:r>
-            <a:r>
-              <a:rPr lang="en-US" altLang="zh-CN" sz="3200" dirty="0" smtClean="0">
-                <a:solidFill>
-                  <a:schemeClr val="tx1"/>
-                </a:solidFill>
-              </a:rPr>
-              <a:t>styles</a:t>
-            </a:r>
-            <a:r>
-              <a:rPr lang="zh-CN" altLang="en-US" sz="3200" dirty="0" smtClean="0">
-                <a:solidFill>
-                  <a:schemeClr val="tx1"/>
-                </a:solidFill>
-              </a:rPr>
-              <a:t> </a:t>
-            </a:r>
-            <a:r>
-              <a:rPr lang="en-US" altLang="zh-CN" sz="3200" dirty="0" smtClean="0">
-                <a:solidFill>
-                  <a:schemeClr val="tx1"/>
-                </a:solidFill>
-              </a:rPr>
-              <a:t>of</a:t>
-            </a:r>
-            <a:r>
-              <a:rPr lang="zh-CN" altLang="en-US" sz="3200" dirty="0" smtClean="0">
-                <a:solidFill>
-                  <a:schemeClr val="tx1"/>
-                </a:solidFill>
-              </a:rPr>
-              <a:t> </a:t>
-            </a:r>
-            <a:r>
-              <a:rPr lang="en-US" altLang="zh-CN" sz="3200" dirty="0" smtClean="0">
-                <a:solidFill>
-                  <a:schemeClr val="tx1"/>
-                </a:solidFill>
-              </a:rPr>
-              <a:t>music(</a:t>
-            </a:r>
-            <a:r>
-              <a:rPr lang="en-US" altLang="zh-CN" sz="3200" dirty="0" err="1" smtClean="0">
-                <a:solidFill>
-                  <a:schemeClr val="tx1"/>
-                </a:solidFill>
-              </a:rPr>
-              <a:t>pop,jazz,music,etc</a:t>
-            </a:r>
-            <a:r>
-              <a:rPr lang="en-US" altLang="zh-CN" sz="3200" dirty="0" smtClean="0">
-                <a:solidFill>
-                  <a:schemeClr val="tx1"/>
-                </a:solidFill>
-              </a:rPr>
-              <a:t>).</a:t>
+              <a:t>op, Jazz, Classical music, etc.).</a:t>
             </a:r>
             <a:r>
               <a:rPr lang="zh-CN" altLang="en-US" sz="3200" dirty="0" smtClean="0">
@@ -7188,6 +7181,13 @@
   <p:clrMapOvr>
     <a:masterClrMapping/>
   </p:clrMapOvr>
+  <p:timing>
+    <p:tnLst>
+      <p:par>
+        <p:cTn id="1" dur="indefinite" restart="never" nodeType="tmRoot"/>
+      </p:par>
+    </p:tnLst>
+  </p:timing>
 </p:sld>
 </file>
 
@@ -7415,6 +7415,13 @@
   <p:clrMapOvr>
     <a:masterClrMapping/>
   </p:clrMapOvr>
+  <p:timing>
+    <p:tnLst>
+      <p:par>
+        <p:cTn id="1" dur="indefinite" restart="never" nodeType="tmRoot"/>
+      </p:par>
+    </p:tnLst>
+  </p:timing>
 </p:sld>
 </file>
 
@@ -7511,22 +7518,6 @@
                   <a:schemeClr val="tx1"/>
                 </a:solidFill>
               </a:rPr>
-              <a:t>from</a:t>
-            </a:r>
-            <a:r>
-              <a:rPr lang="zh-CN" altLang="en-US" sz="3200" dirty="0" smtClean="0">
-                <a:solidFill>
-                  <a:schemeClr val="tx1"/>
-                </a:solidFill>
-              </a:rPr>
-              <a:t> </a:t>
-            </a:r>
-            <a:r>
-              <a:rPr lang="en-US" altLang="zh-CN" sz="3200" dirty="0" smtClean="0">
-                <a:solidFill>
-                  <a:schemeClr val="tx1"/>
-                </a:solidFill>
-              </a:rPr>
               <a:t/>
             </a:r>
             <a:br>
@@ -7946,23 +7937,7 @@
                   <a:schemeClr val="tx1"/>
                 </a:solidFill>
               </a:rPr>
-              <a:t>six</a:t>
-            </a:r>
-            <a:r>
-              <a:rPr lang="zh-CN" altLang="en-US" sz="3200" dirty="0" smtClean="0">
-                <a:solidFill>
-                  <a:schemeClr val="tx1"/>
-                </a:solidFill>
-              </a:rPr>
-              <a:t> </a:t>
-            </a:r>
-            <a:r>
-              <a:rPr lang="en-US" altLang="zh-CN" sz="3200" dirty="0" smtClean="0">
-                <a:solidFill>
-                  <a:schemeClr val="tx1"/>
-                </a:solidFill>
-              </a:rPr>
-              <a:t>thousands</a:t>
+              <a:t>6000</a:t>
             </a:r>
             <a:r>
               <a:rPr lang="zh-CN" altLang="en-US" sz="3200" dirty="0" smtClean="0">
@@ -8030,6 +8005,13 @@
   <p:clrMapOvr>
     <a:masterClrMapping/>
   </p:clrMapOvr>
+  <p:timing>
+    <p:tnLst>
+      <p:par>
+        <p:cTn id="1" dur="indefinite" restart="never" nodeType="tmRoot"/>
+      </p:par>
+    </p:tnLst>
+  </p:timing>
 </p:sld>
 </file>
 
@@ -8417,36 +8399,40 @@
               <a:t> </a:t>
             </a:r>
             <a:r>
-              <a:rPr lang="en-US" altLang="zh-CN" sz="2400" dirty="0" smtClean="0"/>
-              <a:t>some</a:t>
-            </a:r>
-            <a:r>
-              <a:rPr lang="zh-CN" altLang="en-US" sz="2400" dirty="0" smtClean="0"/>
-              <a:t> </a:t>
-            </a:r>
-            <a:r>
-              <a:rPr lang="en-US" altLang="zh-CN" sz="2400" dirty="0" smtClean="0"/>
-              <a:t>objects</a:t>
-            </a:r>
-            <a:r>
-              <a:rPr lang="zh-CN" altLang="en-US" sz="2400" dirty="0" smtClean="0"/>
-              <a:t> </a:t>
-            </a:r>
-            <a:r>
-              <a:rPr lang="en-US" altLang="zh-CN" sz="2400" dirty="0" smtClean="0"/>
-              <a:t>and</a:t>
-            </a:r>
-            <a:r>
-              <a:rPr lang="zh-CN" altLang="en-US" sz="2400" dirty="0"/>
-              <a:t> </a:t>
-            </a:r>
-            <a:r>
-              <a:rPr lang="en-US" altLang="zh-CN" sz="2400" dirty="0" smtClean="0"/>
-              <a:t>classes</a:t>
-            </a:r>
-            <a:r>
-              <a:rPr lang="zh-CN" altLang="en-US" sz="2400" dirty="0" smtClean="0"/>
-              <a:t> </a:t>
+              <a:rPr lang="en-US" altLang="zh-CN" sz="2400" dirty="0"/>
+              <a:t>a interface for</a:t>
+            </a:r>
+            <a:r>
+              <a:rPr lang="zh-CN" altLang="en-US" sz="2400" dirty="0" smtClean="0"/>
+              <a:t> </a:t>
+            </a:r>
+            <a:r>
+              <a:rPr lang="en-US" altLang="zh-CN" sz="2400" dirty="0" smtClean="0"/>
+              <a:t>importing</a:t>
+            </a:r>
+            <a:r>
+              <a:rPr lang="zh-CN" altLang="en-US" sz="2400" dirty="0" smtClean="0"/>
+              <a:t> </a:t>
+            </a:r>
+            <a:r>
+              <a:rPr lang="en-US" altLang="zh-CN" sz="2400" dirty="0" smtClean="0"/>
+              <a:t>data</a:t>
+            </a:r>
+            <a:r>
+              <a:rPr lang="zh-CN" altLang="en-US" sz="2400" dirty="0" smtClean="0"/>
+              <a:t> </a:t>
+            </a:r>
+            <a:r>
+              <a:rPr lang="en-US" altLang="zh-CN" sz="2400" dirty="0" smtClean="0"/>
+              <a:t>from</a:t>
+            </a:r>
+            <a:r>
+              <a:rPr lang="zh-CN" altLang="en-US" sz="2400" dirty="0" smtClean="0"/>
+              <a:t> </a:t>
+            </a:r>
+            <a:r>
+              <a:rPr lang="en-US" altLang="zh-CN" sz="2400" dirty="0"/>
+              <a:t>audio data sets </a:t>
             </a:r>
             <a:r>
               <a:rPr lang="en-US" altLang="zh-CN" sz="2400" dirty="0" smtClean="0"/>
@@ -8458,55 +8444,15 @@
             </a:r>
             <a:r>
               <a:rPr lang="en-US" altLang="zh-CN" sz="2400" dirty="0" smtClean="0"/>
-              <a:t>import</a:t>
-            </a:r>
-            <a:r>
-              <a:rPr lang="zh-CN" altLang="en-US" sz="2400" dirty="0" smtClean="0"/>
-              <a:t> </a:t>
-            </a:r>
-            <a:r>
-              <a:rPr lang="en-US" altLang="zh-CN" sz="2400" dirty="0" smtClean="0"/>
-              <a:t>data</a:t>
-            </a:r>
-            <a:r>
-              <a:rPr lang="zh-CN" altLang="en-US" sz="2400" dirty="0" smtClean="0"/>
-              <a:t> </a:t>
-            </a:r>
-            <a:r>
-              <a:rPr lang="en-US" altLang="zh-CN" sz="2400" dirty="0" smtClean="0"/>
-              <a:t>from</a:t>
-            </a:r>
-            <a:r>
-              <a:rPr lang="zh-CN" altLang="en-US" sz="2400" dirty="0" smtClean="0"/>
-              <a:t> </a:t>
-            </a:r>
-            <a:r>
-              <a:rPr lang="en-US" altLang="zh-CN" sz="2400" dirty="0" smtClean="0"/>
-              <a:t>tables</a:t>
-            </a:r>
-            <a:r>
-              <a:rPr lang="zh-CN" altLang="en-US" sz="2400" dirty="0" smtClean="0"/>
-              <a:t> </a:t>
-            </a:r>
-            <a:r>
-              <a:rPr lang="en-US" altLang="zh-CN" sz="2400" dirty="0" smtClean="0"/>
-              <a:t>to</a:t>
-            </a:r>
-            <a:r>
-              <a:rPr lang="zh-CN" altLang="en-US" sz="2400" dirty="0" smtClean="0"/>
-              <a:t> </a:t>
-            </a:r>
-            <a:r>
-              <a:rPr lang="en-US" altLang="zh-CN" sz="2400" dirty="0" smtClean="0"/>
-              <a:t>our</a:t>
-            </a:r>
-            <a:r>
-              <a:rPr lang="zh-CN" altLang="en-US" sz="2400" dirty="0" smtClean="0"/>
-              <a:t> </a:t>
-            </a:r>
-            <a:r>
-              <a:rPr lang="en-US" altLang="zh-CN" sz="2400" dirty="0" smtClean="0"/>
-              <a:t>program</a:t>
+              <a:t>run our</a:t>
+            </a:r>
+            <a:r>
+              <a:rPr lang="zh-CN" altLang="en-US" sz="2400" dirty="0" smtClean="0"/>
+              <a:t> </a:t>
+            </a:r>
+            <a:r>
+              <a:rPr lang="en-US" altLang="zh-CN" sz="2400" dirty="0" smtClean="0"/>
+              <a:t>main function</a:t>
             </a:r>
           </a:p>
           <a:p>
@@ -8611,6 +8557,13 @@
   <p:clrMapOvr>
     <a:masterClrMapping/>
   </p:clrMapOvr>
+  <p:timing>
+    <p:tnLst>
+      <p:par>
+        <p:cTn id="1" dur="indefinite" restart="never" nodeType="tmRoot"/>
+      </p:par>
+    </p:tnLst>
+  </p:timing>
 </p:sld>
 </file>
 
@@ -9228,16 +9181,31 @@
               <a:t>Github</a:t>
             </a:r>
             <a:r>
-              <a:rPr lang="en-US" altLang="zh-CN" sz="3200" dirty="0" smtClean="0">
+              <a:rPr lang="en-US" altLang="zh-CN" sz="3200" dirty="0">
                 <a:solidFill>
                   <a:schemeClr val="tx1"/>
                 </a:solidFill>
               </a:rPr>
               <a:t>.</a:t>
             </a:r>
-            <a:endParaRPr lang="en-US" sz="3200" dirty="0">
+            <a:br>
+              <a:rPr lang="en-US" altLang="zh-CN" sz="3200" dirty="0">
+                <a:solidFill>
+                  <a:schemeClr val="tx1"/>
+                </a:solidFill>
+              </a:rPr>
+            </a:br>
+            <a:r>
+              <a:rPr lang="en-US" altLang="zh-CN" sz="3200" u="sng" dirty="0">
+                <a:solidFill>
+                  <a:srgbClr val="00B0F0"/>
+                </a:solidFill>
+              </a:rPr>
+              <a:t>github.com/JunxiFan/Team4-Final-Project</a:t>
+            </a:r>
+            <a:endParaRPr lang="en-US" sz="3200" u="sng" dirty="0">
               <a:solidFill>
-                <a:schemeClr val="tx1"/>
+                <a:srgbClr val="00B0F0"/>
               </a:solidFill>
             </a:endParaRPr>
           </a:p>
@@ -9253,6 +9221,13 @@
   <p:clrMapOvr>
     <a:masterClrMapping/>
   </p:clrMapOvr>
+  <p:timing>
+    <p:tnLst>
+      <p:par>
+        <p:cTn id="1" dur="indefinite" restart="never" nodeType="tmRoot"/>
+      </p:par>
+    </p:tnLst>
+  </p:timing>
 </p:sld>
 </file>
 
@@ -9306,7 +9281,7 @@
         <p:spPr>
           <a:xfrm>
             <a:off x="787791" y="1930400"/>
-            <a:ext cx="7244861" cy="3785652"/>
+            <a:ext cx="7244861" cy="4154984"/>
           </a:xfrm>
           <a:prstGeom prst="rect">
             <a:avLst/>
@@ -9531,7 +9506,7 @@
             </a:r>
             <a:r>
               <a:rPr lang="en-US" altLang="zh-CN" sz="2400" dirty="0" smtClean="0"/>
-              <a:t>paly</a:t>
+              <a:t>play</a:t>
             </a:r>
             <a:r>
               <a:rPr lang="zh-CN" altLang="en-US" sz="2400" dirty="0" smtClean="0"/>
@@ -9590,20 +9565,96 @@
               <a:t>song,</a:t>
             </a:r>
             <a:r>
-              <a:rPr lang="zh-CN" altLang="en-US" sz="2400" dirty="0" smtClean="0"/>
-              <a:t> </a:t>
-            </a:r>
-            <a:r>
-              <a:rPr lang="en-US" altLang="zh-CN" sz="2400" dirty="0" smtClean="0"/>
-              <a:t>the</a:t>
-            </a:r>
-            <a:r>
-              <a:rPr lang="zh-CN" altLang="en-US" sz="2400" dirty="0" smtClean="0"/>
-              <a:t> </a:t>
-            </a:r>
-            <a:r>
-              <a:rPr lang="en-US" altLang="zh-CN" sz="2400" dirty="0" smtClean="0"/>
-              <a:t>other</a:t>
+              <a:rPr lang="en-US" altLang="zh-CN" sz="2400" dirty="0"/>
+              <a:t> the other one is </a:t>
+            </a:r>
+            <a:r>
+              <a:rPr lang="en-US" altLang="zh-CN" sz="2400" dirty="0" smtClean="0"/>
+              <a:t>different</a:t>
+            </a:r>
+            <a:r>
+              <a:rPr lang="zh-CN" altLang="en-US" sz="2400" dirty="0" smtClean="0"/>
+              <a:t> </a:t>
+            </a:r>
+            <a:r>
+              <a:rPr lang="en-US" altLang="zh-CN" sz="2400" dirty="0" smtClean="0"/>
+              <a:t>song</a:t>
+            </a:r>
+            <a:r>
+              <a:rPr lang="zh-CN" altLang="en-US" sz="2400" dirty="0" smtClean="0"/>
+              <a:t> </a:t>
+            </a:r>
+            <a:r>
+              <a:rPr lang="en-US" altLang="zh-CN" sz="2400" dirty="0" smtClean="0"/>
+              <a:t>which</a:t>
+            </a:r>
+            <a:r>
+              <a:rPr lang="zh-CN" altLang="en-US" sz="2400" dirty="0" smtClean="0"/>
+              <a:t> </a:t>
+            </a:r>
+            <a:r>
+              <a:rPr lang="en-US" altLang="zh-CN" sz="2400" dirty="0" smtClean="0"/>
+              <a:t>is</a:t>
+            </a:r>
+            <a:r>
+              <a:rPr lang="zh-CN" altLang="en-US" sz="2400" dirty="0" smtClean="0"/>
+              <a:t> </a:t>
+            </a:r>
+            <a:r>
+              <a:rPr lang="en-US" altLang="zh-CN" sz="2400" dirty="0" smtClean="0"/>
+              <a:t>produced</a:t>
+            </a:r>
+            <a:r>
+              <a:rPr lang="zh-CN" altLang="en-US" sz="2400" dirty="0" smtClean="0"/>
+              <a:t> </a:t>
+            </a:r>
+            <a:r>
+              <a:rPr lang="en-US" altLang="zh-CN" sz="2400" dirty="0" smtClean="0"/>
+              <a:t>by</a:t>
+            </a:r>
+            <a:r>
+              <a:rPr lang="zh-CN" altLang="en-US" sz="2400" dirty="0" smtClean="0"/>
+              <a:t> </a:t>
+            </a:r>
+            <a:r>
+              <a:rPr lang="en-US" altLang="zh-CN" sz="2400" dirty="0" smtClean="0"/>
+              <a:t>our</a:t>
+            </a:r>
+            <a:r>
+              <a:rPr lang="zh-CN" altLang="en-US" sz="2400" dirty="0" smtClean="0"/>
+              <a:t> </a:t>
+            </a:r>
+            <a:r>
+              <a:rPr lang="en-US" altLang="zh-CN" sz="2400" dirty="0" smtClean="0"/>
+              <a:t>project</a:t>
+            </a:r>
+            <a:r>
+              <a:rPr lang="en-US" altLang="zh-CN" sz="2400" dirty="0"/>
+              <a:t>,</a:t>
+            </a:r>
+            <a:r>
+              <a:rPr lang="zh-CN" altLang="en-US" sz="2400" dirty="0" smtClean="0"/>
+              <a:t> </a:t>
+            </a:r>
+            <a:r>
+              <a:rPr lang="en-US" altLang="zh-CN" sz="2400" dirty="0" smtClean="0"/>
+              <a:t>let</a:t>
+            </a:r>
+            <a:r>
+              <a:rPr lang="zh-CN" altLang="en-US" sz="2400" dirty="0" smtClean="0"/>
+              <a:t> </a:t>
+            </a:r>
+            <a:r>
+              <a:rPr lang="en-US" altLang="zh-CN" sz="2400" dirty="0" smtClean="0"/>
+              <a:t>everybody judge</a:t>
+            </a:r>
+            <a:r>
+              <a:rPr lang="zh-CN" altLang="en-US" sz="2400" dirty="0" smtClean="0"/>
+              <a:t> </a:t>
+            </a:r>
+            <a:r>
+              <a:rPr lang="en-US" altLang="zh-CN" sz="2400" dirty="0" smtClean="0"/>
+              <a:t>which</a:t>
             </a:r>
             <a:r>
               <a:rPr lang="zh-CN" altLang="en-US" sz="2400" dirty="0" smtClean="0"/>
@@ -9627,47 +9678,7 @@
             </a:r>
             <a:r>
               <a:rPr lang="en-US" altLang="zh-CN" sz="2400" dirty="0" smtClean="0"/>
-              <a:t>another</a:t>
-            </a:r>
-            <a:r>
-              <a:rPr lang="zh-CN" altLang="en-US" sz="2400" dirty="0" smtClean="0"/>
-              <a:t> </a:t>
-            </a:r>
-            <a:r>
-              <a:rPr lang="en-US" altLang="zh-CN" sz="2400" dirty="0" smtClean="0"/>
-              <a:t>different</a:t>
-            </a:r>
-            <a:r>
-              <a:rPr lang="zh-CN" altLang="en-US" sz="2400" dirty="0" smtClean="0"/>
-              <a:t> </a:t>
-            </a:r>
-            <a:r>
-              <a:rPr lang="en-US" altLang="zh-CN" sz="2400" dirty="0" smtClean="0"/>
-              <a:t>song</a:t>
-            </a:r>
-            <a:r>
-              <a:rPr lang="zh-CN" altLang="en-US" sz="2400" dirty="0" smtClean="0"/>
-              <a:t> </a:t>
-            </a:r>
-            <a:r>
-              <a:rPr lang="en-US" altLang="zh-CN" sz="2400" dirty="0" smtClean="0"/>
-              <a:t>which</a:t>
-            </a:r>
-            <a:r>
-              <a:rPr lang="zh-CN" altLang="en-US" sz="2400" dirty="0" smtClean="0"/>
-              <a:t> </a:t>
-            </a:r>
-            <a:r>
-              <a:rPr lang="en-US" altLang="zh-CN" sz="2400" dirty="0" smtClean="0"/>
-              <a:t>is</a:t>
-            </a:r>
-            <a:r>
-              <a:rPr lang="zh-CN" altLang="en-US" sz="2400" dirty="0" smtClean="0"/>
-              <a:t> </a:t>
-            </a:r>
-            <a:r>
-              <a:rPr lang="en-US" altLang="zh-CN" sz="2400" dirty="0" smtClean="0"/>
-              <a:t>produced</a:t>
+              <a:t>composed</a:t>
             </a:r>
             <a:r>
               <a:rPr lang="zh-CN" altLang="en-US" sz="2400" dirty="0" smtClean="0"/>
@@ -9683,135 +9694,15 @@
             </a:r>
             <a:r>
               <a:rPr lang="en-US" altLang="zh-CN" sz="2400" dirty="0" smtClean="0"/>
-              <a:t>our</a:t>
-            </a:r>
-            <a:r>
-              <a:rPr lang="zh-CN" altLang="en-US" sz="2400" dirty="0" smtClean="0"/>
-              <a:t> </a:t>
-            </a:r>
-            <a:r>
-              <a:rPr lang="en-US" altLang="zh-CN" sz="2400" dirty="0" smtClean="0"/>
-              <a:t>project</a:t>
-            </a:r>
-            <a:r>
-              <a:rPr lang="zh-CN" altLang="en-US" sz="2400" dirty="0" smtClean="0"/>
-              <a:t> </a:t>
-            </a:r>
-            <a:r>
-              <a:rPr lang="en-US" altLang="zh-CN" sz="2400" dirty="0" smtClean="0"/>
-              <a:t>,</a:t>
-            </a:r>
-            <a:r>
-              <a:rPr lang="zh-CN" altLang="en-US" sz="2400" dirty="0" smtClean="0"/>
-              <a:t> </a:t>
-            </a:r>
-            <a:r>
-              <a:rPr lang="en-US" altLang="zh-CN" sz="2400" dirty="0" smtClean="0"/>
-              <a:t>let</a:t>
-            </a:r>
-            <a:r>
-              <a:rPr lang="zh-CN" altLang="en-US" sz="2400" dirty="0" smtClean="0"/>
-              <a:t> </a:t>
-            </a:r>
-            <a:r>
-              <a:rPr lang="en-US" altLang="zh-CN" sz="2400" dirty="0" smtClean="0"/>
-              <a:t>students</a:t>
-            </a:r>
-            <a:r>
-              <a:rPr lang="zh-CN" altLang="en-US" sz="2400" dirty="0" smtClean="0"/>
-              <a:t> </a:t>
-            </a:r>
-            <a:r>
-              <a:rPr lang="en-US" altLang="zh-CN" sz="2400" dirty="0" smtClean="0"/>
-              <a:t>judge</a:t>
-            </a:r>
-            <a:r>
-              <a:rPr lang="zh-CN" altLang="en-US" sz="2400" dirty="0" smtClean="0"/>
-              <a:t> </a:t>
-            </a:r>
-            <a:r>
-              <a:rPr lang="en-US" altLang="zh-CN" sz="2400" dirty="0" smtClean="0"/>
-              <a:t>which</a:t>
-            </a:r>
-            <a:r>
-              <a:rPr lang="zh-CN" altLang="en-US" sz="2400" dirty="0" smtClean="0"/>
-              <a:t> </a:t>
-            </a:r>
-            <a:r>
-              <a:rPr lang="en-US" altLang="zh-CN" sz="2400" dirty="0" smtClean="0"/>
-              <a:t>one</a:t>
-            </a:r>
-            <a:r>
-              <a:rPr lang="zh-CN" altLang="en-US" sz="2400" dirty="0" smtClean="0"/>
-              <a:t> </a:t>
-            </a:r>
-            <a:r>
-              <a:rPr lang="en-US" altLang="zh-CN" sz="2400" dirty="0" smtClean="0"/>
-              <a:t>is</a:t>
-            </a:r>
-            <a:r>
-              <a:rPr lang="zh-CN" altLang="en-US" sz="2400" dirty="0" smtClean="0"/>
-              <a:t> </a:t>
-            </a:r>
-            <a:r>
-              <a:rPr lang="en-US" altLang="zh-CN" sz="2400" dirty="0" smtClean="0"/>
-              <a:t>composed</a:t>
-            </a:r>
-            <a:r>
-              <a:rPr lang="zh-CN" altLang="en-US" sz="2400" dirty="0" smtClean="0"/>
-              <a:t> </a:t>
-            </a:r>
-            <a:r>
-              <a:rPr lang="en-US" altLang="zh-CN" sz="2400" dirty="0" smtClean="0"/>
-              <a:t>by</a:t>
-            </a:r>
-            <a:r>
-              <a:rPr lang="zh-CN" altLang="en-US" sz="2400" dirty="0" smtClean="0"/>
-              <a:t> </a:t>
-            </a:r>
-            <a:r>
-              <a:rPr lang="en-US" altLang="zh-CN" sz="2400" dirty="0" smtClean="0"/>
-              <a:t>human,</a:t>
-            </a:r>
-            <a:r>
-              <a:rPr lang="zh-CN" altLang="en-US" sz="2400" dirty="0" smtClean="0"/>
-              <a:t> </a:t>
-            </a:r>
-            <a:r>
-              <a:rPr lang="en-US" altLang="zh-CN" sz="2400" dirty="0" smtClean="0"/>
-              <a:t>if</a:t>
-            </a:r>
-            <a:r>
-              <a:rPr lang="zh-CN" altLang="en-US" sz="2400" dirty="0" smtClean="0"/>
-              <a:t> </a:t>
-            </a:r>
-            <a:r>
-              <a:rPr lang="en-US" altLang="zh-CN" sz="2400" dirty="0" smtClean="0"/>
-              <a:t>some</a:t>
-            </a:r>
-            <a:r>
-              <a:rPr lang="zh-CN" altLang="en-US" sz="2400" dirty="0" smtClean="0"/>
-              <a:t> </a:t>
-            </a:r>
-            <a:r>
-              <a:rPr lang="en-US" altLang="zh-CN" sz="2400" dirty="0" smtClean="0"/>
-              <a:t>students</a:t>
-            </a:r>
-            <a:r>
-              <a:rPr lang="zh-CN" altLang="en-US" sz="2400" dirty="0" smtClean="0"/>
-              <a:t>  </a:t>
-            </a:r>
-            <a:r>
-              <a:rPr lang="en-US" altLang="zh-CN" sz="2400" dirty="0" smtClean="0"/>
-              <a:t>can’t</a:t>
-            </a:r>
-            <a:r>
-              <a:rPr lang="zh-CN" altLang="en-US" sz="2400" dirty="0" smtClean="0"/>
-              <a:t> </a:t>
-            </a:r>
-            <a:r>
-              <a:rPr lang="en-US" altLang="zh-CN" sz="2400" dirty="0" smtClean="0"/>
-              <a:t>tell,</a:t>
+              <a:t>human, </a:t>
+            </a:r>
+            <a:r>
+              <a:rPr lang="zh-CN" altLang="en-US" sz="2400" dirty="0" smtClean="0"/>
+              <a:t> </a:t>
+            </a:r>
+            <a:r>
+              <a:rPr lang="en-US" altLang="zh-CN" sz="2400" dirty="0" smtClean="0"/>
+              <a:t>if its difficult for most people to tell the difference,</a:t>
             </a:r>
             <a:r>
               <a:rPr lang="zh-CN" altLang="en-US" sz="2400" dirty="0" smtClean="0"/>
@@ -9907,6 +9798,13 @@
   <p:clrMapOvr>
     <a:masterClrMapping/>
   </p:clrMapOvr>
+  <p:timing>
+    <p:tnLst>
+      <p:par>
+        <p:cTn id="1" dur="indefinite" restart="never" nodeType="tmRoot"/>
+      </p:par>
+    </p:tnLst>
+  </p:timing>
 </p:sld>
 </file>
 
@@ -10103,7 +10001,7 @@
             </a:r>
             <a:r>
               <a:rPr lang="en-US" altLang="zh-CN" sz="2800" dirty="0"/>
-              <a:t>noise.</a:t>
+              <a:t>noise or unpleasing rhythm.</a:t>
             </a:r>
             <a:r>
               <a:rPr lang="zh-CN" altLang="en-US" sz="2800" dirty="0"/>
@@ -10205,6 +10103,13 @@
   <p:clrMapOvr>
     <a:masterClrMapping/>
   </p:clrMapOvr>
+  <p:timing>
+    <p:tnLst>
+      <p:par>
+        <p:cTn id="1" dur="indefinite" restart="never" nodeType="tmRoot"/>
+      </p:par>
+    </p:tnLst>
+  </p:timing>
 </p:sld>
 </file>
 
@@ -10279,6 +10184,13 @@
   <p:clrMapOvr>
     <a:masterClrMapping/>
   </p:clrMapOvr>
+  <p:timing>
+    <p:tnLst>
+      <p:par>
+        <p:cTn id="1" dur="indefinite" restart="never" nodeType="tmRoot"/>
+      </p:par>
+    </p:tnLst>
+  </p:timing>
 </p:sld>
 </file>
 

--- a/smart music composer.pptx
+++ b/smart music composer.pptx
@@ -6453,8 +6453,8 @@
         </p:nvSpPr>
         <p:spPr>
           <a:xfrm>
-            <a:off x="651577" y="1021724"/>
-            <a:ext cx="9029374" cy="5439508"/>
+            <a:off x="651577" y="540913"/>
+            <a:ext cx="9029374" cy="5920319"/>
           </a:xfrm>
         </p:spPr>
         <p:txBody>
@@ -6464,6 +6464,44 @@
           <a:lstStyle/>
           <a:p>
             <a:r>
+              <a:rPr lang="en-US" altLang="zh-CN" sz="4000" dirty="0" smtClean="0"/>
+              <a:t>Use</a:t>
+            </a:r>
+            <a:r>
+              <a:rPr lang="zh-CN" altLang="en-US" sz="4000" dirty="0" smtClean="0"/>
+              <a:t> </a:t>
+            </a:r>
+            <a:r>
+              <a:rPr lang="en-US" altLang="zh-CN" sz="4000" dirty="0"/>
+              <a:t>C</a:t>
+            </a:r>
+            <a:r>
+              <a:rPr lang="en-US" altLang="zh-CN" sz="4000" dirty="0" smtClean="0"/>
+              <a:t>ase</a:t>
+            </a:r>
+            <a:r>
+              <a:rPr lang="en-US" altLang="zh-CN" sz="3200" dirty="0" smtClean="0"/>
+              <a:t/>
+            </a:r>
+            <a:br>
+              <a:rPr lang="en-US" altLang="zh-CN" sz="3200" dirty="0" smtClean="0"/>
+            </a:br>
+            <a:r>
+              <a:rPr lang="en-US" altLang="zh-CN" sz="3200" dirty="0" smtClean="0">
+                <a:solidFill>
+                  <a:schemeClr val="tx1"/>
+                </a:solidFill>
+              </a:rPr>
+              <a:t/>
+            </a:r>
+            <a:br>
+              <a:rPr lang="en-US" altLang="zh-CN" sz="3200" dirty="0" smtClean="0">
+                <a:solidFill>
+                  <a:schemeClr val="tx1"/>
+                </a:solidFill>
+              </a:rPr>
+            </a:br>
+            <a:r>
               <a:rPr lang="en-US" altLang="zh-CN" sz="3200" dirty="0" smtClean="0">
                 <a:solidFill>
                   <a:schemeClr val="tx1"/>
@@ -6496,16 +6534,12 @@
               <a:t> </a:t>
             </a:r>
             <a:r>
-              <a:rPr lang="en-US" altLang="zh-CN" sz="3200" dirty="0" smtClean="0"/>
-              <a:t>project</a:t>
-            </a:r>
-            <a:r>
-              <a:rPr lang="en-US" altLang="zh-CN" sz="3200" dirty="0" smtClean="0">
-                <a:solidFill>
-                  <a:schemeClr val="tx1"/>
-                </a:solidFill>
-              </a:rPr>
-              <a:t>,</a:t>
+              <a:rPr lang="en-US" altLang="zh-CN" sz="3200" dirty="0" smtClean="0">
+                <a:solidFill>
+                  <a:schemeClr val="tx1"/>
+                </a:solidFill>
+              </a:rPr>
+              <a:t>project,</a:t>
             </a:r>
             <a:r>
               <a:rPr lang="zh-CN" altLang="en-US" sz="3200" dirty="0" smtClean="0">

--- a/smart music composer.pptx
+++ b/smart music composer.pptx
@@ -6284,13 +6284,13 @@
         </p:nvSpPr>
         <p:spPr>
           <a:xfrm>
-            <a:off x="780365" y="1021723"/>
-            <a:ext cx="8596668" cy="1320800"/>
+            <a:off x="780365" y="1021722"/>
+            <a:ext cx="8596668" cy="2159359"/>
           </a:xfrm>
         </p:spPr>
         <p:txBody>
           <a:bodyPr>
-            <a:normAutofit/>
+            <a:normAutofit fontScale="90000"/>
           </a:bodyPr>
           <a:lstStyle/>
           <a:p>
@@ -6314,7 +6314,67 @@
               <a:rPr lang="en-US" altLang="zh-CN" sz="4000" dirty="0" smtClean="0"/>
               <a:t>Composer</a:t>
             </a:r>
-            <a:endParaRPr lang="en-US" sz="4000" dirty="0"/>
+            <a:br>
+              <a:rPr lang="en-US" altLang="zh-CN" sz="4000" dirty="0" smtClean="0"/>
+            </a:br>
+            <a:r>
+              <a:rPr lang="en-US" altLang="zh-CN" sz="4000" dirty="0"/>
+              <a:t/>
+            </a:r>
+            <a:br>
+              <a:rPr lang="en-US" altLang="zh-CN" sz="4000" dirty="0"/>
+            </a:br>
+            <a:r>
+              <a:rPr lang="en-US" altLang="zh-CN" sz="3100" dirty="0">
+                <a:solidFill>
+                  <a:schemeClr val="tx1"/>
+                </a:solidFill>
+              </a:rPr>
+              <a:t>Project</a:t>
+            </a:r>
+            <a:r>
+              <a:rPr lang="zh-CN" altLang="en-US" sz="3100" dirty="0">
+                <a:solidFill>
+                  <a:schemeClr val="tx1"/>
+                </a:solidFill>
+              </a:rPr>
+              <a:t> </a:t>
+            </a:r>
+            <a:r>
+              <a:rPr lang="en-US" altLang="zh-CN" sz="3100" dirty="0">
+                <a:solidFill>
+                  <a:schemeClr val="tx1"/>
+                </a:solidFill>
+              </a:rPr>
+              <a:t>planning</a:t>
+            </a:r>
+            <a:br>
+              <a:rPr lang="en-US" altLang="zh-CN" sz="3100" dirty="0">
+                <a:solidFill>
+                  <a:schemeClr val="tx1"/>
+                </a:solidFill>
+              </a:rPr>
+            </a:br>
+            <a:r>
+              <a:rPr lang="en-US" altLang="zh-CN" sz="3200" dirty="0">
+                <a:solidFill>
+                  <a:schemeClr val="tx1"/>
+                </a:solidFill>
+              </a:rPr>
+              <a:t>Team 4</a:t>
+            </a:r>
+            <a:r>
+              <a:rPr lang="en-US" altLang="zh-CN" sz="3200" dirty="0"/>
+              <a:t/>
+            </a:r>
+            <a:br>
+              <a:rPr lang="en-US" altLang="zh-CN" sz="3200" dirty="0"/>
+            </a:br>
+            <a:endParaRPr lang="en-US" sz="3100" dirty="0">
+              <a:solidFill>
+                <a:schemeClr val="tx1"/>
+              </a:solidFill>
+            </a:endParaRPr>
           </a:p>
         </p:txBody>
       </p:sp>
@@ -6327,7 +6387,7 @@
         <p:spPr>
           <a:xfrm>
             <a:off x="5293218" y="3734874"/>
-            <a:ext cx="3877531" cy="1754326"/>
+            <a:ext cx="3877531" cy="1323439"/>
           </a:xfrm>
           <a:prstGeom prst="rect">
             <a:avLst/>
@@ -6339,12 +6399,6 @@
             <a:spAutoFit/>
           </a:bodyPr>
           <a:lstStyle/>
-          <a:p>
-            <a:r>
-              <a:rPr lang="en-US" altLang="zh-CN" sz="2800" dirty="0" smtClean="0"/>
-              <a:t>Team 4</a:t>
-            </a:r>
-          </a:p>
           <a:p>
             <a:r>
               <a:rPr lang="en-US" altLang="zh-CN" sz="2000" dirty="0" smtClean="0"/>
@@ -6487,22 +6541,236 @@
               <a:rPr lang="en-US" altLang="zh-CN" sz="3200" dirty="0" smtClean="0"/>
             </a:br>
             <a:r>
-              <a:rPr lang="en-US" altLang="zh-CN" sz="3200" dirty="0" smtClean="0">
-                <a:solidFill>
-                  <a:schemeClr val="tx1"/>
-                </a:solidFill>
-              </a:rPr>
+              <a:rPr lang="en-US" altLang="zh-CN" sz="3200" dirty="0" smtClean="0"/>
               <a:t/>
             </a:r>
             <a:br>
-              <a:rPr lang="en-US" altLang="zh-CN" sz="3200" dirty="0" smtClean="0">
-                <a:solidFill>
-                  <a:schemeClr val="tx1"/>
-                </a:solidFill>
-              </a:rPr>
+              <a:rPr lang="en-US" altLang="zh-CN" sz="3200" dirty="0" smtClean="0"/>
             </a:br>
             <a:r>
-              <a:rPr lang="en-US" altLang="zh-CN" sz="3200" dirty="0" smtClean="0">
+              <a:rPr lang="en-US" altLang="zh-CN" sz="2800" dirty="0">
+                <a:solidFill>
+                  <a:schemeClr val="tx1"/>
+                </a:solidFill>
+              </a:rPr>
+              <a:t>A</a:t>
+            </a:r>
+            <a:r>
+              <a:rPr lang="zh-CN" altLang="en-US" sz="2800" dirty="0">
+                <a:solidFill>
+                  <a:schemeClr val="tx1"/>
+                </a:solidFill>
+              </a:rPr>
+              <a:t> </a:t>
+            </a:r>
+            <a:r>
+              <a:rPr lang="en-US" altLang="zh-CN" sz="2800" dirty="0">
+                <a:solidFill>
+                  <a:schemeClr val="tx1"/>
+                </a:solidFill>
+              </a:rPr>
+              <a:t>musician</a:t>
+            </a:r>
+            <a:r>
+              <a:rPr lang="zh-CN" altLang="en-US" sz="2800" dirty="0">
+                <a:solidFill>
+                  <a:schemeClr val="tx1"/>
+                </a:solidFill>
+              </a:rPr>
+              <a:t> </a:t>
+            </a:r>
+            <a:r>
+              <a:rPr lang="en-US" altLang="zh-CN" sz="2800" dirty="0">
+                <a:solidFill>
+                  <a:schemeClr val="tx1"/>
+                </a:solidFill>
+              </a:rPr>
+              <a:t>can</a:t>
+            </a:r>
+            <a:r>
+              <a:rPr lang="zh-CN" altLang="en-US" sz="2800" dirty="0">
+                <a:solidFill>
+                  <a:schemeClr val="tx1"/>
+                </a:solidFill>
+              </a:rPr>
+              <a:t> </a:t>
+            </a:r>
+            <a:r>
+              <a:rPr lang="en-US" altLang="zh-CN" sz="2800" dirty="0">
+                <a:solidFill>
+                  <a:schemeClr val="tx1"/>
+                </a:solidFill>
+              </a:rPr>
+              <a:t>input</a:t>
+            </a:r>
+            <a:r>
+              <a:rPr lang="zh-CN" altLang="en-US" sz="2800" dirty="0">
+                <a:solidFill>
+                  <a:schemeClr val="tx1"/>
+                </a:solidFill>
+              </a:rPr>
+              <a:t> </a:t>
+            </a:r>
+            <a:r>
+              <a:rPr lang="en-US" altLang="zh-CN" sz="2800" dirty="0">
+                <a:solidFill>
+                  <a:schemeClr val="tx1"/>
+                </a:solidFill>
+              </a:rPr>
+              <a:t>his/her</a:t>
+            </a:r>
+            <a:r>
+              <a:rPr lang="zh-CN" altLang="en-US" sz="2800" dirty="0">
+                <a:solidFill>
+                  <a:schemeClr val="tx1"/>
+                </a:solidFill>
+              </a:rPr>
+              <a:t> </a:t>
+            </a:r>
+            <a:r>
+              <a:rPr lang="en-US" altLang="zh-CN" sz="2800" dirty="0">
+                <a:solidFill>
+                  <a:schemeClr val="tx1"/>
+                </a:solidFill>
+              </a:rPr>
+              <a:t>songs</a:t>
+            </a:r>
+            <a:r>
+              <a:rPr lang="zh-CN" altLang="en-US" sz="2800" dirty="0">
+                <a:solidFill>
+                  <a:schemeClr val="tx1"/>
+                </a:solidFill>
+              </a:rPr>
+              <a:t> </a:t>
+            </a:r>
+            <a:r>
+              <a:rPr lang="en-US" altLang="zh-CN" sz="2800" dirty="0">
+                <a:solidFill>
+                  <a:schemeClr val="tx1"/>
+                </a:solidFill>
+              </a:rPr>
+              <a:t>to</a:t>
+            </a:r>
+            <a:r>
+              <a:rPr lang="zh-CN" altLang="en-US" sz="2800" dirty="0">
+                <a:solidFill>
+                  <a:schemeClr val="tx1"/>
+                </a:solidFill>
+              </a:rPr>
+              <a:t> </a:t>
+            </a:r>
+            <a:r>
+              <a:rPr lang="en-US" altLang="zh-CN" sz="2800" dirty="0">
+                <a:solidFill>
+                  <a:schemeClr val="tx1"/>
+                </a:solidFill>
+              </a:rPr>
+              <a:t>generate</a:t>
+            </a:r>
+            <a:r>
+              <a:rPr lang="zh-CN" altLang="en-US" sz="2800" dirty="0">
+                <a:solidFill>
+                  <a:schemeClr val="tx1"/>
+                </a:solidFill>
+              </a:rPr>
+              <a:t> </a:t>
+            </a:r>
+            <a:r>
+              <a:rPr lang="en-US" altLang="zh-CN" sz="2800" dirty="0">
+                <a:solidFill>
+                  <a:schemeClr val="tx1"/>
+                </a:solidFill>
+              </a:rPr>
+              <a:t>music</a:t>
+            </a:r>
+            <a:r>
+              <a:rPr lang="zh-CN" altLang="en-US" sz="2800" dirty="0">
+                <a:solidFill>
+                  <a:schemeClr val="tx1"/>
+                </a:solidFill>
+              </a:rPr>
+              <a:t> </a:t>
+            </a:r>
+            <a:r>
+              <a:rPr lang="en-US" altLang="zh-CN" sz="2800" dirty="0">
+                <a:solidFill>
+                  <a:schemeClr val="tx1"/>
+                </a:solidFill>
+              </a:rPr>
+              <a:t>in</a:t>
+            </a:r>
+            <a:r>
+              <a:rPr lang="zh-CN" altLang="en-US" sz="2800" dirty="0">
+                <a:solidFill>
+                  <a:schemeClr val="tx1"/>
+                </a:solidFill>
+              </a:rPr>
+              <a:t> </a:t>
+            </a:r>
+            <a:r>
+              <a:rPr lang="en-US" altLang="zh-CN" sz="2800" dirty="0">
+                <a:solidFill>
+                  <a:schemeClr val="tx1"/>
+                </a:solidFill>
+              </a:rPr>
+              <a:t>his/her</a:t>
+            </a:r>
+            <a:r>
+              <a:rPr lang="zh-CN" altLang="en-US" sz="2800" dirty="0">
+                <a:solidFill>
+                  <a:schemeClr val="tx1"/>
+                </a:solidFill>
+              </a:rPr>
+              <a:t> </a:t>
+            </a:r>
+            <a:r>
+              <a:rPr lang="en-US" altLang="zh-CN" sz="2800" dirty="0">
+                <a:solidFill>
+                  <a:schemeClr val="tx1"/>
+                </a:solidFill>
+              </a:rPr>
+              <a:t>style</a:t>
+            </a:r>
+            <a:r>
+              <a:rPr lang="zh-CN" altLang="en-US" sz="2800" dirty="0">
+                <a:solidFill>
+                  <a:schemeClr val="tx1"/>
+                </a:solidFill>
+              </a:rPr>
+              <a:t> </a:t>
+            </a:r>
+            <a:r>
+              <a:rPr lang="en-US" altLang="zh-CN" sz="2800" dirty="0">
+                <a:solidFill>
+                  <a:schemeClr val="tx1"/>
+                </a:solidFill>
+              </a:rPr>
+              <a:t/>
+            </a:r>
+            <a:br>
+              <a:rPr lang="en-US" altLang="zh-CN" sz="2800" dirty="0">
+                <a:solidFill>
+                  <a:schemeClr val="tx1"/>
+                </a:solidFill>
+              </a:rPr>
+            </a:br>
+            <a:r>
+              <a:rPr lang="en-US" altLang="zh-CN" sz="2800" dirty="0" smtClean="0">
+                <a:solidFill>
+                  <a:schemeClr val="tx1"/>
+                </a:solidFill>
+              </a:rPr>
+              <a:t/>
+            </a:r>
+            <a:br>
+              <a:rPr lang="en-US" altLang="zh-CN" sz="2800" dirty="0" smtClean="0">
+                <a:solidFill>
+                  <a:schemeClr val="tx1"/>
+                </a:solidFill>
+              </a:rPr>
+            </a:br>
+            <a:r>
+              <a:rPr lang="en-US" altLang="zh-CN" sz="2800" dirty="0" smtClean="0">
                 <a:solidFill>
                   <a:schemeClr val="tx1"/>
                 </a:solidFill>
@@ -6510,15 +6778,15 @@
               <a:t>In</a:t>
             </a:r>
             <a:r>
-              <a:rPr lang="zh-CN" altLang="en-US" sz="3200" dirty="0" smtClean="0">
-                <a:solidFill>
-                  <a:schemeClr val="tx1"/>
-                </a:solidFill>
-              </a:rPr>
-              <a:t> </a:t>
-            </a:r>
-            <a:r>
-              <a:rPr lang="en-US" altLang="zh-CN" sz="3200" dirty="0" smtClean="0">
+              <a:rPr lang="zh-CN" altLang="en-US" sz="2800" dirty="0" smtClean="0">
+                <a:solidFill>
+                  <a:schemeClr val="tx1"/>
+                </a:solidFill>
+              </a:rPr>
+              <a:t> </a:t>
+            </a:r>
+            <a:r>
+              <a:rPr lang="en-US" altLang="zh-CN" sz="2800" dirty="0" smtClean="0">
                 <a:solidFill>
                   <a:schemeClr val="tx1"/>
                 </a:solidFill>
@@ -6526,15 +6794,15 @@
               <a:t>our</a:t>
             </a:r>
             <a:r>
-              <a:rPr lang="zh-CN" altLang="en-US" sz="3200" dirty="0" smtClean="0">
-                <a:solidFill>
-                  <a:schemeClr val="tx1"/>
-                </a:solidFill>
-              </a:rPr>
-              <a:t> </a:t>
-            </a:r>
-            <a:r>
-              <a:rPr lang="en-US" altLang="zh-CN" sz="3200" dirty="0" smtClean="0">
+              <a:rPr lang="zh-CN" altLang="en-US" sz="2800" dirty="0" smtClean="0">
+                <a:solidFill>
+                  <a:schemeClr val="tx1"/>
+                </a:solidFill>
+              </a:rPr>
+              <a:t> </a:t>
+            </a:r>
+            <a:r>
+              <a:rPr lang="en-US" altLang="zh-CN" sz="2800" dirty="0" smtClean="0">
                 <a:solidFill>
                   <a:schemeClr val="tx1"/>
                 </a:solidFill>
@@ -6542,15 +6810,15 @@
               <a:t>project,</a:t>
             </a:r>
             <a:r>
-              <a:rPr lang="zh-CN" altLang="en-US" sz="3200" dirty="0" smtClean="0">
-                <a:solidFill>
-                  <a:schemeClr val="tx1"/>
-                </a:solidFill>
-              </a:rPr>
-              <a:t> </a:t>
-            </a:r>
-            <a:r>
-              <a:rPr lang="en-US" altLang="zh-CN" sz="3200" dirty="0" smtClean="0">
+              <a:rPr lang="zh-CN" altLang="en-US" sz="2800" dirty="0" smtClean="0">
+                <a:solidFill>
+                  <a:schemeClr val="tx1"/>
+                </a:solidFill>
+              </a:rPr>
+              <a:t> </a:t>
+            </a:r>
+            <a:r>
+              <a:rPr lang="en-US" altLang="zh-CN" sz="2800" dirty="0" smtClean="0">
                 <a:solidFill>
                   <a:schemeClr val="tx1"/>
                 </a:solidFill>
@@ -6558,15 +6826,15 @@
               <a:t>we</a:t>
             </a:r>
             <a:r>
-              <a:rPr lang="zh-CN" altLang="en-US" sz="3200" dirty="0" smtClean="0">
-                <a:solidFill>
-                  <a:schemeClr val="tx1"/>
-                </a:solidFill>
-              </a:rPr>
-              <a:t> </a:t>
-            </a:r>
-            <a:r>
-              <a:rPr lang="en-US" altLang="zh-CN" sz="3200" dirty="0" smtClean="0">
+              <a:rPr lang="zh-CN" altLang="en-US" sz="2800" dirty="0" smtClean="0">
+                <a:solidFill>
+                  <a:schemeClr val="tx1"/>
+                </a:solidFill>
+              </a:rPr>
+              <a:t> </a:t>
+            </a:r>
+            <a:r>
+              <a:rPr lang="en-US" altLang="zh-CN" sz="2800" dirty="0" smtClean="0">
                 <a:solidFill>
                   <a:schemeClr val="tx1"/>
                 </a:solidFill>
@@ -6574,15 +6842,15 @@
               <a:t>are</a:t>
             </a:r>
             <a:r>
-              <a:rPr lang="zh-CN" altLang="en-US" sz="3200" dirty="0" smtClean="0">
-                <a:solidFill>
-                  <a:schemeClr val="tx1"/>
-                </a:solidFill>
-              </a:rPr>
-              <a:t> </a:t>
-            </a:r>
-            <a:r>
-              <a:rPr lang="en-US" altLang="zh-CN" sz="3200" dirty="0">
+              <a:rPr lang="zh-CN" altLang="en-US" sz="2800" dirty="0" smtClean="0">
+                <a:solidFill>
+                  <a:schemeClr val="tx1"/>
+                </a:solidFill>
+              </a:rPr>
+              <a:t> </a:t>
+            </a:r>
+            <a:r>
+              <a:rPr lang="en-US" altLang="zh-CN" sz="2800" dirty="0">
                 <a:solidFill>
                   <a:schemeClr val="tx1"/>
                 </a:solidFill>
@@ -6590,15 +6858,15 @@
               <a:t>going</a:t>
             </a:r>
             <a:r>
-              <a:rPr lang="zh-CN" altLang="en-US" sz="3200" dirty="0" smtClean="0">
-                <a:solidFill>
-                  <a:schemeClr val="tx1"/>
-                </a:solidFill>
-              </a:rPr>
-              <a:t> </a:t>
-            </a:r>
-            <a:r>
-              <a:rPr lang="en-US" altLang="zh-CN" sz="3200" dirty="0" smtClean="0">
+              <a:rPr lang="zh-CN" altLang="en-US" sz="2800" dirty="0" smtClean="0">
+                <a:solidFill>
+                  <a:schemeClr val="tx1"/>
+                </a:solidFill>
+              </a:rPr>
+              <a:t> </a:t>
+            </a:r>
+            <a:r>
+              <a:rPr lang="en-US" altLang="zh-CN" sz="2800" dirty="0" smtClean="0">
                 <a:solidFill>
                   <a:schemeClr val="tx1"/>
                 </a:solidFill>
@@ -6606,15 +6874,15 @@
               <a:t>to</a:t>
             </a:r>
             <a:r>
-              <a:rPr lang="zh-CN" altLang="en-US" sz="3200" dirty="0" smtClean="0">
-                <a:solidFill>
-                  <a:schemeClr val="tx1"/>
-                </a:solidFill>
-              </a:rPr>
-              <a:t> </a:t>
-            </a:r>
-            <a:r>
-              <a:rPr lang="en-US" altLang="zh-CN" sz="3200" dirty="0" smtClean="0">
+              <a:rPr lang="zh-CN" altLang="en-US" sz="2800" dirty="0" smtClean="0">
+                <a:solidFill>
+                  <a:schemeClr val="tx1"/>
+                </a:solidFill>
+              </a:rPr>
+              <a:t> </a:t>
+            </a:r>
+            <a:r>
+              <a:rPr lang="en-US" altLang="zh-CN" sz="2800" dirty="0" smtClean="0">
                 <a:solidFill>
                   <a:schemeClr val="tx1"/>
                 </a:solidFill>
@@ -6622,15 +6890,15 @@
               <a:t>input</a:t>
             </a:r>
             <a:r>
-              <a:rPr lang="zh-CN" altLang="en-US" sz="3200" dirty="0" smtClean="0">
-                <a:solidFill>
-                  <a:schemeClr val="tx1"/>
-                </a:solidFill>
-              </a:rPr>
-              <a:t> </a:t>
-            </a:r>
-            <a:r>
-              <a:rPr lang="en-US" altLang="zh-CN" sz="3200" dirty="0" smtClean="0">
+              <a:rPr lang="zh-CN" altLang="en-US" sz="2800" dirty="0" smtClean="0">
+                <a:solidFill>
+                  <a:schemeClr val="tx1"/>
+                </a:solidFill>
+              </a:rPr>
+              <a:t> </a:t>
+            </a:r>
+            <a:r>
+              <a:rPr lang="en-US" altLang="zh-CN" sz="2800" dirty="0" smtClean="0">
                 <a:solidFill>
                   <a:schemeClr val="tx1"/>
                 </a:solidFill>
@@ -6638,15 +6906,15 @@
               <a:t>audio</a:t>
             </a:r>
             <a:r>
-              <a:rPr lang="zh-CN" altLang="en-US" sz="3200" dirty="0" smtClean="0">
-                <a:solidFill>
-                  <a:schemeClr val="tx1"/>
-                </a:solidFill>
-              </a:rPr>
-              <a:t> </a:t>
-            </a:r>
-            <a:r>
-              <a:rPr lang="en-US" altLang="zh-CN" sz="3200" dirty="0" smtClean="0">
+              <a:rPr lang="zh-CN" altLang="en-US" sz="2800" dirty="0" smtClean="0">
+                <a:solidFill>
+                  <a:schemeClr val="tx1"/>
+                </a:solidFill>
+              </a:rPr>
+              <a:t> </a:t>
+            </a:r>
+            <a:r>
+              <a:rPr lang="en-US" altLang="zh-CN" sz="2800" dirty="0" smtClean="0">
                 <a:solidFill>
                   <a:schemeClr val="tx1"/>
                 </a:solidFill>
@@ -6654,15 +6922,15 @@
               <a:t>file</a:t>
             </a:r>
             <a:r>
-              <a:rPr lang="zh-CN" altLang="en-US" sz="3200" dirty="0" smtClean="0">
-                <a:solidFill>
-                  <a:schemeClr val="tx1"/>
-                </a:solidFill>
-              </a:rPr>
-              <a:t> </a:t>
-            </a:r>
-            <a:r>
-              <a:rPr lang="en-US" altLang="zh-CN" sz="3200" dirty="0" smtClean="0">
+              <a:rPr lang="zh-CN" altLang="en-US" sz="2800" dirty="0" smtClean="0">
+                <a:solidFill>
+                  <a:schemeClr val="tx1"/>
+                </a:solidFill>
+              </a:rPr>
+              <a:t> </a:t>
+            </a:r>
+            <a:r>
+              <a:rPr lang="en-US" altLang="zh-CN" sz="2800" dirty="0" smtClean="0">
                 <a:solidFill>
                   <a:schemeClr val="tx1"/>
                 </a:solidFill>
@@ -6670,15 +6938,15 @@
               <a:t>in</a:t>
             </a:r>
             <a:r>
-              <a:rPr lang="zh-CN" altLang="en-US" sz="3200" dirty="0" smtClean="0">
-                <a:solidFill>
-                  <a:schemeClr val="tx1"/>
-                </a:solidFill>
-              </a:rPr>
-              <a:t> </a:t>
-            </a:r>
-            <a:r>
-              <a:rPr lang="en-US" altLang="zh-CN" sz="3200" dirty="0" smtClean="0">
+              <a:rPr lang="zh-CN" altLang="en-US" sz="2800" dirty="0" smtClean="0">
+                <a:solidFill>
+                  <a:schemeClr val="tx1"/>
+                </a:solidFill>
+              </a:rPr>
+              <a:t> </a:t>
+            </a:r>
+            <a:r>
+              <a:rPr lang="en-US" altLang="zh-CN" sz="2800" dirty="0" smtClean="0">
                 <a:solidFill>
                   <a:schemeClr val="tx1"/>
                 </a:solidFill>
@@ -6686,15 +6954,15 @@
               <a:t>format</a:t>
             </a:r>
             <a:r>
-              <a:rPr lang="zh-CN" altLang="en-US" sz="3200" dirty="0" smtClean="0">
-                <a:solidFill>
-                  <a:schemeClr val="tx1"/>
-                </a:solidFill>
-              </a:rPr>
-              <a:t> </a:t>
-            </a:r>
-            <a:r>
-              <a:rPr lang="en-US" altLang="zh-CN" sz="3200" dirty="0" smtClean="0">
+              <a:rPr lang="zh-CN" altLang="en-US" sz="2800" dirty="0" smtClean="0">
+                <a:solidFill>
+                  <a:schemeClr val="tx1"/>
+                </a:solidFill>
+              </a:rPr>
+              <a:t> </a:t>
+            </a:r>
+            <a:r>
+              <a:rPr lang="en-US" altLang="zh-CN" sz="2800" dirty="0" smtClean="0">
                 <a:solidFill>
                   <a:schemeClr val="tx1"/>
                 </a:solidFill>
@@ -6702,15 +6970,15 @@
               <a:t>of</a:t>
             </a:r>
             <a:r>
-              <a:rPr lang="zh-CN" altLang="en-US" sz="3200" dirty="0" smtClean="0">
-                <a:solidFill>
-                  <a:schemeClr val="tx1"/>
-                </a:solidFill>
-              </a:rPr>
-              <a:t> </a:t>
-            </a:r>
-            <a:r>
-              <a:rPr lang="en-US" altLang="zh-CN" sz="3200" dirty="0" smtClean="0">
+              <a:rPr lang="zh-CN" altLang="en-US" sz="2800" dirty="0" smtClean="0">
+                <a:solidFill>
+                  <a:schemeClr val="tx1"/>
+                </a:solidFill>
+              </a:rPr>
+              <a:t> </a:t>
+            </a:r>
+            <a:r>
+              <a:rPr lang="en-US" altLang="zh-CN" sz="2800" dirty="0" smtClean="0">
                 <a:solidFill>
                   <a:schemeClr val="tx1"/>
                 </a:solidFill>
@@ -6718,15 +6986,15 @@
               <a:t>MIDI</a:t>
             </a:r>
             <a:r>
-              <a:rPr lang="zh-CN" altLang="en-US" sz="3200" dirty="0" smtClean="0">
-                <a:solidFill>
-                  <a:schemeClr val="tx1"/>
-                </a:solidFill>
-              </a:rPr>
-              <a:t> </a:t>
-            </a:r>
-            <a:r>
-              <a:rPr lang="en-US" altLang="zh-CN" sz="3200" dirty="0" smtClean="0">
+              <a:rPr lang="zh-CN" altLang="en-US" sz="2800" dirty="0" smtClean="0">
+                <a:solidFill>
+                  <a:schemeClr val="tx1"/>
+                </a:solidFill>
+              </a:rPr>
+              <a:t> </a:t>
+            </a:r>
+            <a:r>
+              <a:rPr lang="en-US" altLang="zh-CN" sz="2800" dirty="0" smtClean="0">
                 <a:solidFill>
                   <a:schemeClr val="tx1"/>
                 </a:solidFill>
@@ -6734,15 +7002,15 @@
               <a:t>and</a:t>
             </a:r>
             <a:r>
-              <a:rPr lang="zh-CN" altLang="en-US" sz="3200" dirty="0" smtClean="0">
-                <a:solidFill>
-                  <a:schemeClr val="tx1"/>
-                </a:solidFill>
-              </a:rPr>
-              <a:t> </a:t>
-            </a:r>
-            <a:r>
-              <a:rPr lang="en-US" altLang="zh-CN" sz="3200" dirty="0" smtClean="0">
+              <a:rPr lang="zh-CN" altLang="en-US" sz="2800" dirty="0" smtClean="0">
+                <a:solidFill>
+                  <a:schemeClr val="tx1"/>
+                </a:solidFill>
+              </a:rPr>
+              <a:t> </a:t>
+            </a:r>
+            <a:r>
+              <a:rPr lang="en-US" altLang="zh-CN" sz="2800" dirty="0" smtClean="0">
                 <a:solidFill>
                   <a:schemeClr val="tx1"/>
                 </a:solidFill>
@@ -6750,15 +7018,15 @@
               <a:t>this</a:t>
             </a:r>
             <a:r>
-              <a:rPr lang="zh-CN" altLang="en-US" sz="3200" dirty="0" smtClean="0">
-                <a:solidFill>
-                  <a:schemeClr val="tx1"/>
-                </a:solidFill>
-              </a:rPr>
-              <a:t> </a:t>
-            </a:r>
-            <a:r>
-              <a:rPr lang="en-US" altLang="zh-CN" sz="3200" dirty="0" smtClean="0">
+              <a:rPr lang="zh-CN" altLang="en-US" sz="2800" dirty="0" smtClean="0">
+                <a:solidFill>
+                  <a:schemeClr val="tx1"/>
+                </a:solidFill>
+              </a:rPr>
+              <a:t> </a:t>
+            </a:r>
+            <a:r>
+              <a:rPr lang="en-US" altLang="zh-CN" sz="2800" dirty="0" smtClean="0">
                 <a:solidFill>
                   <a:schemeClr val="tx1"/>
                 </a:solidFill>
@@ -6766,15 +7034,15 @@
               <a:t>time</a:t>
             </a:r>
             <a:r>
-              <a:rPr lang="zh-CN" altLang="en-US" sz="3200" dirty="0" smtClean="0">
-                <a:solidFill>
-                  <a:schemeClr val="tx1"/>
-                </a:solidFill>
-              </a:rPr>
-              <a:t> </a:t>
-            </a:r>
-            <a:r>
-              <a:rPr lang="en-US" altLang="zh-CN" sz="3200" dirty="0" smtClean="0">
+              <a:rPr lang="zh-CN" altLang="en-US" sz="2800" dirty="0" smtClean="0">
+                <a:solidFill>
+                  <a:schemeClr val="tx1"/>
+                </a:solidFill>
+              </a:rPr>
+              <a:t> </a:t>
+            </a:r>
+            <a:r>
+              <a:rPr lang="en-US" altLang="zh-CN" sz="2800" dirty="0" smtClean="0">
                 <a:solidFill>
                   <a:schemeClr val="tx1"/>
                 </a:solidFill>
@@ -6782,15 +7050,15 @@
               <a:t>we</a:t>
             </a:r>
             <a:r>
-              <a:rPr lang="zh-CN" altLang="en-US" sz="3200" dirty="0" smtClean="0">
-                <a:solidFill>
-                  <a:schemeClr val="tx1"/>
-                </a:solidFill>
-              </a:rPr>
-              <a:t> </a:t>
-            </a:r>
-            <a:r>
-              <a:rPr lang="en-US" altLang="zh-CN" sz="3200" dirty="0" smtClean="0">
+              <a:rPr lang="zh-CN" altLang="en-US" sz="2800" dirty="0" smtClean="0">
+                <a:solidFill>
+                  <a:schemeClr val="tx1"/>
+                </a:solidFill>
+              </a:rPr>
+              <a:t> </a:t>
+            </a:r>
+            <a:r>
+              <a:rPr lang="en-US" altLang="zh-CN" sz="2800" dirty="0" smtClean="0">
                 <a:solidFill>
                   <a:schemeClr val="tx1"/>
                 </a:solidFill>
@@ -6798,15 +7066,15 @@
               <a:t>focus</a:t>
             </a:r>
             <a:r>
-              <a:rPr lang="zh-CN" altLang="en-US" sz="3200" dirty="0" smtClean="0">
-                <a:solidFill>
-                  <a:schemeClr val="tx1"/>
-                </a:solidFill>
-              </a:rPr>
-              <a:t> </a:t>
-            </a:r>
-            <a:r>
-              <a:rPr lang="en-US" altLang="zh-CN" sz="3200" dirty="0" smtClean="0">
+              <a:rPr lang="zh-CN" altLang="en-US" sz="2800" dirty="0" smtClean="0">
+                <a:solidFill>
+                  <a:schemeClr val="tx1"/>
+                </a:solidFill>
+              </a:rPr>
+              <a:t> </a:t>
+            </a:r>
+            <a:r>
+              <a:rPr lang="en-US" altLang="zh-CN" sz="2800" dirty="0" smtClean="0">
                 <a:solidFill>
                   <a:schemeClr val="tx1"/>
                 </a:solidFill>
@@ -6814,15 +7082,15 @@
               <a:t>on</a:t>
             </a:r>
             <a:r>
-              <a:rPr lang="zh-CN" altLang="en-US" sz="3200" dirty="0" smtClean="0">
-                <a:solidFill>
-                  <a:schemeClr val="tx1"/>
-                </a:solidFill>
-              </a:rPr>
-              <a:t> </a:t>
-            </a:r>
-            <a:r>
-              <a:rPr lang="en-US" altLang="zh-CN" sz="3200" dirty="0" smtClean="0">
+              <a:rPr lang="zh-CN" altLang="en-US" sz="2800" dirty="0" smtClean="0">
+                <a:solidFill>
+                  <a:schemeClr val="tx1"/>
+                </a:solidFill>
+              </a:rPr>
+              <a:t> </a:t>
+            </a:r>
+            <a:r>
+              <a:rPr lang="en-US" altLang="zh-CN" sz="2800" dirty="0" smtClean="0">
                 <a:solidFill>
                   <a:schemeClr val="tx1"/>
                 </a:solidFill>
@@ -6830,15 +7098,15 @@
               <a:t>several</a:t>
             </a:r>
             <a:r>
-              <a:rPr lang="zh-CN" altLang="en-US" sz="3200" dirty="0" smtClean="0">
-                <a:solidFill>
-                  <a:schemeClr val="tx1"/>
-                </a:solidFill>
-              </a:rPr>
-              <a:t> </a:t>
-            </a:r>
-            <a:r>
-              <a:rPr lang="en-US" altLang="zh-CN" sz="3200" dirty="0" smtClean="0">
+              <a:rPr lang="zh-CN" altLang="en-US" sz="2800" dirty="0" smtClean="0">
+                <a:solidFill>
+                  <a:schemeClr val="tx1"/>
+                </a:solidFill>
+              </a:rPr>
+              <a:t> </a:t>
+            </a:r>
+            <a:r>
+              <a:rPr lang="en-US" altLang="zh-CN" sz="2800" dirty="0" smtClean="0">
                 <a:solidFill>
                   <a:schemeClr val="tx1"/>
                 </a:solidFill>
@@ -6846,15 +7114,15 @@
               <a:t>styles</a:t>
             </a:r>
             <a:r>
-              <a:rPr lang="zh-CN" altLang="en-US" sz="3200" dirty="0" smtClean="0">
-                <a:solidFill>
-                  <a:schemeClr val="tx1"/>
-                </a:solidFill>
-              </a:rPr>
-              <a:t> </a:t>
-            </a:r>
-            <a:r>
-              <a:rPr lang="en-US" altLang="zh-CN" sz="3200" dirty="0" smtClean="0">
+              <a:rPr lang="zh-CN" altLang="en-US" sz="2800" dirty="0" smtClean="0">
+                <a:solidFill>
+                  <a:schemeClr val="tx1"/>
+                </a:solidFill>
+              </a:rPr>
+              <a:t> </a:t>
+            </a:r>
+            <a:r>
+              <a:rPr lang="en-US" altLang="zh-CN" sz="2800" dirty="0" smtClean="0">
                 <a:solidFill>
                   <a:schemeClr val="tx1"/>
                 </a:solidFill>
@@ -6862,15 +7130,15 @@
               <a:t>of</a:t>
             </a:r>
             <a:r>
-              <a:rPr lang="zh-CN" altLang="en-US" sz="3200" dirty="0" smtClean="0">
-                <a:solidFill>
-                  <a:schemeClr val="tx1"/>
-                </a:solidFill>
-              </a:rPr>
-              <a:t> </a:t>
-            </a:r>
-            <a:r>
-              <a:rPr lang="en-US" altLang="zh-CN" sz="3200" dirty="0" smtClean="0">
+              <a:rPr lang="zh-CN" altLang="en-US" sz="2800" dirty="0" smtClean="0">
+                <a:solidFill>
+                  <a:schemeClr val="tx1"/>
+                </a:solidFill>
+              </a:rPr>
+              <a:t> </a:t>
+            </a:r>
+            <a:r>
+              <a:rPr lang="en-US" altLang="zh-CN" sz="2800" dirty="0" smtClean="0">
                 <a:solidFill>
                   <a:schemeClr val="tx1"/>
                 </a:solidFill>
@@ -6878,7 +7146,7 @@
               <a:t>music(</a:t>
             </a:r>
             <a:r>
-              <a:rPr lang="en-US" altLang="zh-CN" sz="3200" dirty="0">
+              <a:rPr lang="en-US" altLang="zh-CN" sz="2800" dirty="0">
                 <a:solidFill>
                   <a:schemeClr val="tx1"/>
                 </a:solidFill>
@@ -6886,7 +7154,7 @@
               <a:t>P</a:t>
             </a:r>
             <a:r>
-              <a:rPr lang="en-US" altLang="zh-CN" sz="3200" dirty="0" smtClean="0">
+              <a:rPr lang="en-US" altLang="zh-CN" sz="2800" dirty="0" smtClean="0">
                 <a:solidFill>
                   <a:schemeClr val="tx1"/>
                 </a:solidFill>
@@ -6894,15 +7162,15 @@
               <a:t>op, Jazz, Classical music, etc.).</a:t>
             </a:r>
             <a:r>
-              <a:rPr lang="zh-CN" altLang="en-US" sz="3200" dirty="0" smtClean="0">
-                <a:solidFill>
-                  <a:schemeClr val="tx1"/>
-                </a:solidFill>
-              </a:rPr>
-              <a:t> </a:t>
-            </a:r>
-            <a:r>
-              <a:rPr lang="en-US" altLang="zh-CN" sz="3200" dirty="0" smtClean="0">
+              <a:rPr lang="zh-CN" altLang="en-US" sz="2800" dirty="0" smtClean="0">
+                <a:solidFill>
+                  <a:schemeClr val="tx1"/>
+                </a:solidFill>
+              </a:rPr>
+              <a:t> </a:t>
+            </a:r>
+            <a:r>
+              <a:rPr lang="en-US" altLang="zh-CN" sz="2800" dirty="0" smtClean="0">
                 <a:solidFill>
                   <a:schemeClr val="tx1"/>
                 </a:solidFill>
@@ -6910,15 +7178,15 @@
               <a:t>After</a:t>
             </a:r>
             <a:r>
-              <a:rPr lang="zh-CN" altLang="en-US" sz="3200" dirty="0" smtClean="0">
-                <a:solidFill>
-                  <a:schemeClr val="tx1"/>
-                </a:solidFill>
-              </a:rPr>
-              <a:t> </a:t>
-            </a:r>
-            <a:r>
-              <a:rPr lang="en-US" altLang="zh-CN" sz="3200" dirty="0" smtClean="0">
+              <a:rPr lang="zh-CN" altLang="en-US" sz="2800" dirty="0" smtClean="0">
+                <a:solidFill>
+                  <a:schemeClr val="tx1"/>
+                </a:solidFill>
+              </a:rPr>
+              <a:t> </a:t>
+            </a:r>
+            <a:r>
+              <a:rPr lang="en-US" altLang="zh-CN" sz="2800" dirty="0" smtClean="0">
                 <a:solidFill>
                   <a:schemeClr val="tx1"/>
                 </a:solidFill>
@@ -6926,15 +7194,15 @@
               <a:t>processed</a:t>
             </a:r>
             <a:r>
-              <a:rPr lang="zh-CN" altLang="en-US" sz="3200" dirty="0" smtClean="0">
-                <a:solidFill>
-                  <a:schemeClr val="tx1"/>
-                </a:solidFill>
-              </a:rPr>
-              <a:t> </a:t>
-            </a:r>
-            <a:r>
-              <a:rPr lang="en-US" altLang="zh-CN" sz="3200" dirty="0" smtClean="0">
+              <a:rPr lang="zh-CN" altLang="en-US" sz="2800" dirty="0" smtClean="0">
+                <a:solidFill>
+                  <a:schemeClr val="tx1"/>
+                </a:solidFill>
+              </a:rPr>
+              <a:t> </a:t>
+            </a:r>
+            <a:r>
+              <a:rPr lang="en-US" altLang="zh-CN" sz="2800" dirty="0" smtClean="0">
                 <a:solidFill>
                   <a:schemeClr val="tx1"/>
                 </a:solidFill>
@@ -6942,15 +7210,15 @@
               <a:t>by</a:t>
             </a:r>
             <a:r>
-              <a:rPr lang="zh-CN" altLang="en-US" sz="3200" dirty="0" smtClean="0">
-                <a:solidFill>
-                  <a:schemeClr val="tx1"/>
-                </a:solidFill>
-              </a:rPr>
-              <a:t> </a:t>
-            </a:r>
-            <a:r>
-              <a:rPr lang="en-US" altLang="zh-CN" sz="3200" dirty="0" smtClean="0">
+              <a:rPr lang="zh-CN" altLang="en-US" sz="2800" dirty="0" smtClean="0">
+                <a:solidFill>
+                  <a:schemeClr val="tx1"/>
+                </a:solidFill>
+              </a:rPr>
+              <a:t> </a:t>
+            </a:r>
+            <a:r>
+              <a:rPr lang="en-US" altLang="zh-CN" sz="2800" dirty="0" smtClean="0">
                 <a:solidFill>
                   <a:schemeClr val="tx1"/>
                 </a:solidFill>
@@ -6958,15 +7226,15 @@
               <a:t>our</a:t>
             </a:r>
             <a:r>
-              <a:rPr lang="zh-CN" altLang="en-US" sz="3200" dirty="0" smtClean="0">
-                <a:solidFill>
-                  <a:schemeClr val="tx1"/>
-                </a:solidFill>
-              </a:rPr>
-              <a:t> </a:t>
-            </a:r>
-            <a:r>
-              <a:rPr lang="en-US" altLang="zh-CN" sz="3200" dirty="0" smtClean="0">
+              <a:rPr lang="zh-CN" altLang="en-US" sz="2800" dirty="0" smtClean="0">
+                <a:solidFill>
+                  <a:schemeClr val="tx1"/>
+                </a:solidFill>
+              </a:rPr>
+              <a:t> </a:t>
+            </a:r>
+            <a:r>
+              <a:rPr lang="en-US" altLang="zh-CN" sz="2800" dirty="0" smtClean="0">
                 <a:solidFill>
                   <a:schemeClr val="tx1"/>
                 </a:solidFill>
@@ -6974,15 +7242,15 @@
               <a:t>functions,</a:t>
             </a:r>
             <a:r>
-              <a:rPr lang="zh-CN" altLang="en-US" sz="3200" dirty="0" smtClean="0">
-                <a:solidFill>
-                  <a:schemeClr val="tx1"/>
-                </a:solidFill>
-              </a:rPr>
-              <a:t> </a:t>
-            </a:r>
-            <a:r>
-              <a:rPr lang="en-US" altLang="zh-CN" sz="3200" dirty="0" smtClean="0">
+              <a:rPr lang="zh-CN" altLang="en-US" sz="2800" dirty="0" smtClean="0">
+                <a:solidFill>
+                  <a:schemeClr val="tx1"/>
+                </a:solidFill>
+              </a:rPr>
+              <a:t> </a:t>
+            </a:r>
+            <a:r>
+              <a:rPr lang="en-US" altLang="zh-CN" sz="2800" dirty="0" smtClean="0">
                 <a:solidFill>
                   <a:schemeClr val="tx1"/>
                 </a:solidFill>
@@ -6990,15 +7258,15 @@
               <a:t>our</a:t>
             </a:r>
             <a:r>
-              <a:rPr lang="zh-CN" altLang="en-US" sz="3200" dirty="0" smtClean="0">
-                <a:solidFill>
-                  <a:schemeClr val="tx1"/>
-                </a:solidFill>
-              </a:rPr>
-              <a:t> </a:t>
-            </a:r>
-            <a:r>
-              <a:rPr lang="en-US" altLang="zh-CN" sz="3200" dirty="0" smtClean="0">
+              <a:rPr lang="zh-CN" altLang="en-US" sz="2800" dirty="0" smtClean="0">
+                <a:solidFill>
+                  <a:schemeClr val="tx1"/>
+                </a:solidFill>
+              </a:rPr>
+              <a:t> </a:t>
+            </a:r>
+            <a:r>
+              <a:rPr lang="en-US" altLang="zh-CN" sz="2800" dirty="0" smtClean="0">
                 <a:solidFill>
                   <a:schemeClr val="tx1"/>
                 </a:solidFill>
@@ -7006,15 +7274,15 @@
               <a:t>project</a:t>
             </a:r>
             <a:r>
-              <a:rPr lang="zh-CN" altLang="en-US" sz="3200" dirty="0" smtClean="0">
-                <a:solidFill>
-                  <a:schemeClr val="tx1"/>
-                </a:solidFill>
-              </a:rPr>
-              <a:t> </a:t>
-            </a:r>
-            <a:r>
-              <a:rPr lang="en-US" altLang="zh-CN" sz="3200" dirty="0" smtClean="0">
+              <a:rPr lang="zh-CN" altLang="en-US" sz="2800" dirty="0" smtClean="0">
+                <a:solidFill>
+                  <a:schemeClr val="tx1"/>
+                </a:solidFill>
+              </a:rPr>
+              <a:t> </a:t>
+            </a:r>
+            <a:r>
+              <a:rPr lang="en-US" altLang="zh-CN" sz="2800" dirty="0" smtClean="0">
                 <a:solidFill>
                   <a:schemeClr val="tx1"/>
                 </a:solidFill>
@@ -7022,15 +7290,15 @@
               <a:t>would</a:t>
             </a:r>
             <a:r>
-              <a:rPr lang="zh-CN" altLang="en-US" sz="3200" dirty="0" smtClean="0">
-                <a:solidFill>
-                  <a:schemeClr val="tx1"/>
-                </a:solidFill>
-              </a:rPr>
-              <a:t> </a:t>
-            </a:r>
-            <a:r>
-              <a:rPr lang="en-US" altLang="zh-CN" sz="3200" dirty="0" smtClean="0">
+              <a:rPr lang="zh-CN" altLang="en-US" sz="2800" dirty="0" smtClean="0">
+                <a:solidFill>
+                  <a:schemeClr val="tx1"/>
+                </a:solidFill>
+              </a:rPr>
+              <a:t> </a:t>
+            </a:r>
+            <a:r>
+              <a:rPr lang="en-US" altLang="zh-CN" sz="2800" dirty="0" smtClean="0">
                 <a:solidFill>
                   <a:schemeClr val="tx1"/>
                 </a:solidFill>
@@ -7038,15 +7306,15 @@
               <a:t>generate</a:t>
             </a:r>
             <a:r>
-              <a:rPr lang="zh-CN" altLang="en-US" sz="3200" dirty="0" smtClean="0">
-                <a:solidFill>
-                  <a:schemeClr val="tx1"/>
-                </a:solidFill>
-              </a:rPr>
-              <a:t> </a:t>
-            </a:r>
-            <a:r>
-              <a:rPr lang="en-US" altLang="zh-CN" sz="3200" dirty="0" smtClean="0">
+              <a:rPr lang="zh-CN" altLang="en-US" sz="2800" dirty="0" smtClean="0">
+                <a:solidFill>
+                  <a:schemeClr val="tx1"/>
+                </a:solidFill>
+              </a:rPr>
+              <a:t> </a:t>
+            </a:r>
+            <a:r>
+              <a:rPr lang="en-US" altLang="zh-CN" sz="2800" dirty="0" smtClean="0">
                 <a:solidFill>
                   <a:schemeClr val="tx1"/>
                 </a:solidFill>
@@ -7054,15 +7322,15 @@
               <a:t>a</a:t>
             </a:r>
             <a:r>
-              <a:rPr lang="zh-CN" altLang="en-US" sz="3200" dirty="0" smtClean="0">
-                <a:solidFill>
-                  <a:schemeClr val="tx1"/>
-                </a:solidFill>
-              </a:rPr>
-              <a:t> </a:t>
-            </a:r>
-            <a:r>
-              <a:rPr lang="en-US" altLang="zh-CN" sz="3200" dirty="0" smtClean="0">
+              <a:rPr lang="zh-CN" altLang="en-US" sz="2800" dirty="0" smtClean="0">
+                <a:solidFill>
+                  <a:schemeClr val="tx1"/>
+                </a:solidFill>
+              </a:rPr>
+              <a:t> </a:t>
+            </a:r>
+            <a:r>
+              <a:rPr lang="en-US" altLang="zh-CN" sz="2800" dirty="0" smtClean="0">
                 <a:solidFill>
                   <a:schemeClr val="tx1"/>
                 </a:solidFill>
@@ -7070,15 +7338,15 @@
               <a:t>set</a:t>
             </a:r>
             <a:r>
-              <a:rPr lang="zh-CN" altLang="en-US" sz="3200" dirty="0" smtClean="0">
-                <a:solidFill>
-                  <a:schemeClr val="tx1"/>
-                </a:solidFill>
-              </a:rPr>
-              <a:t> </a:t>
-            </a:r>
-            <a:r>
-              <a:rPr lang="en-US" altLang="zh-CN" sz="3200" dirty="0" smtClean="0">
+              <a:rPr lang="zh-CN" altLang="en-US" sz="2800" dirty="0" smtClean="0">
+                <a:solidFill>
+                  <a:schemeClr val="tx1"/>
+                </a:solidFill>
+              </a:rPr>
+              <a:t> </a:t>
+            </a:r>
+            <a:r>
+              <a:rPr lang="en-US" altLang="zh-CN" sz="2800" dirty="0" smtClean="0">
                 <a:solidFill>
                   <a:schemeClr val="tx1"/>
                 </a:solidFill>
@@ -7086,15 +7354,15 @@
               <a:t>number</a:t>
             </a:r>
             <a:r>
-              <a:rPr lang="zh-CN" altLang="en-US" sz="3200" dirty="0" smtClean="0">
-                <a:solidFill>
-                  <a:schemeClr val="tx1"/>
-                </a:solidFill>
-              </a:rPr>
-              <a:t> </a:t>
-            </a:r>
-            <a:r>
-              <a:rPr lang="en-US" altLang="zh-CN" sz="3200" dirty="0" smtClean="0">
+              <a:rPr lang="zh-CN" altLang="en-US" sz="2800" dirty="0" smtClean="0">
+                <a:solidFill>
+                  <a:schemeClr val="tx1"/>
+                </a:solidFill>
+              </a:rPr>
+              <a:t> </a:t>
+            </a:r>
+            <a:r>
+              <a:rPr lang="en-US" altLang="zh-CN" sz="2800" dirty="0" smtClean="0">
                 <a:solidFill>
                   <a:schemeClr val="tx1"/>
                 </a:solidFill>
@@ -7102,15 +7370,15 @@
               <a:t>of</a:t>
             </a:r>
             <a:r>
-              <a:rPr lang="zh-CN" altLang="en-US" sz="3200" dirty="0" smtClean="0">
-                <a:solidFill>
-                  <a:schemeClr val="tx1"/>
-                </a:solidFill>
-              </a:rPr>
-              <a:t> </a:t>
-            </a:r>
-            <a:r>
-              <a:rPr lang="en-US" altLang="zh-CN" sz="3200" dirty="0" smtClean="0">
+              <a:rPr lang="zh-CN" altLang="en-US" sz="2800" dirty="0" smtClean="0">
+                <a:solidFill>
+                  <a:schemeClr val="tx1"/>
+                </a:solidFill>
+              </a:rPr>
+              <a:t> </a:t>
+            </a:r>
+            <a:r>
+              <a:rPr lang="en-US" altLang="zh-CN" sz="2800" dirty="0" smtClean="0">
                 <a:solidFill>
                   <a:schemeClr val="tx1"/>
                 </a:solidFill>
@@ -7118,15 +7386,15 @@
               <a:t>new</a:t>
             </a:r>
             <a:r>
-              <a:rPr lang="zh-CN" altLang="en-US" sz="3200" dirty="0" smtClean="0">
-                <a:solidFill>
-                  <a:schemeClr val="tx1"/>
-                </a:solidFill>
-              </a:rPr>
-              <a:t> </a:t>
-            </a:r>
-            <a:r>
-              <a:rPr lang="en-US" altLang="zh-CN" sz="3200" dirty="0" smtClean="0">
+              <a:rPr lang="zh-CN" altLang="en-US" sz="2800" dirty="0" smtClean="0">
+                <a:solidFill>
+                  <a:schemeClr val="tx1"/>
+                </a:solidFill>
+              </a:rPr>
+              <a:t> </a:t>
+            </a:r>
+            <a:r>
+              <a:rPr lang="en-US" altLang="zh-CN" sz="2800" dirty="0" smtClean="0">
                 <a:solidFill>
                   <a:schemeClr val="tx1"/>
                 </a:solidFill>
@@ -7134,15 +7402,15 @@
               <a:t>songs</a:t>
             </a:r>
             <a:r>
-              <a:rPr lang="zh-CN" altLang="en-US" sz="3200" dirty="0" smtClean="0">
-                <a:solidFill>
-                  <a:schemeClr val="tx1"/>
-                </a:solidFill>
-              </a:rPr>
-              <a:t> </a:t>
-            </a:r>
-            <a:r>
-              <a:rPr lang="en-US" altLang="zh-CN" sz="3200" dirty="0" smtClean="0">
+              <a:rPr lang="zh-CN" altLang="en-US" sz="2800" dirty="0" smtClean="0">
+                <a:solidFill>
+                  <a:schemeClr val="tx1"/>
+                </a:solidFill>
+              </a:rPr>
+              <a:t> </a:t>
+            </a:r>
+            <a:r>
+              <a:rPr lang="en-US" altLang="zh-CN" sz="2800" dirty="0" smtClean="0">
                 <a:solidFill>
                   <a:schemeClr val="tx1"/>
                 </a:solidFill>
@@ -7150,15 +7418,15 @@
               <a:t>with</a:t>
             </a:r>
             <a:r>
-              <a:rPr lang="zh-CN" altLang="en-US" sz="3200" dirty="0" smtClean="0">
-                <a:solidFill>
-                  <a:schemeClr val="tx1"/>
-                </a:solidFill>
-              </a:rPr>
-              <a:t> </a:t>
-            </a:r>
-            <a:r>
-              <a:rPr lang="en-US" altLang="zh-CN" sz="3200" dirty="0">
+              <a:rPr lang="zh-CN" altLang="en-US" sz="2800" dirty="0" smtClean="0">
+                <a:solidFill>
+                  <a:schemeClr val="tx1"/>
+                </a:solidFill>
+              </a:rPr>
+              <a:t> </a:t>
+            </a:r>
+            <a:r>
+              <a:rPr lang="en-US" altLang="zh-CN" sz="2800" dirty="0">
                 <a:solidFill>
                   <a:schemeClr val="tx1"/>
                 </a:solidFill>
@@ -7166,7 +7434,7 @@
               <a:t>d</a:t>
             </a:r>
             <a:r>
-              <a:rPr lang="en-US" altLang="zh-CN" sz="3200" dirty="0" smtClean="0">
+              <a:rPr lang="en-US" altLang="zh-CN" sz="2800" dirty="0" smtClean="0">
                 <a:solidFill>
                   <a:schemeClr val="tx1"/>
                 </a:solidFill>
@@ -7174,15 +7442,15 @@
               <a:t>ifferent</a:t>
             </a:r>
             <a:r>
-              <a:rPr lang="zh-CN" altLang="en-US" sz="3200" dirty="0" smtClean="0">
-                <a:solidFill>
-                  <a:schemeClr val="tx1"/>
-                </a:solidFill>
-              </a:rPr>
-              <a:t> </a:t>
-            </a:r>
-            <a:r>
-              <a:rPr lang="en-US" altLang="zh-CN" sz="3200" dirty="0" smtClean="0">
+              <a:rPr lang="zh-CN" altLang="en-US" sz="2800" dirty="0" smtClean="0">
+                <a:solidFill>
+                  <a:schemeClr val="tx1"/>
+                </a:solidFill>
+              </a:rPr>
+              <a:t> </a:t>
+            </a:r>
+            <a:r>
+              <a:rPr lang="en-US" altLang="zh-CN" sz="2800" dirty="0" smtClean="0">
                 <a:solidFill>
                   <a:schemeClr val="tx1"/>
                 </a:solidFill>
@@ -7190,7 +7458,7 @@
               <a:t>styles.</a:t>
             </a:r>
             <a:r>
-              <a:rPr lang="zh-CN" altLang="en-US" sz="3200" dirty="0" smtClean="0">
+              <a:rPr lang="zh-CN" altLang="en-US" sz="2800" dirty="0" smtClean="0">
                 <a:solidFill>
                   <a:schemeClr val="tx1"/>
                 </a:solidFill>
@@ -7275,7 +7543,7 @@
         <p:spPr>
           <a:xfrm>
             <a:off x="677334" y="2278966"/>
-            <a:ext cx="7721078" cy="2677656"/>
+            <a:ext cx="7721078" cy="3785652"/>
           </a:xfrm>
           <a:prstGeom prst="rect">
             <a:avLst/>
@@ -7433,8 +7701,27 @@
             </a:r>
             <a:r>
               <a:rPr lang="en-US" altLang="zh-CN" sz="2400" dirty="0" err="1" smtClean="0"/>
-              <a:t>MLlib</a:t>
-            </a:r>
+              <a:t>Mllib</a:t>
+            </a:r>
+          </a:p>
+          <a:p>
+            <a:endParaRPr lang="en-US" sz="2400" dirty="0" err="1"/>
+          </a:p>
+          <a:p>
+            <a:r>
+              <a:rPr lang="en-US" altLang="zh-CN" sz="2400" dirty="0"/>
+              <a:t>We use Frescobaldi for </a:t>
+            </a:r>
+            <a:r>
+              <a:rPr lang="en-US" altLang="zh-CN" sz="2400" dirty="0" err="1"/>
+              <a:t>LilyPond</a:t>
+            </a:r>
+            <a:r>
+              <a:rPr lang="en-US" altLang="zh-CN" sz="2400" dirty="0"/>
+              <a:t> files' visualization.</a:t>
+            </a:r>
+          </a:p>
+          <a:p>
             <a:endParaRPr lang="en-US" sz="2400" dirty="0"/>
           </a:p>
         </p:txBody>
@@ -9315,7 +9602,7 @@
         <p:spPr>
           <a:xfrm>
             <a:off x="787791" y="1930400"/>
-            <a:ext cx="7244861" cy="4154984"/>
+            <a:ext cx="7244861" cy="3046988"/>
           </a:xfrm>
           <a:prstGeom prst="rect">
             <a:avLst/>
@@ -9484,7 +9771,7 @@
           <a:p>
             <a:r>
               <a:rPr lang="en-US" altLang="zh-CN" sz="2400" dirty="0" smtClean="0"/>
-              <a:t>·</a:t>
+              <a:t>·In</a:t>
             </a:r>
             <a:r>
               <a:rPr lang="zh-CN" altLang="en-US" sz="2400" dirty="0" smtClean="0"/>
@@ -9492,7 +9779,7 @@
             </a:r>
             <a:r>
               <a:rPr lang="en-US" altLang="zh-CN" sz="2400" dirty="0" smtClean="0"/>
-              <a:t>In</a:t>
+              <a:t>the</a:t>
             </a:r>
             <a:r>
               <a:rPr lang="zh-CN" altLang="en-US" sz="2400" dirty="0" smtClean="0"/>
@@ -9500,323 +9787,283 @@
             </a:r>
             <a:r>
               <a:rPr lang="en-US" altLang="zh-CN" sz="2400" dirty="0" smtClean="0"/>
-              <a:t>our</a:t>
-            </a:r>
-            <a:r>
-              <a:rPr lang="zh-CN" altLang="en-US" sz="2400" dirty="0" smtClean="0"/>
-              <a:t> </a:t>
-            </a:r>
-            <a:r>
-              <a:rPr lang="en-US" altLang="zh-CN" sz="2400" dirty="0" smtClean="0"/>
-              <a:t>final</a:t>
-            </a:r>
-            <a:r>
-              <a:rPr lang="zh-CN" altLang="en-US" sz="2400" dirty="0" smtClean="0"/>
-              <a:t> </a:t>
-            </a:r>
-            <a:r>
-              <a:rPr lang="en-US" altLang="zh-CN" sz="2400" dirty="0" smtClean="0"/>
-              <a:t>presentation</a:t>
-            </a:r>
-            <a:r>
-              <a:rPr lang="zh-CN" altLang="en-US" sz="2400" dirty="0" smtClean="0"/>
-              <a:t> </a:t>
-            </a:r>
-            <a:r>
-              <a:rPr lang="en-US" altLang="zh-CN" sz="2400" dirty="0" smtClean="0"/>
-              <a:t>we</a:t>
-            </a:r>
-            <a:r>
-              <a:rPr lang="zh-CN" altLang="en-US" sz="2400" dirty="0" smtClean="0"/>
-              <a:t> </a:t>
-            </a:r>
-            <a:r>
-              <a:rPr lang="en-US" altLang="zh-CN" sz="2400" dirty="0" smtClean="0"/>
-              <a:t>can</a:t>
-            </a:r>
-            <a:r>
-              <a:rPr lang="zh-CN" altLang="en-US" sz="2400" dirty="0" smtClean="0"/>
-              <a:t> </a:t>
-            </a:r>
-            <a:r>
-              <a:rPr lang="en-US" altLang="zh-CN" sz="2400" dirty="0" smtClean="0"/>
-              <a:t>play</a:t>
-            </a:r>
-            <a:r>
-              <a:rPr lang="zh-CN" altLang="en-US" sz="2400" dirty="0" smtClean="0"/>
-              <a:t> </a:t>
-            </a:r>
-            <a:r>
-              <a:rPr lang="en-US" altLang="zh-CN" sz="2400" dirty="0" smtClean="0"/>
-              <a:t>two</a:t>
-            </a:r>
-            <a:r>
-              <a:rPr lang="zh-CN" altLang="en-US" sz="2400" dirty="0" smtClean="0"/>
-              <a:t> </a:t>
-            </a:r>
-            <a:r>
-              <a:rPr lang="en-US" altLang="zh-CN" sz="2400" dirty="0" smtClean="0"/>
-              <a:t>songs,</a:t>
-            </a:r>
-            <a:r>
-              <a:rPr lang="zh-CN" altLang="en-US" sz="2400" dirty="0" smtClean="0"/>
-              <a:t> </a:t>
-            </a:r>
-            <a:r>
-              <a:rPr lang="en-US" altLang="zh-CN" sz="2400" dirty="0" smtClean="0"/>
-              <a:t>one</a:t>
-            </a:r>
-            <a:r>
-              <a:rPr lang="zh-CN" altLang="en-US" sz="2400" dirty="0" smtClean="0"/>
-              <a:t> </a:t>
-            </a:r>
-            <a:r>
-              <a:rPr lang="en-US" altLang="zh-CN" sz="2400" dirty="0" smtClean="0"/>
-              <a:t>is</a:t>
-            </a:r>
-            <a:r>
-              <a:rPr lang="zh-CN" altLang="en-US" sz="2400" dirty="0" smtClean="0"/>
-              <a:t> </a:t>
-            </a:r>
-            <a:r>
-              <a:rPr lang="en-US" altLang="zh-CN" sz="2400" dirty="0" smtClean="0"/>
-              <a:t>a</a:t>
-            </a:r>
-            <a:r>
-              <a:rPr lang="zh-CN" altLang="en-US" sz="2400" dirty="0" smtClean="0"/>
-              <a:t> </a:t>
-            </a:r>
-            <a:r>
-              <a:rPr lang="en-US" altLang="zh-CN" sz="2400" dirty="0" smtClean="0"/>
-              <a:t>original</a:t>
-            </a:r>
-            <a:r>
-              <a:rPr lang="zh-CN" altLang="en-US" sz="2400" dirty="0" smtClean="0"/>
-              <a:t> </a:t>
-            </a:r>
-            <a:r>
-              <a:rPr lang="en-US" altLang="zh-CN" sz="2400" dirty="0" smtClean="0"/>
-              <a:t>song,</a:t>
-            </a:r>
-            <a:r>
-              <a:rPr lang="en-US" altLang="zh-CN" sz="2400" dirty="0"/>
-              <a:t> the other one is </a:t>
-            </a:r>
-            <a:r>
-              <a:rPr lang="en-US" altLang="zh-CN" sz="2400" dirty="0" smtClean="0"/>
-              <a:t>different</a:t>
-            </a:r>
-            <a:r>
-              <a:rPr lang="zh-CN" altLang="en-US" sz="2400" dirty="0" smtClean="0"/>
-              <a:t> </a:t>
-            </a:r>
-            <a:r>
-              <a:rPr lang="en-US" altLang="zh-CN" sz="2400" dirty="0" smtClean="0"/>
-              <a:t>song</a:t>
-            </a:r>
-            <a:r>
-              <a:rPr lang="zh-CN" altLang="en-US" sz="2400" dirty="0" smtClean="0"/>
-              <a:t> </a:t>
-            </a:r>
-            <a:r>
-              <a:rPr lang="en-US" altLang="zh-CN" sz="2400" dirty="0" smtClean="0"/>
-              <a:t>which</a:t>
-            </a:r>
-            <a:r>
-              <a:rPr lang="zh-CN" altLang="en-US" sz="2400" dirty="0" smtClean="0"/>
-              <a:t> </a:t>
-            </a:r>
-            <a:r>
-              <a:rPr lang="en-US" altLang="zh-CN" sz="2400" dirty="0" smtClean="0"/>
-              <a:t>is</a:t>
-            </a:r>
-            <a:r>
-              <a:rPr lang="zh-CN" altLang="en-US" sz="2400" dirty="0" smtClean="0"/>
-              <a:t> </a:t>
-            </a:r>
-            <a:r>
-              <a:rPr lang="en-US" altLang="zh-CN" sz="2400" dirty="0" smtClean="0"/>
-              <a:t>produced</a:t>
-            </a:r>
-            <a:r>
-              <a:rPr lang="zh-CN" altLang="en-US" sz="2400" dirty="0" smtClean="0"/>
-              <a:t> </a:t>
-            </a:r>
-            <a:r>
-              <a:rPr lang="en-US" altLang="zh-CN" sz="2400" dirty="0" smtClean="0"/>
-              <a:t>by</a:t>
-            </a:r>
-            <a:r>
-              <a:rPr lang="zh-CN" altLang="en-US" sz="2400" dirty="0" smtClean="0"/>
-              <a:t> </a:t>
-            </a:r>
-            <a:r>
-              <a:rPr lang="en-US" altLang="zh-CN" sz="2400" dirty="0" smtClean="0"/>
-              <a:t>our</a:t>
-            </a:r>
-            <a:r>
-              <a:rPr lang="zh-CN" altLang="en-US" sz="2400" dirty="0" smtClean="0"/>
-              <a:t> </a:t>
-            </a:r>
-            <a:r>
-              <a:rPr lang="en-US" altLang="zh-CN" sz="2400" dirty="0" smtClean="0"/>
-              <a:t>project</a:t>
+              <a:t>end</a:t>
             </a:r>
             <a:r>
               <a:rPr lang="en-US" altLang="zh-CN" sz="2400" dirty="0"/>
               <a:t>,</a:t>
             </a:r>
             <a:r>
-              <a:rPr lang="zh-CN" altLang="en-US" sz="2400" dirty="0" smtClean="0"/>
-              <a:t> </a:t>
-            </a:r>
-            <a:r>
-              <a:rPr lang="en-US" altLang="zh-CN" sz="2400" dirty="0" smtClean="0"/>
-              <a:t>let</a:t>
-            </a:r>
-            <a:r>
-              <a:rPr lang="zh-CN" altLang="en-US" sz="2400" dirty="0" smtClean="0"/>
-              <a:t> </a:t>
-            </a:r>
-            <a:r>
-              <a:rPr lang="en-US" altLang="zh-CN" sz="2400" dirty="0" smtClean="0"/>
-              <a:t>everybody judge</a:t>
-            </a:r>
-            <a:r>
-              <a:rPr lang="zh-CN" altLang="en-US" sz="2400" dirty="0" smtClean="0"/>
-              <a:t> </a:t>
-            </a:r>
-            <a:r>
-              <a:rPr lang="en-US" altLang="zh-CN" sz="2400" dirty="0" smtClean="0"/>
-              <a:t>which</a:t>
-            </a:r>
-            <a:r>
-              <a:rPr lang="zh-CN" altLang="en-US" sz="2400" dirty="0" smtClean="0"/>
-              <a:t> </a:t>
-            </a:r>
-            <a:r>
-              <a:rPr lang="en-US" altLang="zh-CN" sz="2400" dirty="0" smtClean="0"/>
+              <a:rPr lang="zh-CN" altLang="en-US" sz="2400" dirty="0"/>
+              <a:t> </a:t>
+            </a:r>
+            <a:r>
+              <a:rPr lang="en-US" altLang="zh-CN" sz="2400" dirty="0"/>
+              <a:t>we</a:t>
+            </a:r>
+            <a:r>
+              <a:rPr lang="zh-CN" altLang="en-US" sz="2400" dirty="0"/>
+              <a:t> </a:t>
+            </a:r>
+            <a:r>
+              <a:rPr lang="en-US" altLang="zh-CN" sz="2400" dirty="0"/>
+              <a:t>will</a:t>
+            </a:r>
+            <a:r>
+              <a:rPr lang="zh-CN" altLang="en-US" sz="2400" dirty="0"/>
+              <a:t> </a:t>
+            </a:r>
+            <a:r>
+              <a:rPr lang="en-US" altLang="zh-CN" sz="2400" dirty="0"/>
+              <a:t>do</a:t>
+            </a:r>
+            <a:r>
+              <a:rPr lang="zh-CN" altLang="en-US" sz="2400" dirty="0"/>
+              <a:t> </a:t>
+            </a:r>
+            <a:r>
+              <a:rPr lang="en-US" altLang="zh-CN" sz="2400" dirty="0"/>
+              <a:t>a</a:t>
+            </a:r>
+            <a:r>
+              <a:rPr lang="zh-CN" altLang="en-US" sz="2400" dirty="0"/>
+              <a:t> </a:t>
+            </a:r>
+            <a:r>
+              <a:rPr lang="en-US" altLang="zh-CN" sz="2400" dirty="0"/>
+              <a:t>questionair</a:t>
+            </a:r>
+            <a:r>
+              <a:rPr lang="zh-CN" altLang="en-US" sz="2400" dirty="0"/>
+              <a:t> </a:t>
+            </a:r>
+            <a:r>
+              <a:rPr lang="en-US" altLang="zh-CN" sz="2400" dirty="0"/>
+              <a:t>of</a:t>
+            </a:r>
+            <a:r>
+              <a:rPr lang="zh-CN" altLang="en-US" sz="2400" dirty="0"/>
+              <a:t> </a:t>
+            </a:r>
+            <a:r>
+              <a:rPr lang="en-US" altLang="zh-CN" sz="2400" dirty="0"/>
+              <a:t>on</a:t>
+            </a:r>
+            <a:r>
+              <a:rPr lang="zh-CN" altLang="en-US" sz="2400" dirty="0"/>
+              <a:t> </a:t>
+            </a:r>
+            <a:r>
+              <a:rPr lang="en-US" altLang="zh-CN" sz="2400" dirty="0"/>
+              <a:t>two</a:t>
+            </a:r>
+            <a:r>
+              <a:rPr lang="zh-CN" altLang="en-US" sz="2400" dirty="0"/>
+              <a:t> </a:t>
+            </a:r>
+            <a:r>
+              <a:rPr lang="en-US" altLang="zh-CN" sz="2400" dirty="0"/>
+              <a:t>songs,</a:t>
+            </a:r>
+            <a:r>
+              <a:rPr lang="zh-CN" altLang="en-US" sz="2400" dirty="0"/>
+              <a:t> </a:t>
+            </a:r>
+            <a:r>
+              <a:rPr lang="en-US" altLang="zh-CN" sz="2400" dirty="0"/>
               <a:t>one</a:t>
             </a:r>
             <a:r>
-              <a:rPr lang="zh-CN" altLang="en-US" sz="2400" dirty="0" smtClean="0"/>
-              <a:t> </a:t>
-            </a:r>
-            <a:r>
-              <a:rPr lang="en-US" altLang="zh-CN" sz="2400" dirty="0" smtClean="0"/>
+              <a:rPr lang="zh-CN" altLang="en-US" sz="2400" dirty="0"/>
+              <a:t> </a:t>
+            </a:r>
+            <a:r>
+              <a:rPr lang="en-US" altLang="zh-CN" sz="2400" dirty="0"/>
               <a:t>is</a:t>
             </a:r>
             <a:r>
-              <a:rPr lang="zh-CN" altLang="en-US" sz="2400" dirty="0" smtClean="0"/>
-              <a:t> </a:t>
-            </a:r>
-            <a:r>
-              <a:rPr lang="en-US" altLang="zh-CN" sz="2400" dirty="0" smtClean="0"/>
+              <a:rPr lang="zh-CN" altLang="en-US" sz="2400" dirty="0"/>
+              <a:t> </a:t>
+            </a:r>
+            <a:r>
+              <a:rPr lang="en-US" altLang="zh-CN" sz="2400" dirty="0"/>
               <a:t>composed</a:t>
             </a:r>
             <a:r>
-              <a:rPr lang="zh-CN" altLang="en-US" sz="2400" dirty="0" smtClean="0"/>
-              <a:t> </a:t>
-            </a:r>
-            <a:r>
-              <a:rPr lang="en-US" altLang="zh-CN" sz="2400" dirty="0" smtClean="0"/>
+              <a:rPr lang="zh-CN" altLang="en-US" sz="2400" dirty="0"/>
+              <a:t> </a:t>
+            </a:r>
+            <a:r>
+              <a:rPr lang="en-US" altLang="zh-CN" sz="2400" dirty="0"/>
               <a:t>by</a:t>
             </a:r>
             <a:r>
-              <a:rPr lang="zh-CN" altLang="en-US" sz="2400" dirty="0" smtClean="0"/>
-              <a:t> </a:t>
-            </a:r>
-            <a:r>
-              <a:rPr lang="en-US" altLang="zh-CN" sz="2400" dirty="0" smtClean="0"/>
-              <a:t>human, </a:t>
-            </a:r>
-            <a:r>
-              <a:rPr lang="zh-CN" altLang="en-US" sz="2400" dirty="0" smtClean="0"/>
-              <a:t> </a:t>
-            </a:r>
-            <a:r>
-              <a:rPr lang="en-US" altLang="zh-CN" sz="2400" dirty="0" smtClean="0"/>
-              <a:t>if its difficult for most people to tell the difference,</a:t>
-            </a:r>
-            <a:r>
-              <a:rPr lang="zh-CN" altLang="en-US" sz="2400" dirty="0" smtClean="0"/>
-              <a:t> </a:t>
-            </a:r>
-            <a:r>
-              <a:rPr lang="en-US" altLang="zh-CN" sz="2400" dirty="0" smtClean="0"/>
+              <a:rPr lang="zh-CN" altLang="en-US" sz="2400" dirty="0"/>
+              <a:t> </a:t>
+            </a:r>
+            <a:r>
+              <a:rPr lang="en-US" altLang="zh-CN" sz="2400" dirty="0"/>
+              <a:t>computer,</a:t>
+            </a:r>
+            <a:r>
+              <a:rPr lang="zh-CN" altLang="en-US" sz="2400" dirty="0"/>
+              <a:t> </a:t>
+            </a:r>
+            <a:r>
+              <a:rPr lang="en-US" altLang="zh-CN" sz="2400" dirty="0"/>
+              <a:t>and</a:t>
+            </a:r>
+            <a:r>
+              <a:rPr lang="zh-CN" altLang="en-US" sz="2400" dirty="0"/>
+              <a:t> </a:t>
+            </a:r>
+            <a:r>
+              <a:rPr lang="en-US" altLang="zh-CN" sz="2400" dirty="0"/>
+              <a:t>one</a:t>
+            </a:r>
+            <a:r>
+              <a:rPr lang="zh-CN" altLang="en-US" sz="2400" dirty="0"/>
+              <a:t> </a:t>
+            </a:r>
+            <a:r>
+              <a:rPr lang="en-US" altLang="zh-CN" sz="2400" dirty="0"/>
+              <a:t>is</a:t>
+            </a:r>
+            <a:r>
+              <a:rPr lang="zh-CN" altLang="en-US" sz="2400" dirty="0"/>
+              <a:t> </a:t>
+            </a:r>
+            <a:r>
+              <a:rPr lang="en-US" altLang="zh-CN" sz="2400" dirty="0"/>
+              <a:t>origenol</a:t>
+            </a:r>
+            <a:r>
+              <a:rPr lang="zh-CN" altLang="en-US" sz="2400" dirty="0"/>
+              <a:t> </a:t>
+            </a:r>
+            <a:r>
+              <a:rPr lang="en-US" altLang="zh-CN" sz="2400" dirty="0"/>
+              <a:t>MIDI</a:t>
+            </a:r>
+            <a:r>
+              <a:rPr lang="zh-CN" altLang="en-US" sz="2400" dirty="0"/>
+              <a:t> </a:t>
+            </a:r>
+            <a:r>
+              <a:rPr lang="en-US" altLang="zh-CN" sz="2400" dirty="0"/>
+              <a:t>song.</a:t>
+            </a:r>
+            <a:r>
+              <a:rPr lang="zh-CN" altLang="en-US" sz="2400" dirty="0"/>
+              <a:t> </a:t>
+            </a:r>
+            <a:r>
+              <a:rPr lang="en-US" altLang="zh-CN" sz="2400" dirty="0"/>
+              <a:t>If</a:t>
+            </a:r>
+            <a:r>
+              <a:rPr lang="zh-CN" altLang="en-US" sz="2400" dirty="0"/>
+              <a:t> </a:t>
+            </a:r>
+            <a:r>
+              <a:rPr lang="en-US" altLang="zh-CN" sz="2400" dirty="0"/>
+              <a:t>70%</a:t>
+            </a:r>
+            <a:r>
+              <a:rPr lang="zh-CN" altLang="en-US" sz="2400" dirty="0"/>
+              <a:t> </a:t>
+            </a:r>
+            <a:r>
+              <a:rPr lang="en-US" altLang="zh-CN" sz="2400" dirty="0"/>
+              <a:t>people</a:t>
+            </a:r>
+            <a:r>
+              <a:rPr lang="zh-CN" altLang="en-US" sz="2400" dirty="0"/>
+              <a:t> </a:t>
+            </a:r>
+            <a:r>
+              <a:rPr lang="en-US" altLang="zh-CN" sz="2400" dirty="0"/>
+              <a:t>can</a:t>
+            </a:r>
+            <a:r>
+              <a:rPr lang="zh-CN" altLang="en-US" sz="2400" dirty="0"/>
+              <a:t> </a:t>
+            </a:r>
+            <a:r>
+              <a:rPr lang="en-US" altLang="zh-CN" sz="2400" dirty="0"/>
+              <a:t>not</a:t>
+            </a:r>
+            <a:r>
+              <a:rPr lang="zh-CN" altLang="en-US" sz="2400" dirty="0"/>
+              <a:t> </a:t>
+            </a:r>
+            <a:r>
+              <a:rPr lang="en-US" altLang="zh-CN" sz="2400" dirty="0"/>
+              <a:t>tell</a:t>
+            </a:r>
+            <a:r>
+              <a:rPr lang="zh-CN" altLang="en-US" sz="2400" dirty="0"/>
+              <a:t> </a:t>
+            </a:r>
+            <a:r>
+              <a:rPr lang="en-US" altLang="zh-CN" sz="2400" dirty="0"/>
+              <a:t>the</a:t>
+            </a:r>
+            <a:r>
+              <a:rPr lang="zh-CN" altLang="en-US" sz="2400" dirty="0"/>
+              <a:t> </a:t>
+            </a:r>
+            <a:r>
+              <a:rPr lang="en-US" altLang="zh-CN" sz="2400" dirty="0"/>
+              <a:t>difference,</a:t>
+            </a:r>
+            <a:r>
+              <a:rPr lang="zh-CN" altLang="en-US" sz="2400" dirty="0"/>
+              <a:t> </a:t>
+            </a:r>
+            <a:r>
+              <a:rPr lang="en-US" altLang="zh-CN" sz="2400" dirty="0"/>
+              <a:t>then</a:t>
+            </a:r>
+            <a:r>
+              <a:rPr lang="zh-CN" altLang="en-US" sz="2400" dirty="0"/>
+              <a:t> </a:t>
+            </a:r>
+            <a:r>
+              <a:rPr lang="en-US" altLang="zh-CN" sz="2400" dirty="0"/>
               <a:t>our</a:t>
             </a:r>
             <a:r>
-              <a:rPr lang="zh-CN" altLang="en-US" sz="2400" dirty="0" smtClean="0"/>
-              <a:t> </a:t>
-            </a:r>
-            <a:r>
-              <a:rPr lang="en-US" altLang="zh-CN" sz="2400" dirty="0" smtClean="0"/>
+              <a:rPr lang="zh-CN" altLang="en-US" sz="2400" dirty="0"/>
+              <a:t> </a:t>
+            </a:r>
+            <a:r>
+              <a:rPr lang="en-US" altLang="zh-CN" sz="2400" dirty="0"/>
               <a:t>project</a:t>
             </a:r>
             <a:r>
-              <a:rPr lang="zh-CN" altLang="en-US" sz="2400" dirty="0" smtClean="0"/>
-              <a:t> </a:t>
-            </a:r>
-            <a:r>
-              <a:rPr lang="en-US" altLang="zh-CN" sz="2400" dirty="0" smtClean="0"/>
-              <a:t>would</a:t>
-            </a:r>
-            <a:r>
-              <a:rPr lang="zh-CN" altLang="en-US" sz="2400" dirty="0" smtClean="0"/>
-              <a:t> </a:t>
-            </a:r>
-            <a:r>
-              <a:rPr lang="en-US" altLang="zh-CN" sz="2400" dirty="0" smtClean="0"/>
-              <a:t>achieve</a:t>
-            </a:r>
-            <a:r>
-              <a:rPr lang="zh-CN" altLang="en-US" sz="2400" dirty="0" smtClean="0"/>
-              <a:t> </a:t>
-            </a:r>
-            <a:r>
-              <a:rPr lang="en-US" altLang="zh-CN" sz="2400" dirty="0" smtClean="0"/>
-              <a:t>what</a:t>
-            </a:r>
-            <a:r>
-              <a:rPr lang="zh-CN" altLang="en-US" sz="2400" dirty="0" smtClean="0"/>
-              <a:t> </a:t>
-            </a:r>
-            <a:r>
-              <a:rPr lang="en-US" altLang="zh-CN" sz="2400" dirty="0" smtClean="0"/>
-              <a:t>we</a:t>
-            </a:r>
-            <a:r>
-              <a:rPr lang="zh-CN" altLang="en-US" sz="2400" dirty="0" smtClean="0"/>
-              <a:t> </a:t>
-            </a:r>
-            <a:r>
-              <a:rPr lang="en-US" altLang="zh-CN" sz="2400" dirty="0" smtClean="0"/>
-              <a:t>set</a:t>
-            </a:r>
-            <a:r>
-              <a:rPr lang="zh-CN" altLang="en-US" sz="2400" dirty="0" smtClean="0"/>
-              <a:t> </a:t>
-            </a:r>
-            <a:r>
-              <a:rPr lang="en-US" altLang="zh-CN" sz="2400" dirty="0" smtClean="0"/>
-              <a:t>out</a:t>
-            </a:r>
-            <a:r>
-              <a:rPr lang="zh-CN" altLang="en-US" sz="2400" dirty="0" smtClean="0"/>
-              <a:t> </a:t>
-            </a:r>
-            <a:r>
-              <a:rPr lang="en-US" altLang="zh-CN" sz="2400" dirty="0" smtClean="0"/>
-              <a:t>to</a:t>
-            </a:r>
-            <a:r>
-              <a:rPr lang="zh-CN" altLang="en-US" sz="2400" dirty="0" smtClean="0"/>
-              <a:t> </a:t>
-            </a:r>
-            <a:r>
-              <a:rPr lang="en-US" altLang="zh-CN" sz="2400" dirty="0" smtClean="0"/>
-              <a:t>do</a:t>
+              <a:rPr lang="zh-CN" altLang="en-US" sz="2400" dirty="0"/>
+              <a:t> </a:t>
+            </a:r>
+            <a:r>
+              <a:rPr lang="en-US" altLang="zh-CN" sz="2400" dirty="0"/>
+              <a:t>goal</a:t>
+            </a:r>
+            <a:r>
+              <a:rPr lang="zh-CN" altLang="en-US" sz="2400" dirty="0"/>
+              <a:t> </a:t>
+            </a:r>
+            <a:r>
+              <a:rPr lang="en-US" altLang="zh-CN" sz="2400" dirty="0"/>
+              <a:t>is</a:t>
+            </a:r>
+            <a:r>
+              <a:rPr lang="zh-CN" altLang="en-US" sz="2400" dirty="0"/>
+              <a:t> </a:t>
+            </a:r>
+            <a:r>
+              <a:rPr lang="en-US" altLang="zh-CN" sz="2400" dirty="0"/>
+              <a:t>completed</a:t>
             </a:r>
             <a:endParaRPr lang="en-US" sz="2400" dirty="0"/>
           </a:p>

--- a/smart music composer.pptx
+++ b/smart music composer.pptx
@@ -123,6 +123,10 @@
 </p:presentation>
 </file>
 
+<file path=ppt/revisionInfo.xml><?xml version="1.0" encoding="utf-8"?>
+<p1510:revInfo xmlns:a="http://schemas.openxmlformats.org/drawingml/2006/main" xmlns:r="http://schemas.openxmlformats.org/officeDocument/2006/relationships" xmlns:p1510="http://schemas.microsoft.com/office/powerpoint/2015/10/main"/>
+</file>
+
 <file path=ppt/notesMasters/notesMaster1.xml><?xml version="1.0" encoding="utf-8"?>
 <p:notesMaster xmlns:a="http://schemas.openxmlformats.org/drawingml/2006/main" xmlns:r="http://schemas.openxmlformats.org/officeDocument/2006/relationships" xmlns:p="http://schemas.openxmlformats.org/presentationml/2006/main">
   <p:cSld>
@@ -205,7 +209,7 @@
           <a:p>
             <a:fld id="{E0F2C752-2D95-4FF5-98E5-B1FE9AE5272C}" type="datetimeFigureOut">
               <a:rPr lang="en-US" smtClean="0"/>
-              <a:t>11/10/17</a:t>
+              <a:t>11/16/2017</a:t>
             </a:fld>
             <a:endParaRPr lang="en-US"/>
           </a:p>
@@ -1194,7 +1198,7 @@
           <a:p>
             <a:fld id="{19493114-9994-41B0-A57B-DBB4EC59144B}" type="datetime1">
               <a:rPr lang="en-US" smtClean="0"/>
-              <a:t>11/10/17</a:t>
+              <a:t>11/16/2017</a:t>
             </a:fld>
             <a:endParaRPr lang="en-US" dirty="0"/>
           </a:p>
@@ -1450,7 +1454,7 @@
           <a:p>
             <a:fld id="{1CCD5A77-8CE5-4885-AB76-99D3ED11BB07}" type="datetime1">
               <a:rPr lang="en-US" smtClean="0"/>
-              <a:t>11/10/17</a:t>
+              <a:t>11/16/2017</a:t>
             </a:fld>
             <a:endParaRPr lang="en-US" dirty="0"/>
           </a:p>
@@ -1769,7 +1773,7 @@
           <a:p>
             <a:fld id="{ACD5B752-B495-41A0-99F7-42653348C00D}" type="datetime1">
               <a:rPr lang="en-US" smtClean="0"/>
-              <a:t>11/10/17</a:t>
+              <a:t>11/16/2017</a:t>
             </a:fld>
             <a:endParaRPr lang="en-US" dirty="0"/>
           </a:p>
@@ -2115,7 +2119,7 @@
           <a:p>
             <a:fld id="{FE390191-5C08-4A93-B423-0D27A3223099}" type="datetime1">
               <a:rPr lang="en-US" smtClean="0"/>
-              <a:t>11/10/17</a:t>
+              <a:t>11/16/2017</a:t>
             </a:fld>
             <a:endParaRPr lang="en-US" dirty="0"/>
           </a:p>
@@ -2434,7 +2438,7 @@
           <a:p>
             <a:fld id="{FF888144-AF4D-478F-9BE6-3C8740DAE685}" type="datetime1">
               <a:rPr lang="en-US" smtClean="0"/>
-              <a:t>11/10/17</a:t>
+              <a:t>11/16/2017</a:t>
             </a:fld>
             <a:endParaRPr lang="en-US" dirty="0"/>
           </a:p>
@@ -2832,7 +2836,7 @@
           <a:p>
             <a:fld id="{5C45DE6D-65E8-4BF9-96DD-736E1EFF6EDB}" type="datetime1">
               <a:rPr lang="en-US" smtClean="0"/>
-              <a:t>11/10/17</a:t>
+              <a:t>11/16/2017</a:t>
             </a:fld>
             <a:endParaRPr lang="en-US" dirty="0"/>
           </a:p>
@@ -3007,7 +3011,7 @@
           <a:p>
             <a:fld id="{E1993A00-790F-434E-824B-9957FBC485EB}" type="datetime1">
               <a:rPr lang="en-US" smtClean="0"/>
-              <a:t>11/10/17</a:t>
+              <a:t>11/16/2017</a:t>
             </a:fld>
             <a:endParaRPr lang="en-US" dirty="0"/>
           </a:p>
@@ -3191,7 +3195,7 @@
           <a:p>
             <a:fld id="{887C8047-3946-42AB-B57A-F44AE537AF17}" type="datetime1">
               <a:rPr lang="en-US" smtClean="0"/>
-              <a:t>11/10/17</a:t>
+              <a:t>11/16/2017</a:t>
             </a:fld>
             <a:endParaRPr lang="en-US" dirty="0"/>
           </a:p>
@@ -3372,7 +3376,7 @@
           <a:p>
             <a:fld id="{2099574C-1B31-404F-A155-B7AE34B71CC6}" type="datetime1">
               <a:rPr lang="en-US" smtClean="0"/>
-              <a:t>11/10/17</a:t>
+              <a:t>11/16/2017</a:t>
             </a:fld>
             <a:endParaRPr lang="en-US" dirty="0"/>
           </a:p>
@@ -3624,7 +3628,7 @@
           <a:p>
             <a:fld id="{BF6A02B0-0B9F-4BCE-BF41-74838C3FC40C}" type="datetime1">
               <a:rPr lang="en-US" smtClean="0"/>
-              <a:t>11/10/17</a:t>
+              <a:t>11/16/2017</a:t>
             </a:fld>
             <a:endParaRPr lang="en-US" dirty="0"/>
           </a:p>
@@ -3861,7 +3865,7 @@
           <a:p>
             <a:fld id="{F96BFC33-B87A-42F9-899C-ED61D9684E36}" type="datetime1">
               <a:rPr lang="en-US" smtClean="0"/>
-              <a:t>11/10/17</a:t>
+              <a:t>11/16/2017</a:t>
             </a:fld>
             <a:endParaRPr lang="en-US" dirty="0"/>
           </a:p>
@@ -4239,7 +4243,7 @@
           <a:p>
             <a:fld id="{38A010E0-18BE-4C63-9A39-78620A517B5E}" type="datetime1">
               <a:rPr lang="en-US" smtClean="0"/>
-              <a:t>11/10/17</a:t>
+              <a:t>11/16/2017</a:t>
             </a:fld>
             <a:endParaRPr lang="en-US" dirty="0"/>
           </a:p>
@@ -4367,7 +4371,7 @@
           <a:p>
             <a:fld id="{F4B7DE87-B73B-4F7C-8C2B-BB9632624D0D}" type="datetime1">
               <a:rPr lang="en-US" smtClean="0"/>
-              <a:t>11/10/17</a:t>
+              <a:t>11/16/2017</a:t>
             </a:fld>
             <a:endParaRPr lang="en-US" dirty="0"/>
           </a:p>
@@ -4467,7 +4471,7 @@
           <a:p>
             <a:fld id="{7485AD35-36EF-4B7F-B123-43C30B58DB6A}" type="datetime1">
               <a:rPr lang="en-US" smtClean="0"/>
-              <a:t>11/10/17</a:t>
+              <a:t>11/16/2017</a:t>
             </a:fld>
             <a:endParaRPr lang="en-US" dirty="0"/>
           </a:p>
@@ -4727,7 +4731,7 @@
           <a:p>
             <a:fld id="{780B615B-0335-4C3F-9D1C-BA42A19E502F}" type="datetime1">
               <a:rPr lang="en-US" smtClean="0"/>
-              <a:t>11/10/17</a:t>
+              <a:t>11/16/2017</a:t>
             </a:fld>
             <a:endParaRPr lang="en-US" dirty="0"/>
           </a:p>
@@ -4994,7 +4998,7 @@
           <a:p>
             <a:fld id="{46F16D02-4F8A-41EB-A128-7D343972C6AE}" type="datetime1">
               <a:rPr lang="en-US" smtClean="0"/>
-              <a:t>11/10/17</a:t>
+              <a:t>11/16/2017</a:t>
             </a:fld>
             <a:endParaRPr lang="en-US" dirty="0"/>
           </a:p>
@@ -5742,7 +5746,7 @@
           <a:p>
             <a:fld id="{60E94704-5506-4700-A009-A30D9C39277F}" type="datetime1">
               <a:rPr lang="en-US" smtClean="0"/>
-              <a:t>11/10/17</a:t>
+              <a:t>11/16/2017</a:t>
             </a:fld>
             <a:endParaRPr lang="en-US" dirty="0"/>
           </a:p>
@@ -6295,35 +6299,31 @@
           <a:lstStyle/>
           <a:p>
             <a:r>
-              <a:rPr lang="en-US" altLang="zh-CN" sz="4000" dirty="0" smtClean="0"/>
+              <a:rPr lang="en-US" altLang="zh-CN" sz="4000" dirty="0"/>
               <a:t>Smart</a:t>
             </a:r>
             <a:r>
-              <a:rPr lang="zh-CN" altLang="en-US" sz="4000" dirty="0" smtClean="0"/>
-              <a:t> </a:t>
-            </a:r>
-            <a:r>
-              <a:rPr lang="en-US" altLang="zh-CN" sz="4000" dirty="0" smtClean="0"/>
+              <a:rPr lang="zh-CN" altLang="en-US" sz="4000" dirty="0"/>
+              <a:t> </a:t>
+            </a:r>
+            <a:r>
+              <a:rPr lang="en-US" altLang="zh-CN" sz="4000" dirty="0"/>
               <a:t>Music</a:t>
             </a:r>
             <a:r>
-              <a:rPr lang="zh-CN" altLang="en-US" sz="4000" dirty="0" smtClean="0"/>
-              <a:t> </a:t>
-            </a:r>
-            <a:r>
-              <a:rPr lang="en-US" altLang="zh-CN" sz="4000" dirty="0" smtClean="0"/>
+              <a:rPr lang="zh-CN" altLang="en-US" sz="4000" dirty="0"/>
+              <a:t> </a:t>
+            </a:r>
+            <a:r>
+              <a:rPr lang="en-US" altLang="zh-CN" sz="4000" dirty="0"/>
               <a:t>Composer</a:t>
-            </a:r>
-            <a:br>
-              <a:rPr lang="en-US" altLang="zh-CN" sz="4000" dirty="0" smtClean="0"/>
-            </a:br>
-            <a:r>
-              <a:rPr lang="en-US" altLang="zh-CN" sz="4000" dirty="0"/>
-              <a:t/>
             </a:r>
             <a:br>
               <a:rPr lang="en-US" altLang="zh-CN" sz="4000" dirty="0"/>
             </a:br>
+            <a:br>
+              <a:rPr lang="en-US" altLang="zh-CN" sz="4000" dirty="0"/>
+            </a:br>
             <a:r>
               <a:rPr lang="en-US" altLang="zh-CN" sz="3100" dirty="0">
                 <a:solidFill>
@@ -6362,10 +6362,6 @@
                 </a:solidFill>
               </a:rPr>
               <a:t>Team 4</a:t>
-            </a:r>
-            <a:r>
-              <a:rPr lang="en-US" altLang="zh-CN" sz="3200" dirty="0"/>
-              <a:t/>
             </a:r>
             <a:br>
               <a:rPr lang="en-US" altLang="zh-CN" sz="3200" dirty="0"/>
@@ -6401,57 +6397,57 @@
           <a:lstStyle/>
           <a:p>
             <a:r>
-              <a:rPr lang="en-US" altLang="zh-CN" sz="2000" dirty="0" smtClean="0"/>
+              <a:rPr lang="en-US" altLang="zh-CN" sz="2000" dirty="0"/>
               <a:t>			Member:</a:t>
             </a:r>
           </a:p>
           <a:p>
             <a:r>
-              <a:rPr lang="en-US" altLang="zh-CN" sz="2000" dirty="0" smtClean="0"/>
+              <a:rPr lang="en-US" altLang="zh-CN" sz="2000" dirty="0"/>
               <a:t>			</a:t>
             </a:r>
             <a:r>
-              <a:rPr lang="en-US" altLang="zh-CN" sz="2000" dirty="0" err="1" smtClean="0"/>
+              <a:rPr lang="en-US" altLang="zh-CN" sz="2000" dirty="0" err="1"/>
               <a:t>Junxi</a:t>
             </a:r>
             <a:r>
-              <a:rPr lang="zh-CN" altLang="en-US" sz="2000" dirty="0" smtClean="0"/>
-              <a:t> </a:t>
-            </a:r>
-            <a:r>
-              <a:rPr lang="en-US" altLang="zh-CN" sz="2000" dirty="0" smtClean="0"/>
+              <a:rPr lang="zh-CN" altLang="en-US" sz="2000" dirty="0"/>
+              <a:t> </a:t>
+            </a:r>
+            <a:r>
+              <a:rPr lang="en-US" altLang="zh-CN" sz="2000" dirty="0"/>
               <a:t>Fan</a:t>
             </a:r>
           </a:p>
           <a:p>
             <a:r>
-              <a:rPr lang="en-US" altLang="zh-CN" sz="2000" dirty="0" smtClean="0"/>
+              <a:rPr lang="en-US" altLang="zh-CN" sz="2000" dirty="0"/>
               <a:t>			Zhixin</a:t>
             </a:r>
             <a:r>
-              <a:rPr lang="zh-CN" altLang="en-US" sz="2000" dirty="0" smtClean="0"/>
-              <a:t> </a:t>
-            </a:r>
-            <a:r>
-              <a:rPr lang="en-US" altLang="zh-CN" sz="2000" dirty="0" smtClean="0"/>
+              <a:rPr lang="zh-CN" altLang="en-US" sz="2000" dirty="0"/>
+              <a:t> </a:t>
+            </a:r>
+            <a:r>
+              <a:rPr lang="en-US" altLang="zh-CN" sz="2000" dirty="0"/>
               <a:t>Wang</a:t>
             </a:r>
           </a:p>
           <a:p>
             <a:r>
-              <a:rPr lang="en-US" altLang="zh-CN" sz="2000" dirty="0" smtClean="0"/>
+              <a:rPr lang="en-US" altLang="zh-CN" sz="2000" dirty="0"/>
               <a:t>			</a:t>
             </a:r>
             <a:r>
-              <a:rPr lang="en-US" altLang="zh-CN" sz="2000" dirty="0" err="1" smtClean="0"/>
+              <a:rPr lang="en-US" altLang="zh-CN" sz="2000" dirty="0" err="1"/>
               <a:t>Kaixin</a:t>
             </a:r>
             <a:r>
-              <a:rPr lang="zh-CN" altLang="en-US" sz="2000" dirty="0" smtClean="0"/>
-              <a:t> </a:t>
-            </a:r>
-            <a:r>
-              <a:rPr lang="en-US" altLang="zh-CN" sz="2000" dirty="0" smtClean="0"/>
+              <a:rPr lang="zh-CN" altLang="en-US" sz="2000" dirty="0"/>
+              <a:t> </a:t>
+            </a:r>
+            <a:r>
+              <a:rPr lang="en-US" altLang="zh-CN" sz="2000" dirty="0"/>
               <a:t>Gao</a:t>
             </a:r>
             <a:endParaRPr lang="en-US" sz="2000" dirty="0"/>
@@ -6468,13 +6464,6 @@
   <p:clrMapOvr>
     <a:masterClrMapping/>
   </p:clrMapOvr>
-  <p:timing>
-    <p:tnLst>
-      <p:par>
-        <p:cTn id="1" dur="indefinite" restart="never" nodeType="tmRoot"/>
-      </p:par>
-    </p:tnLst>
-  </p:timing>
 </p:sld>
 </file>
 
@@ -6518,36 +6507,35 @@
           <a:lstStyle/>
           <a:p>
             <a:r>
-              <a:rPr lang="en-US" altLang="zh-CN" sz="4000" dirty="0" smtClean="0"/>
+              <a:rPr lang="en-US" altLang="zh-CN" sz="4000" dirty="0"/>
               <a:t>Use</a:t>
             </a:r>
             <a:r>
-              <a:rPr lang="zh-CN" altLang="en-US" sz="4000" dirty="0" smtClean="0"/>
+              <a:rPr lang="zh-CN" altLang="en-US" sz="4000" dirty="0"/>
               <a:t> </a:t>
             </a:r>
             <a:r>
               <a:rPr lang="en-US" altLang="zh-CN" sz="4000" dirty="0"/>
-              <a:t>C</a:t>
-            </a:r>
-            <a:r>
-              <a:rPr lang="en-US" altLang="zh-CN" sz="4000" dirty="0" smtClean="0"/>
-              <a:t>ase</a:t>
-            </a:r>
-            <a:r>
-              <a:rPr lang="en-US" altLang="zh-CN" sz="3200" dirty="0" smtClean="0"/>
-              <a:t/>
+              <a:t>Case</a:t>
             </a:r>
             <a:br>
-              <a:rPr lang="en-US" altLang="zh-CN" sz="3200" dirty="0" smtClean="0"/>
+              <a:rPr lang="en-US" altLang="zh-CN" sz="3200" dirty="0"/>
             </a:br>
-            <a:r>
-              <a:rPr lang="en-US" altLang="zh-CN" sz="3200" dirty="0" smtClean="0"/>
-              <a:t/>
-            </a:r>
             <a:br>
-              <a:rPr lang="en-US" altLang="zh-CN" sz="3200" dirty="0" smtClean="0"/>
+              <a:rPr lang="en-US" altLang="zh-CN" sz="3200" dirty="0"/>
             </a:br>
             <a:r>
+              <a:rPr lang="en-US" altLang="zh-CN" sz="3200" dirty="0"/>
+              <a:t>  </a:t>
+            </a:r>
+            <a:br>
+              <a:rPr lang="en-US" altLang="zh-CN" sz="3200" dirty="0"/>
+            </a:br>
+            <a:r>
+              <a:rPr lang="en-US" altLang="zh-CN" sz="3200" dirty="0"/>
+              <a:t>  -</a:t>
+            </a:r>
+            <a:r>
               <a:rPr lang="en-US" altLang="zh-CN" sz="2800" dirty="0">
                 <a:solidFill>
                   <a:schemeClr val="tx1"/>
@@ -6569,183 +6557,7 @@
                   <a:schemeClr val="tx1"/>
                 </a:solidFill>
               </a:rPr>
-              <a:t>musician</a:t>
-            </a:r>
-            <a:r>
-              <a:rPr lang="zh-CN" altLang="en-US" sz="2800" dirty="0">
-                <a:solidFill>
-                  <a:schemeClr val="tx1"/>
-                </a:solidFill>
-              </a:rPr>
-              <a:t> </a:t>
-            </a:r>
-            <a:r>
-              <a:rPr lang="en-US" altLang="zh-CN" sz="2800" dirty="0">
-                <a:solidFill>
-                  <a:schemeClr val="tx1"/>
-                </a:solidFill>
-              </a:rPr>
-              <a:t>can</a:t>
-            </a:r>
-            <a:r>
-              <a:rPr lang="zh-CN" altLang="en-US" sz="2800" dirty="0">
-                <a:solidFill>
-                  <a:schemeClr val="tx1"/>
-                </a:solidFill>
-              </a:rPr>
-              <a:t> </a:t>
-            </a:r>
-            <a:r>
-              <a:rPr lang="en-US" altLang="zh-CN" sz="2800" dirty="0">
-                <a:solidFill>
-                  <a:schemeClr val="tx1"/>
-                </a:solidFill>
-              </a:rPr>
-              <a:t>input</a:t>
-            </a:r>
-            <a:r>
-              <a:rPr lang="zh-CN" altLang="en-US" sz="2800" dirty="0">
-                <a:solidFill>
-                  <a:schemeClr val="tx1"/>
-                </a:solidFill>
-              </a:rPr>
-              <a:t> </a:t>
-            </a:r>
-            <a:r>
-              <a:rPr lang="en-US" altLang="zh-CN" sz="2800" dirty="0">
-                <a:solidFill>
-                  <a:schemeClr val="tx1"/>
-                </a:solidFill>
-              </a:rPr>
-              <a:t>his/her</a:t>
-            </a:r>
-            <a:r>
-              <a:rPr lang="zh-CN" altLang="en-US" sz="2800" dirty="0">
-                <a:solidFill>
-                  <a:schemeClr val="tx1"/>
-                </a:solidFill>
-              </a:rPr>
-              <a:t> </a:t>
-            </a:r>
-            <a:r>
-              <a:rPr lang="en-US" altLang="zh-CN" sz="2800" dirty="0">
-                <a:solidFill>
-                  <a:schemeClr val="tx1"/>
-                </a:solidFill>
-              </a:rPr>
-              <a:t>songs</a:t>
-            </a:r>
-            <a:r>
-              <a:rPr lang="zh-CN" altLang="en-US" sz="2800" dirty="0">
-                <a:solidFill>
-                  <a:schemeClr val="tx1"/>
-                </a:solidFill>
-              </a:rPr>
-              <a:t> </a:t>
-            </a:r>
-            <a:r>
-              <a:rPr lang="en-US" altLang="zh-CN" sz="2800" dirty="0">
-                <a:solidFill>
-                  <a:schemeClr val="tx1"/>
-                </a:solidFill>
-              </a:rPr>
-              <a:t>to</a:t>
-            </a:r>
-            <a:r>
-              <a:rPr lang="zh-CN" altLang="en-US" sz="2800" dirty="0">
-                <a:solidFill>
-                  <a:schemeClr val="tx1"/>
-                </a:solidFill>
-              </a:rPr>
-              <a:t> </a:t>
-            </a:r>
-            <a:r>
-              <a:rPr lang="en-US" altLang="zh-CN" sz="2800" dirty="0">
-                <a:solidFill>
-                  <a:schemeClr val="tx1"/>
-                </a:solidFill>
-              </a:rPr>
-              <a:t>generate</a:t>
-            </a:r>
-            <a:r>
-              <a:rPr lang="zh-CN" altLang="en-US" sz="2800" dirty="0">
-                <a:solidFill>
-                  <a:schemeClr val="tx1"/>
-                </a:solidFill>
-              </a:rPr>
-              <a:t> </a:t>
-            </a:r>
-            <a:r>
-              <a:rPr lang="en-US" altLang="zh-CN" sz="2800" dirty="0">
-                <a:solidFill>
-                  <a:schemeClr val="tx1"/>
-                </a:solidFill>
-              </a:rPr>
-              <a:t>music</a:t>
-            </a:r>
-            <a:r>
-              <a:rPr lang="zh-CN" altLang="en-US" sz="2800" dirty="0">
-                <a:solidFill>
-                  <a:schemeClr val="tx1"/>
-                </a:solidFill>
-              </a:rPr>
-              <a:t> </a:t>
-            </a:r>
-            <a:r>
-              <a:rPr lang="en-US" altLang="zh-CN" sz="2800" dirty="0">
-                <a:solidFill>
-                  <a:schemeClr val="tx1"/>
-                </a:solidFill>
-              </a:rPr>
-              <a:t>in</a:t>
-            </a:r>
-            <a:r>
-              <a:rPr lang="zh-CN" altLang="en-US" sz="2800" dirty="0">
-                <a:solidFill>
-                  <a:schemeClr val="tx1"/>
-                </a:solidFill>
-              </a:rPr>
-              <a:t> </a:t>
-            </a:r>
-            <a:r>
-              <a:rPr lang="en-US" altLang="zh-CN" sz="2800" dirty="0">
-                <a:solidFill>
-                  <a:schemeClr val="tx1"/>
-                </a:solidFill>
-              </a:rPr>
-              <a:t>his/her</a:t>
-            </a:r>
-            <a:r>
-              <a:rPr lang="zh-CN" altLang="en-US" sz="2800" dirty="0">
-                <a:solidFill>
-                  <a:schemeClr val="tx1"/>
-                </a:solidFill>
-              </a:rPr>
-              <a:t> </a:t>
-            </a:r>
-            <a:r>
-              <a:rPr lang="en-US" altLang="zh-CN" sz="2800" dirty="0">
-                <a:solidFill>
-                  <a:schemeClr val="tx1"/>
-                </a:solidFill>
-              </a:rPr>
-              <a:t>style</a:t>
-            </a:r>
-            <a:r>
-              <a:rPr lang="zh-CN" altLang="en-US" sz="2800" dirty="0">
-                <a:solidFill>
-                  <a:schemeClr val="tx1"/>
-                </a:solidFill>
-              </a:rPr>
-              <a:t> </a:t>
-            </a:r>
-            <a:r>
-              <a:rPr lang="en-US" altLang="zh-CN" sz="2800" dirty="0">
-                <a:solidFill>
-                  <a:schemeClr val="tx1"/>
-                </a:solidFill>
-              </a:rPr>
-              <a:t/>
+              <a:t>user can input multiple songs into this system, and get a machine-generated song.</a:t>
             </a:r>
             <a:br>
               <a:rPr lang="en-US" altLang="zh-CN" sz="2800" dirty="0">
@@ -6754,717 +6566,28 @@
                 </a:solidFill>
               </a:rPr>
             </a:br>
-            <a:r>
-              <a:rPr lang="en-US" altLang="zh-CN" sz="2800" dirty="0" smtClean="0">
-                <a:solidFill>
-                  <a:schemeClr val="tx1"/>
-                </a:solidFill>
-              </a:rPr>
-              <a:t/>
-            </a:r>
             <a:br>
-              <a:rPr lang="en-US" altLang="zh-CN" sz="2800" dirty="0" smtClean="0">
+              <a:rPr lang="en-US" altLang="zh-CN" sz="2800" dirty="0">
                 <a:solidFill>
                   <a:schemeClr val="tx1"/>
                 </a:solidFill>
               </a:rPr>
             </a:br>
             <a:r>
-              <a:rPr lang="en-US" altLang="zh-CN" sz="2800" dirty="0" smtClean="0">
-                <a:solidFill>
-                  <a:schemeClr val="tx1"/>
-                </a:solidFill>
-              </a:rPr>
-              <a:t>In</a:t>
-            </a:r>
-            <a:r>
-              <a:rPr lang="zh-CN" altLang="en-US" sz="2800" dirty="0" smtClean="0">
-                <a:solidFill>
-                  <a:schemeClr val="tx1"/>
-                </a:solidFill>
-              </a:rPr>
-              <a:t> </a:t>
-            </a:r>
-            <a:r>
-              <a:rPr lang="en-US" altLang="zh-CN" sz="2800" dirty="0" smtClean="0">
-                <a:solidFill>
-                  <a:schemeClr val="tx1"/>
-                </a:solidFill>
-              </a:rPr>
-              <a:t>our</a:t>
-            </a:r>
-            <a:r>
-              <a:rPr lang="zh-CN" altLang="en-US" sz="2800" dirty="0" smtClean="0">
-                <a:solidFill>
-                  <a:schemeClr val="tx1"/>
-                </a:solidFill>
-              </a:rPr>
-              <a:t> </a:t>
-            </a:r>
-            <a:r>
-              <a:rPr lang="en-US" altLang="zh-CN" sz="2800" dirty="0" smtClean="0">
-                <a:solidFill>
-                  <a:schemeClr val="tx1"/>
-                </a:solidFill>
-              </a:rPr>
-              <a:t>project,</a:t>
-            </a:r>
-            <a:r>
-              <a:rPr lang="zh-CN" altLang="en-US" sz="2800" dirty="0" smtClean="0">
-                <a:solidFill>
-                  <a:schemeClr val="tx1"/>
-                </a:solidFill>
-              </a:rPr>
-              <a:t> </a:t>
-            </a:r>
-            <a:r>
-              <a:rPr lang="en-US" altLang="zh-CN" sz="2800" dirty="0" smtClean="0">
-                <a:solidFill>
-                  <a:schemeClr val="tx1"/>
-                </a:solidFill>
-              </a:rPr>
-              <a:t>we</a:t>
-            </a:r>
-            <a:r>
-              <a:rPr lang="zh-CN" altLang="en-US" sz="2800" dirty="0" smtClean="0">
-                <a:solidFill>
-                  <a:schemeClr val="tx1"/>
-                </a:solidFill>
-              </a:rPr>
-              <a:t> </a:t>
-            </a:r>
-            <a:r>
-              <a:rPr lang="en-US" altLang="zh-CN" sz="2800" dirty="0" smtClean="0">
-                <a:solidFill>
-                  <a:schemeClr val="tx1"/>
-                </a:solidFill>
-              </a:rPr>
-              <a:t>are</a:t>
-            </a:r>
-            <a:r>
-              <a:rPr lang="zh-CN" altLang="en-US" sz="2800" dirty="0" smtClean="0">
-                <a:solidFill>
-                  <a:schemeClr val="tx1"/>
-                </a:solidFill>
-              </a:rPr>
-              <a:t> </a:t>
-            </a:r>
-            <a:r>
               <a:rPr lang="en-US" altLang="zh-CN" sz="2800" dirty="0">
                 <a:solidFill>
                   <a:schemeClr val="tx1"/>
                 </a:solidFill>
               </a:rPr>
-              <a:t>going</a:t>
-            </a:r>
-            <a:r>
-              <a:rPr lang="zh-CN" altLang="en-US" sz="2800" dirty="0" smtClean="0">
-                <a:solidFill>
-                  <a:schemeClr val="tx1"/>
-                </a:solidFill>
-              </a:rPr>
-              <a:t> </a:t>
-            </a:r>
-            <a:r>
-              <a:rPr lang="en-US" altLang="zh-CN" sz="2800" dirty="0" smtClean="0">
-                <a:solidFill>
-                  <a:schemeClr val="tx1"/>
-                </a:solidFill>
-              </a:rPr>
-              <a:t>to</a:t>
-            </a:r>
-            <a:r>
-              <a:rPr lang="zh-CN" altLang="en-US" sz="2800" dirty="0" smtClean="0">
-                <a:solidFill>
-                  <a:schemeClr val="tx1"/>
-                </a:solidFill>
-              </a:rPr>
-              <a:t> </a:t>
-            </a:r>
-            <a:r>
-              <a:rPr lang="en-US" altLang="zh-CN" sz="2800" dirty="0" smtClean="0">
-                <a:solidFill>
-                  <a:schemeClr val="tx1"/>
-                </a:solidFill>
-              </a:rPr>
-              <a:t>input</a:t>
-            </a:r>
-            <a:r>
-              <a:rPr lang="zh-CN" altLang="en-US" sz="2800" dirty="0" smtClean="0">
-                <a:solidFill>
-                  <a:schemeClr val="tx1"/>
-                </a:solidFill>
-              </a:rPr>
-              <a:t> </a:t>
-            </a:r>
-            <a:r>
-              <a:rPr lang="en-US" altLang="zh-CN" sz="2800" dirty="0" smtClean="0">
-                <a:solidFill>
-                  <a:schemeClr val="tx1"/>
-                </a:solidFill>
-              </a:rPr>
-              <a:t>audio</a:t>
-            </a:r>
-            <a:r>
-              <a:rPr lang="zh-CN" altLang="en-US" sz="2800" dirty="0" smtClean="0">
-                <a:solidFill>
-                  <a:schemeClr val="tx1"/>
-                </a:solidFill>
-              </a:rPr>
-              <a:t> </a:t>
-            </a:r>
-            <a:r>
-              <a:rPr lang="en-US" altLang="zh-CN" sz="2800" dirty="0" smtClean="0">
-                <a:solidFill>
-                  <a:schemeClr val="tx1"/>
-                </a:solidFill>
-              </a:rPr>
-              <a:t>file</a:t>
-            </a:r>
-            <a:r>
-              <a:rPr lang="zh-CN" altLang="en-US" sz="2800" dirty="0" smtClean="0">
-                <a:solidFill>
-                  <a:schemeClr val="tx1"/>
-                </a:solidFill>
-              </a:rPr>
-              <a:t> </a:t>
-            </a:r>
-            <a:r>
-              <a:rPr lang="en-US" altLang="zh-CN" sz="2800" dirty="0" smtClean="0">
-                <a:solidFill>
-                  <a:schemeClr val="tx1"/>
-                </a:solidFill>
-              </a:rPr>
-              <a:t>in</a:t>
-            </a:r>
-            <a:r>
-              <a:rPr lang="zh-CN" altLang="en-US" sz="2800" dirty="0" smtClean="0">
-                <a:solidFill>
-                  <a:schemeClr val="tx1"/>
-                </a:solidFill>
-              </a:rPr>
-              <a:t> </a:t>
-            </a:r>
-            <a:r>
-              <a:rPr lang="en-US" altLang="zh-CN" sz="2800" dirty="0" smtClean="0">
-                <a:solidFill>
-                  <a:schemeClr val="tx1"/>
-                </a:solidFill>
-              </a:rPr>
-              <a:t>format</a:t>
-            </a:r>
-            <a:r>
-              <a:rPr lang="zh-CN" altLang="en-US" sz="2800" dirty="0" smtClean="0">
-                <a:solidFill>
-                  <a:schemeClr val="tx1"/>
-                </a:solidFill>
-              </a:rPr>
-              <a:t> </a:t>
-            </a:r>
-            <a:r>
-              <a:rPr lang="en-US" altLang="zh-CN" sz="2800" dirty="0" smtClean="0">
-                <a:solidFill>
-                  <a:schemeClr val="tx1"/>
-                </a:solidFill>
-              </a:rPr>
-              <a:t>of</a:t>
-            </a:r>
-            <a:r>
-              <a:rPr lang="zh-CN" altLang="en-US" sz="2800" dirty="0" smtClean="0">
-                <a:solidFill>
-                  <a:schemeClr val="tx1"/>
-                </a:solidFill>
-              </a:rPr>
-              <a:t> </a:t>
-            </a:r>
-            <a:r>
-              <a:rPr lang="en-US" altLang="zh-CN" sz="2800" dirty="0" smtClean="0">
-                <a:solidFill>
-                  <a:schemeClr val="tx1"/>
-                </a:solidFill>
-              </a:rPr>
-              <a:t>MIDI</a:t>
-            </a:r>
-            <a:r>
-              <a:rPr lang="zh-CN" altLang="en-US" sz="2800" dirty="0" smtClean="0">
-                <a:solidFill>
-                  <a:schemeClr val="tx1"/>
-                </a:solidFill>
-              </a:rPr>
-              <a:t> </a:t>
-            </a:r>
-            <a:r>
-              <a:rPr lang="en-US" altLang="zh-CN" sz="2800" dirty="0" smtClean="0">
-                <a:solidFill>
-                  <a:schemeClr val="tx1"/>
-                </a:solidFill>
-              </a:rPr>
-              <a:t>and</a:t>
-            </a:r>
-            <a:r>
-              <a:rPr lang="zh-CN" altLang="en-US" sz="2800" dirty="0" smtClean="0">
-                <a:solidFill>
-                  <a:schemeClr val="tx1"/>
-                </a:solidFill>
-              </a:rPr>
-              <a:t> </a:t>
-            </a:r>
-            <a:r>
-              <a:rPr lang="en-US" altLang="zh-CN" sz="2800" dirty="0" smtClean="0">
-                <a:solidFill>
-                  <a:schemeClr val="tx1"/>
-                </a:solidFill>
-              </a:rPr>
-              <a:t>this</a:t>
-            </a:r>
-            <a:r>
-              <a:rPr lang="zh-CN" altLang="en-US" sz="2800" dirty="0" smtClean="0">
-                <a:solidFill>
-                  <a:schemeClr val="tx1"/>
-                </a:solidFill>
-              </a:rPr>
-              <a:t> </a:t>
-            </a:r>
-            <a:r>
-              <a:rPr lang="en-US" altLang="zh-CN" sz="2800" dirty="0" smtClean="0">
-                <a:solidFill>
-                  <a:schemeClr val="tx1"/>
-                </a:solidFill>
-              </a:rPr>
-              <a:t>time</a:t>
-            </a:r>
-            <a:r>
-              <a:rPr lang="zh-CN" altLang="en-US" sz="2800" dirty="0" smtClean="0">
-                <a:solidFill>
-                  <a:schemeClr val="tx1"/>
-                </a:solidFill>
-              </a:rPr>
-              <a:t> </a:t>
-            </a:r>
-            <a:r>
-              <a:rPr lang="en-US" altLang="zh-CN" sz="2800" dirty="0" smtClean="0">
-                <a:solidFill>
-                  <a:schemeClr val="tx1"/>
-                </a:solidFill>
-              </a:rPr>
-              <a:t>we</a:t>
-            </a:r>
-            <a:r>
-              <a:rPr lang="zh-CN" altLang="en-US" sz="2800" dirty="0" smtClean="0">
-                <a:solidFill>
-                  <a:schemeClr val="tx1"/>
-                </a:solidFill>
-              </a:rPr>
-              <a:t> </a:t>
-            </a:r>
-            <a:r>
-              <a:rPr lang="en-US" altLang="zh-CN" sz="2800" dirty="0" smtClean="0">
-                <a:solidFill>
-                  <a:schemeClr val="tx1"/>
-                </a:solidFill>
-              </a:rPr>
-              <a:t>focus</a:t>
-            </a:r>
-            <a:r>
-              <a:rPr lang="zh-CN" altLang="en-US" sz="2800" dirty="0" smtClean="0">
-                <a:solidFill>
-                  <a:schemeClr val="tx1"/>
-                </a:solidFill>
-              </a:rPr>
-              <a:t> </a:t>
-            </a:r>
-            <a:r>
-              <a:rPr lang="en-US" altLang="zh-CN" sz="2800" dirty="0" smtClean="0">
-                <a:solidFill>
-                  <a:schemeClr val="tx1"/>
-                </a:solidFill>
-              </a:rPr>
-              <a:t>on</a:t>
-            </a:r>
-            <a:r>
-              <a:rPr lang="zh-CN" altLang="en-US" sz="2800" dirty="0" smtClean="0">
-                <a:solidFill>
-                  <a:schemeClr val="tx1"/>
-                </a:solidFill>
-              </a:rPr>
-              <a:t> </a:t>
-            </a:r>
-            <a:r>
-              <a:rPr lang="en-US" altLang="zh-CN" sz="2800" dirty="0" smtClean="0">
-                <a:solidFill>
-                  <a:schemeClr val="tx1"/>
-                </a:solidFill>
-              </a:rPr>
-              <a:t>several</a:t>
-            </a:r>
-            <a:r>
-              <a:rPr lang="zh-CN" altLang="en-US" sz="2800" dirty="0" smtClean="0">
-                <a:solidFill>
-                  <a:schemeClr val="tx1"/>
-                </a:solidFill>
-              </a:rPr>
-              <a:t> </a:t>
-            </a:r>
-            <a:r>
-              <a:rPr lang="en-US" altLang="zh-CN" sz="2800" dirty="0" smtClean="0">
-                <a:solidFill>
-                  <a:schemeClr val="tx1"/>
-                </a:solidFill>
-              </a:rPr>
-              <a:t>styles</a:t>
-            </a:r>
-            <a:r>
-              <a:rPr lang="zh-CN" altLang="en-US" sz="2800" dirty="0" smtClean="0">
-                <a:solidFill>
-                  <a:schemeClr val="tx1"/>
-                </a:solidFill>
-              </a:rPr>
-              <a:t> </a:t>
-            </a:r>
-            <a:r>
-              <a:rPr lang="en-US" altLang="zh-CN" sz="2800" dirty="0" smtClean="0">
-                <a:solidFill>
-                  <a:schemeClr val="tx1"/>
-                </a:solidFill>
-              </a:rPr>
-              <a:t>of</a:t>
-            </a:r>
-            <a:r>
-              <a:rPr lang="zh-CN" altLang="en-US" sz="2800" dirty="0" smtClean="0">
-                <a:solidFill>
-                  <a:schemeClr val="tx1"/>
-                </a:solidFill>
-              </a:rPr>
-              <a:t> </a:t>
-            </a:r>
-            <a:r>
-              <a:rPr lang="en-US" altLang="zh-CN" sz="2800" dirty="0" smtClean="0">
-                <a:solidFill>
-                  <a:schemeClr val="tx1"/>
-                </a:solidFill>
-              </a:rPr>
-              <a:t>music(</a:t>
-            </a:r>
-            <a:r>
+              <a:t>  -The output song will be better if more songs are inputted.</a:t>
+            </a:r>
+            <a:br>
               <a:rPr lang="en-US" altLang="zh-CN" sz="2800" dirty="0">
                 <a:solidFill>
                   <a:schemeClr val="tx1"/>
                 </a:solidFill>
               </a:rPr>
-              <a:t>P</a:t>
-            </a:r>
-            <a:r>
-              <a:rPr lang="en-US" altLang="zh-CN" sz="2800" dirty="0" smtClean="0">
-                <a:solidFill>
-                  <a:schemeClr val="tx1"/>
-                </a:solidFill>
-              </a:rPr>
-              <a:t>op, Jazz, Classical music, etc.).</a:t>
-            </a:r>
-            <a:r>
-              <a:rPr lang="zh-CN" altLang="en-US" sz="2800" dirty="0" smtClean="0">
-                <a:solidFill>
-                  <a:schemeClr val="tx1"/>
-                </a:solidFill>
-              </a:rPr>
-              <a:t> </a:t>
-            </a:r>
-            <a:r>
-              <a:rPr lang="en-US" altLang="zh-CN" sz="2800" dirty="0" smtClean="0">
-                <a:solidFill>
-                  <a:schemeClr val="tx1"/>
-                </a:solidFill>
-              </a:rPr>
-              <a:t>After</a:t>
-            </a:r>
-            <a:r>
-              <a:rPr lang="zh-CN" altLang="en-US" sz="2800" dirty="0" smtClean="0">
-                <a:solidFill>
-                  <a:schemeClr val="tx1"/>
-                </a:solidFill>
-              </a:rPr>
-              <a:t> </a:t>
-            </a:r>
-            <a:r>
-              <a:rPr lang="en-US" altLang="zh-CN" sz="2800" dirty="0" smtClean="0">
-                <a:solidFill>
-                  <a:schemeClr val="tx1"/>
-                </a:solidFill>
-              </a:rPr>
-              <a:t>processed</a:t>
-            </a:r>
-            <a:r>
-              <a:rPr lang="zh-CN" altLang="en-US" sz="2800" dirty="0" smtClean="0">
-                <a:solidFill>
-                  <a:schemeClr val="tx1"/>
-                </a:solidFill>
-              </a:rPr>
-              <a:t> </a:t>
-            </a:r>
-            <a:r>
-              <a:rPr lang="en-US" altLang="zh-CN" sz="2800" dirty="0" smtClean="0">
-                <a:solidFill>
-                  <a:schemeClr val="tx1"/>
-                </a:solidFill>
-              </a:rPr>
-              <a:t>by</a:t>
-            </a:r>
-            <a:r>
-              <a:rPr lang="zh-CN" altLang="en-US" sz="2800" dirty="0" smtClean="0">
-                <a:solidFill>
-                  <a:schemeClr val="tx1"/>
-                </a:solidFill>
-              </a:rPr>
-              <a:t> </a:t>
-            </a:r>
-            <a:r>
-              <a:rPr lang="en-US" altLang="zh-CN" sz="2800" dirty="0" smtClean="0">
-                <a:solidFill>
-                  <a:schemeClr val="tx1"/>
-                </a:solidFill>
-              </a:rPr>
-              <a:t>our</a:t>
-            </a:r>
-            <a:r>
-              <a:rPr lang="zh-CN" altLang="en-US" sz="2800" dirty="0" smtClean="0">
-                <a:solidFill>
-                  <a:schemeClr val="tx1"/>
-                </a:solidFill>
-              </a:rPr>
-              <a:t> </a:t>
-            </a:r>
-            <a:r>
-              <a:rPr lang="en-US" altLang="zh-CN" sz="2800" dirty="0" smtClean="0">
-                <a:solidFill>
-                  <a:schemeClr val="tx1"/>
-                </a:solidFill>
-              </a:rPr>
-              <a:t>functions,</a:t>
-            </a:r>
-            <a:r>
-              <a:rPr lang="zh-CN" altLang="en-US" sz="2800" dirty="0" smtClean="0">
-                <a:solidFill>
-                  <a:schemeClr val="tx1"/>
-                </a:solidFill>
-              </a:rPr>
-              <a:t> </a:t>
-            </a:r>
-            <a:r>
-              <a:rPr lang="en-US" altLang="zh-CN" sz="2800" dirty="0" smtClean="0">
-                <a:solidFill>
-                  <a:schemeClr val="tx1"/>
-                </a:solidFill>
-              </a:rPr>
-              <a:t>our</a:t>
-            </a:r>
-            <a:r>
-              <a:rPr lang="zh-CN" altLang="en-US" sz="2800" dirty="0" smtClean="0">
-                <a:solidFill>
-                  <a:schemeClr val="tx1"/>
-                </a:solidFill>
-              </a:rPr>
-              <a:t> </a:t>
-            </a:r>
-            <a:r>
-              <a:rPr lang="en-US" altLang="zh-CN" sz="2800" dirty="0" smtClean="0">
-                <a:solidFill>
-                  <a:schemeClr val="tx1"/>
-                </a:solidFill>
-              </a:rPr>
-              <a:t>project</a:t>
-            </a:r>
-            <a:r>
-              <a:rPr lang="zh-CN" altLang="en-US" sz="2800" dirty="0" smtClean="0">
-                <a:solidFill>
-                  <a:schemeClr val="tx1"/>
-                </a:solidFill>
-              </a:rPr>
-              <a:t> </a:t>
-            </a:r>
-            <a:r>
-              <a:rPr lang="en-US" altLang="zh-CN" sz="2800" dirty="0" smtClean="0">
-                <a:solidFill>
-                  <a:schemeClr val="tx1"/>
-                </a:solidFill>
-              </a:rPr>
-              <a:t>would</a:t>
-            </a:r>
-            <a:r>
-              <a:rPr lang="zh-CN" altLang="en-US" sz="2800" dirty="0" smtClean="0">
-                <a:solidFill>
-                  <a:schemeClr val="tx1"/>
-                </a:solidFill>
-              </a:rPr>
-              <a:t> </a:t>
-            </a:r>
-            <a:r>
-              <a:rPr lang="en-US" altLang="zh-CN" sz="2800" dirty="0" smtClean="0">
-                <a:solidFill>
-                  <a:schemeClr val="tx1"/>
-                </a:solidFill>
-              </a:rPr>
-              <a:t>generate</a:t>
-            </a:r>
-            <a:r>
-              <a:rPr lang="zh-CN" altLang="en-US" sz="2800" dirty="0" smtClean="0">
-                <a:solidFill>
-                  <a:schemeClr val="tx1"/>
-                </a:solidFill>
-              </a:rPr>
-              <a:t> </a:t>
-            </a:r>
-            <a:r>
-              <a:rPr lang="en-US" altLang="zh-CN" sz="2800" dirty="0" smtClean="0">
-                <a:solidFill>
-                  <a:schemeClr val="tx1"/>
-                </a:solidFill>
-              </a:rPr>
-              <a:t>a</a:t>
-            </a:r>
-            <a:r>
-              <a:rPr lang="zh-CN" altLang="en-US" sz="2800" dirty="0" smtClean="0">
-                <a:solidFill>
-                  <a:schemeClr val="tx1"/>
-                </a:solidFill>
-              </a:rPr>
-              <a:t> </a:t>
-            </a:r>
-            <a:r>
-              <a:rPr lang="en-US" altLang="zh-CN" sz="2800" dirty="0" smtClean="0">
-                <a:solidFill>
-                  <a:schemeClr val="tx1"/>
-                </a:solidFill>
-              </a:rPr>
-              <a:t>set</a:t>
-            </a:r>
-            <a:r>
-              <a:rPr lang="zh-CN" altLang="en-US" sz="2800" dirty="0" smtClean="0">
-                <a:solidFill>
-                  <a:schemeClr val="tx1"/>
-                </a:solidFill>
-              </a:rPr>
-              <a:t> </a:t>
-            </a:r>
-            <a:r>
-              <a:rPr lang="en-US" altLang="zh-CN" sz="2800" dirty="0" smtClean="0">
-                <a:solidFill>
-                  <a:schemeClr val="tx1"/>
-                </a:solidFill>
-              </a:rPr>
-              <a:t>number</a:t>
-            </a:r>
-            <a:r>
-              <a:rPr lang="zh-CN" altLang="en-US" sz="2800" dirty="0" smtClean="0">
-                <a:solidFill>
-                  <a:schemeClr val="tx1"/>
-                </a:solidFill>
-              </a:rPr>
-              <a:t> </a:t>
-            </a:r>
-            <a:r>
-              <a:rPr lang="en-US" altLang="zh-CN" sz="2800" dirty="0" smtClean="0">
-                <a:solidFill>
-                  <a:schemeClr val="tx1"/>
-                </a:solidFill>
-              </a:rPr>
-              <a:t>of</a:t>
-            </a:r>
-            <a:r>
-              <a:rPr lang="zh-CN" altLang="en-US" sz="2800" dirty="0" smtClean="0">
-                <a:solidFill>
-                  <a:schemeClr val="tx1"/>
-                </a:solidFill>
-              </a:rPr>
-              <a:t> </a:t>
-            </a:r>
-            <a:r>
-              <a:rPr lang="en-US" altLang="zh-CN" sz="2800" dirty="0" smtClean="0">
-                <a:solidFill>
-                  <a:schemeClr val="tx1"/>
-                </a:solidFill>
-              </a:rPr>
-              <a:t>new</a:t>
-            </a:r>
-            <a:r>
-              <a:rPr lang="zh-CN" altLang="en-US" sz="2800" dirty="0" smtClean="0">
-                <a:solidFill>
-                  <a:schemeClr val="tx1"/>
-                </a:solidFill>
-              </a:rPr>
-              <a:t> </a:t>
-            </a:r>
-            <a:r>
-              <a:rPr lang="en-US" altLang="zh-CN" sz="2800" dirty="0" smtClean="0">
-                <a:solidFill>
-                  <a:schemeClr val="tx1"/>
-                </a:solidFill>
-              </a:rPr>
-              <a:t>songs</a:t>
-            </a:r>
-            <a:r>
-              <a:rPr lang="zh-CN" altLang="en-US" sz="2800" dirty="0" smtClean="0">
-                <a:solidFill>
-                  <a:schemeClr val="tx1"/>
-                </a:solidFill>
-              </a:rPr>
-              <a:t> </a:t>
-            </a:r>
-            <a:r>
-              <a:rPr lang="en-US" altLang="zh-CN" sz="2800" dirty="0" smtClean="0">
-                <a:solidFill>
-                  <a:schemeClr val="tx1"/>
-                </a:solidFill>
-              </a:rPr>
-              <a:t>with</a:t>
-            </a:r>
-            <a:r>
-              <a:rPr lang="zh-CN" altLang="en-US" sz="2800" dirty="0" smtClean="0">
-                <a:solidFill>
-                  <a:schemeClr val="tx1"/>
-                </a:solidFill>
-              </a:rPr>
-              <a:t> </a:t>
-            </a:r>
-            <a:r>
-              <a:rPr lang="en-US" altLang="zh-CN" sz="2800" dirty="0">
-                <a:solidFill>
-                  <a:schemeClr val="tx1"/>
-                </a:solidFill>
-              </a:rPr>
-              <a:t>d</a:t>
-            </a:r>
-            <a:r>
-              <a:rPr lang="en-US" altLang="zh-CN" sz="2800" dirty="0" smtClean="0">
-                <a:solidFill>
-                  <a:schemeClr val="tx1"/>
-                </a:solidFill>
-              </a:rPr>
-              <a:t>ifferent</a:t>
-            </a:r>
-            <a:r>
-              <a:rPr lang="zh-CN" altLang="en-US" sz="2800" dirty="0" smtClean="0">
-                <a:solidFill>
-                  <a:schemeClr val="tx1"/>
-                </a:solidFill>
-              </a:rPr>
-              <a:t> </a:t>
-            </a:r>
-            <a:r>
-              <a:rPr lang="en-US" altLang="zh-CN" sz="2800" dirty="0" smtClean="0">
-                <a:solidFill>
-                  <a:schemeClr val="tx1"/>
-                </a:solidFill>
-              </a:rPr>
-              <a:t>styles.</a:t>
-            </a:r>
-            <a:r>
-              <a:rPr lang="zh-CN" altLang="en-US" sz="2800" dirty="0" smtClean="0">
-                <a:solidFill>
-                  <a:schemeClr val="tx1"/>
-                </a:solidFill>
-              </a:rPr>
-              <a:t> </a:t>
-            </a:r>
+            </a:br>
             <a:endParaRPr lang="en-US" sz="3200" dirty="0">
               <a:solidFill>
                 <a:schemeClr val="tx1"/>
@@ -7483,13 +6606,6 @@
   <p:clrMapOvr>
     <a:masterClrMapping/>
   </p:clrMapOvr>
-  <p:timing>
-    <p:tnLst>
-      <p:par>
-        <p:cTn id="1" dur="indefinite" restart="never" nodeType="tmRoot"/>
-      </p:par>
-    </p:tnLst>
-  </p:timing>
 </p:sld>
 </file>
 
@@ -7557,23 +6673,23 @@
           <a:lstStyle/>
           <a:p>
             <a:r>
-              <a:rPr lang="en-US" altLang="zh-CN" sz="2400" dirty="0" smtClean="0"/>
+              <a:rPr lang="en-US" altLang="zh-CN" sz="2400" dirty="0"/>
               <a:t>·</a:t>
             </a:r>
             <a:r>
-              <a:rPr lang="zh-CN" altLang="en-US" sz="2400" dirty="0" smtClean="0"/>
-              <a:t> </a:t>
-            </a:r>
-            <a:r>
-              <a:rPr lang="en-US" altLang="zh-CN" sz="2400" dirty="0" smtClean="0"/>
+              <a:rPr lang="zh-CN" altLang="en-US" sz="2400" dirty="0"/>
+              <a:t> </a:t>
+            </a:r>
+            <a:r>
+              <a:rPr lang="en-US" altLang="zh-CN" sz="2400" dirty="0"/>
               <a:t>Spark</a:t>
             </a:r>
             <a:r>
-              <a:rPr lang="zh-CN" altLang="en-US" sz="2400" dirty="0" smtClean="0"/>
-              <a:t> </a:t>
-            </a:r>
-            <a:r>
-              <a:rPr lang="en-US" altLang="zh-CN" sz="2400" dirty="0" smtClean="0"/>
+              <a:rPr lang="zh-CN" altLang="en-US" sz="2400" dirty="0"/>
+              <a:t> </a:t>
+            </a:r>
+            <a:r>
+              <a:rPr lang="en-US" altLang="zh-CN" sz="2400" dirty="0"/>
               <a:t>Streaming</a:t>
             </a:r>
           </a:p>
@@ -7582,39 +6698,39 @@
           </a:p>
           <a:p>
             <a:r>
-              <a:rPr lang="en-US" altLang="zh-CN" sz="2400" dirty="0" smtClean="0"/>
+              <a:rPr lang="en-US" altLang="zh-CN" sz="2400" dirty="0"/>
               <a:t>·</a:t>
             </a:r>
             <a:r>
-              <a:rPr lang="zh-CN" altLang="en-US" sz="2400" dirty="0" smtClean="0"/>
-              <a:t> </a:t>
-            </a:r>
-            <a:r>
-              <a:rPr lang="en-US" altLang="zh-CN" sz="2400" dirty="0" smtClean="0"/>
+              <a:rPr lang="zh-CN" altLang="en-US" sz="2400" dirty="0"/>
+              <a:t> </a:t>
+            </a:r>
+            <a:r>
+              <a:rPr lang="en-US" altLang="zh-CN" sz="2400" dirty="0"/>
               <a:t>RDD</a:t>
             </a:r>
             <a:r>
-              <a:rPr lang="zh-CN" altLang="en-US" sz="2400" dirty="0" smtClean="0"/>
-              <a:t> </a:t>
-            </a:r>
-            <a:r>
-              <a:rPr lang="en-US" altLang="zh-CN" sz="2400" dirty="0" smtClean="0"/>
+              <a:rPr lang="zh-CN" altLang="en-US" sz="2400" dirty="0"/>
+              <a:t> </a:t>
+            </a:r>
+            <a:r>
+              <a:rPr lang="en-US" altLang="zh-CN" sz="2400" dirty="0"/>
               <a:t>to</a:t>
             </a:r>
             <a:r>
-              <a:rPr lang="zh-CN" altLang="en-US" sz="2400" dirty="0" smtClean="0"/>
-              <a:t> </a:t>
-            </a:r>
-            <a:r>
-              <a:rPr lang="en-US" altLang="zh-CN" sz="2400" dirty="0" smtClean="0"/>
+              <a:rPr lang="zh-CN" altLang="en-US" sz="2400" dirty="0"/>
+              <a:t> </a:t>
+            </a:r>
+            <a:r>
+              <a:rPr lang="en-US" altLang="zh-CN" sz="2400" dirty="0"/>
               <a:t>store</a:t>
             </a:r>
             <a:r>
-              <a:rPr lang="zh-CN" altLang="en-US" sz="2400" dirty="0" smtClean="0"/>
-              <a:t> </a:t>
-            </a:r>
-            <a:r>
-              <a:rPr lang="en-US" altLang="zh-CN" sz="2400" dirty="0" smtClean="0"/>
+              <a:rPr lang="zh-CN" altLang="en-US" sz="2400" dirty="0"/>
+              <a:t> </a:t>
+            </a:r>
+            <a:r>
+              <a:rPr lang="en-US" altLang="zh-CN" sz="2400" dirty="0"/>
               <a:t>data</a:t>
             </a:r>
           </a:p>
@@ -7623,43 +6739,43 @@
           </a:p>
           <a:p>
             <a:r>
-              <a:rPr lang="en-US" altLang="zh-CN" sz="2400" dirty="0" smtClean="0"/>
+              <a:rPr lang="en-US" altLang="zh-CN" sz="2400" dirty="0"/>
               <a:t>·</a:t>
             </a:r>
             <a:r>
-              <a:rPr lang="zh-CN" altLang="en-US" sz="2400" dirty="0" smtClean="0"/>
-              <a:t> </a:t>
-            </a:r>
-            <a:r>
-              <a:rPr lang="en-US" altLang="zh-CN" sz="2400" dirty="0" smtClean="0"/>
+              <a:rPr lang="zh-CN" altLang="en-US" sz="2400" dirty="0"/>
+              <a:t> </a:t>
+            </a:r>
+            <a:r>
+              <a:rPr lang="en-US" altLang="zh-CN" sz="2400" dirty="0"/>
               <a:t>Algorithm:</a:t>
             </a:r>
             <a:r>
-              <a:rPr lang="zh-CN" altLang="en-US" sz="2400" dirty="0" smtClean="0"/>
-              <a:t> </a:t>
-            </a:r>
-            <a:r>
-              <a:rPr lang="en-US" altLang="zh-CN" sz="2400" dirty="0" smtClean="0"/>
+              <a:rPr lang="zh-CN" altLang="en-US" sz="2400" dirty="0"/>
+              <a:t> </a:t>
+            </a:r>
+            <a:r>
+              <a:rPr lang="en-US" altLang="zh-CN" sz="2400" dirty="0"/>
               <a:t>Markov</a:t>
             </a:r>
             <a:r>
-              <a:rPr lang="zh-CN" altLang="en-US" sz="2400" dirty="0" smtClean="0"/>
-              <a:t> </a:t>
-            </a:r>
-            <a:r>
-              <a:rPr lang="en-US" altLang="zh-CN" sz="2400" dirty="0" smtClean="0"/>
+              <a:rPr lang="zh-CN" altLang="en-US" sz="2400" dirty="0"/>
+              <a:t> </a:t>
+            </a:r>
+            <a:r>
+              <a:rPr lang="en-US" altLang="zh-CN" sz="2400" dirty="0"/>
               <a:t>Chain,</a:t>
             </a:r>
             <a:r>
-              <a:rPr lang="zh-CN" altLang="en-US" sz="2400" dirty="0" smtClean="0"/>
-              <a:t> </a:t>
-            </a:r>
-            <a:r>
-              <a:rPr lang="en-US" altLang="zh-CN" sz="2400" dirty="0" smtClean="0"/>
+              <a:rPr lang="zh-CN" altLang="en-US" sz="2400" dirty="0"/>
+              <a:t> </a:t>
+            </a:r>
+            <a:r>
+              <a:rPr lang="en-US" altLang="zh-CN" sz="2400" dirty="0"/>
               <a:t>G</a:t>
             </a:r>
             <a:r>
-              <a:rPr lang="en-US" sz="2400" dirty="0" smtClean="0"/>
+              <a:rPr lang="en-US" sz="2400" dirty="0"/>
               <a:t>enetic </a:t>
             </a:r>
             <a:r>
@@ -7667,7 +6783,7 @@
               <a:t>A</a:t>
             </a:r>
             <a:r>
-              <a:rPr lang="en-US" sz="2400" dirty="0" smtClean="0"/>
+              <a:rPr lang="en-US" sz="2400" dirty="0"/>
               <a:t>lgorithm</a:t>
             </a:r>
           </a:p>
@@ -7676,31 +6792,31 @@
           </a:p>
           <a:p>
             <a:r>
-              <a:rPr lang="en-US" altLang="zh-CN" sz="2400" dirty="0" smtClean="0"/>
+              <a:rPr lang="en-US" altLang="zh-CN" sz="2400" dirty="0"/>
               <a:t>·</a:t>
             </a:r>
             <a:r>
-              <a:rPr lang="zh-CN" altLang="en-US" sz="2400" dirty="0" smtClean="0"/>
-              <a:t> </a:t>
-            </a:r>
-            <a:r>
-              <a:rPr lang="en-US" altLang="zh-CN" sz="2400" dirty="0" smtClean="0"/>
+              <a:rPr lang="zh-CN" altLang="en-US" sz="2400" dirty="0"/>
+              <a:t> </a:t>
+            </a:r>
+            <a:r>
+              <a:rPr lang="en-US" altLang="zh-CN" sz="2400" dirty="0"/>
               <a:t>Tool:</a:t>
             </a:r>
             <a:r>
-              <a:rPr lang="zh-CN" altLang="en-US" sz="2400" dirty="0" smtClean="0"/>
-              <a:t> </a:t>
-            </a:r>
-            <a:r>
-              <a:rPr lang="en-US" altLang="zh-CN" sz="2400" dirty="0" smtClean="0"/>
+              <a:rPr lang="zh-CN" altLang="en-US" sz="2400" dirty="0"/>
+              <a:t> </a:t>
+            </a:r>
+            <a:r>
+              <a:rPr lang="en-US" altLang="zh-CN" sz="2400" dirty="0"/>
               <a:t>Spark,</a:t>
             </a:r>
             <a:r>
-              <a:rPr lang="zh-CN" altLang="en-US" sz="2400" dirty="0" smtClean="0"/>
-              <a:t> </a:t>
-            </a:r>
-            <a:r>
-              <a:rPr lang="en-US" altLang="zh-CN" sz="2400" dirty="0" err="1" smtClean="0"/>
+              <a:rPr lang="zh-CN" altLang="en-US" sz="2400" dirty="0"/>
+              <a:t> </a:t>
+            </a:r>
+            <a:r>
+              <a:rPr lang="en-US" altLang="zh-CN" sz="2400" dirty="0" err="1"/>
               <a:t>Mllib</a:t>
             </a:r>
           </a:p>
@@ -7736,13 +6852,6 @@
   <p:clrMapOvr>
     <a:masterClrMapping/>
   </p:clrMapOvr>
-  <p:timing>
-    <p:tnLst>
-      <p:par>
-        <p:cTn id="1" dur="indefinite" restart="never" nodeType="tmRoot"/>
-      </p:par>
-    </p:tnLst>
-  </p:timing>
 </p:sld>
 </file>
 
@@ -7786,7 +6895,7 @@
           <a:lstStyle/>
           <a:p>
             <a:r>
-              <a:rPr lang="en-US" altLang="zh-CN" sz="3200" dirty="0" smtClean="0">
+              <a:rPr lang="en-US" altLang="zh-CN" sz="3200" dirty="0">
                 <a:solidFill>
                   <a:schemeClr val="tx1"/>
                 </a:solidFill>
@@ -7794,31 +6903,31 @@
               <a:t>Our</a:t>
             </a:r>
             <a:r>
-              <a:rPr lang="zh-CN" altLang="en-US" sz="3200" dirty="0" smtClean="0">
-                <a:solidFill>
-                  <a:schemeClr val="tx1"/>
-                </a:solidFill>
-              </a:rPr>
-              <a:t> </a:t>
-            </a:r>
-            <a:r>
-              <a:rPr lang="en-US" altLang="zh-CN" sz="3200" dirty="0" smtClean="0"/>
+              <a:rPr lang="zh-CN" altLang="en-US" sz="3200" dirty="0">
+                <a:solidFill>
+                  <a:schemeClr val="tx1"/>
+                </a:solidFill>
+              </a:rPr>
+              <a:t> </a:t>
+            </a:r>
+            <a:r>
+              <a:rPr lang="en-US" altLang="zh-CN" sz="3200" dirty="0"/>
               <a:t>data</a:t>
             </a:r>
             <a:r>
-              <a:rPr lang="zh-CN" altLang="en-US" sz="3200" dirty="0" smtClean="0"/>
-              <a:t> </a:t>
-            </a:r>
-            <a:r>
-              <a:rPr lang="en-US" altLang="zh-CN" sz="3200" dirty="0" smtClean="0"/>
+              <a:rPr lang="zh-CN" altLang="en-US" sz="3200" dirty="0"/>
+              <a:t> </a:t>
+            </a:r>
+            <a:r>
+              <a:rPr lang="en-US" altLang="zh-CN" sz="3200" dirty="0"/>
               <a:t>source</a:t>
             </a:r>
             <a:r>
-              <a:rPr lang="zh-CN" altLang="en-US" sz="3200" dirty="0" smtClean="0"/>
-              <a:t> </a:t>
-            </a:r>
-            <a:r>
-              <a:rPr lang="en-US" altLang="zh-CN" sz="3200" dirty="0" smtClean="0">
+              <a:rPr lang="zh-CN" altLang="en-US" sz="3200" dirty="0"/>
+              <a:t> </a:t>
+            </a:r>
+            <a:r>
+              <a:rPr lang="en-US" altLang="zh-CN" sz="3200" dirty="0">
                 <a:solidFill>
                   <a:schemeClr val="tx1"/>
                 </a:solidFill>
@@ -7826,30 +6935,22 @@
               <a:t>is</a:t>
             </a:r>
             <a:r>
-              <a:rPr lang="zh-CN" altLang="en-US" sz="3200" dirty="0" smtClean="0">
-                <a:solidFill>
-                  <a:schemeClr val="tx1"/>
-                </a:solidFill>
-              </a:rPr>
-              <a:t> </a:t>
-            </a:r>
-            <a:r>
-              <a:rPr lang="en-US" altLang="zh-CN" sz="3200" dirty="0" smtClean="0">
-                <a:solidFill>
-                  <a:schemeClr val="tx1"/>
-                </a:solidFill>
-              </a:rPr>
-              <a:t/>
+              <a:rPr lang="zh-CN" altLang="en-US" sz="3200" dirty="0">
+                <a:solidFill>
+                  <a:schemeClr val="tx1"/>
+                </a:solidFill>
+              </a:rPr>
+              <a:t> </a:t>
             </a:r>
             <a:br>
-              <a:rPr lang="en-US" altLang="zh-CN" sz="3200" dirty="0" smtClean="0">
+              <a:rPr lang="en-US" altLang="zh-CN" sz="3200" dirty="0">
                 <a:solidFill>
                   <a:schemeClr val="tx1"/>
                 </a:solidFill>
               </a:rPr>
             </a:br>
             <a:r>
-              <a:rPr lang="en-US" altLang="zh-CN" sz="2800" u="sng" dirty="0" err="1" smtClean="0">
+              <a:rPr lang="en-US" altLang="zh-CN" sz="2800" u="sng" dirty="0" err="1">
                 <a:solidFill>
                   <a:srgbClr val="00B0F0"/>
                 </a:solidFill>
@@ -7880,258 +6981,12 @@
               <a:t>freemidi.org</a:t>
             </a:r>
             <a:r>
-              <a:rPr lang="zh-CN" altLang="en-US" sz="2800" u="sng" dirty="0" smtClean="0">
+              <a:rPr lang="zh-CN" altLang="en-US" sz="2800" u="sng" dirty="0">
                 <a:solidFill>
                   <a:srgbClr val="00B0F0"/>
                 </a:solidFill>
               </a:rPr>
               <a:t> </a:t>
-            </a:r>
-            <a:r>
-              <a:rPr lang="en-US" altLang="zh-CN" sz="3200" dirty="0" smtClean="0">
-                <a:solidFill>
-                  <a:schemeClr val="tx1"/>
-                </a:solidFill>
-              </a:rPr>
-              <a:t/>
-            </a:r>
-            <a:br>
-              <a:rPr lang="en-US" altLang="zh-CN" sz="3200" dirty="0" smtClean="0">
-                <a:solidFill>
-                  <a:schemeClr val="tx1"/>
-                </a:solidFill>
-              </a:rPr>
-            </a:br>
-            <a:r>
-              <a:rPr lang="en-US" altLang="zh-CN" sz="3200" dirty="0" smtClean="0">
-                <a:solidFill>
-                  <a:schemeClr val="tx1"/>
-                </a:solidFill>
-              </a:rPr>
-              <a:t>which</a:t>
-            </a:r>
-            <a:r>
-              <a:rPr lang="zh-CN" altLang="en-US" sz="3200" dirty="0" smtClean="0">
-                <a:solidFill>
-                  <a:schemeClr val="tx1"/>
-                </a:solidFill>
-              </a:rPr>
-              <a:t> </a:t>
-            </a:r>
-            <a:r>
-              <a:rPr lang="en-US" altLang="zh-CN" sz="3200" dirty="0" smtClean="0">
-                <a:solidFill>
-                  <a:schemeClr val="tx1"/>
-                </a:solidFill>
-              </a:rPr>
-              <a:t>are</a:t>
-            </a:r>
-            <a:r>
-              <a:rPr lang="zh-CN" altLang="en-US" sz="3200" dirty="0" smtClean="0">
-                <a:solidFill>
-                  <a:schemeClr val="tx1"/>
-                </a:solidFill>
-              </a:rPr>
-              <a:t> </a:t>
-            </a:r>
-            <a:r>
-              <a:rPr lang="en-US" altLang="zh-CN" sz="3200" dirty="0" smtClean="0">
-                <a:solidFill>
-                  <a:schemeClr val="tx1"/>
-                </a:solidFill>
-              </a:rPr>
-              <a:t>two</a:t>
-            </a:r>
-            <a:r>
-              <a:rPr lang="zh-CN" altLang="en-US" sz="3200" dirty="0" smtClean="0">
-                <a:solidFill>
-                  <a:schemeClr val="tx1"/>
-                </a:solidFill>
-              </a:rPr>
-              <a:t> </a:t>
-            </a:r>
-            <a:r>
-              <a:rPr lang="en-US" altLang="zh-CN" sz="3200" dirty="0" smtClean="0">
-                <a:solidFill>
-                  <a:schemeClr val="tx1"/>
-                </a:solidFill>
-              </a:rPr>
-              <a:t>websites</a:t>
-            </a:r>
-            <a:r>
-              <a:rPr lang="zh-CN" altLang="en-US" sz="3200" dirty="0" smtClean="0">
-                <a:solidFill>
-                  <a:schemeClr val="tx1"/>
-                </a:solidFill>
-              </a:rPr>
-              <a:t> </a:t>
-            </a:r>
-            <a:r>
-              <a:rPr lang="en-US" altLang="zh-CN" sz="3200" dirty="0" smtClean="0">
-                <a:solidFill>
-                  <a:schemeClr val="tx1"/>
-                </a:solidFill>
-              </a:rPr>
-              <a:t>both</a:t>
-            </a:r>
-            <a:r>
-              <a:rPr lang="zh-CN" altLang="en-US" sz="3200" dirty="0" smtClean="0">
-                <a:solidFill>
-                  <a:schemeClr val="tx1"/>
-                </a:solidFill>
-              </a:rPr>
-              <a:t> </a:t>
-            </a:r>
-            <a:r>
-              <a:rPr lang="en-US" altLang="zh-CN" sz="3200" dirty="0" smtClean="0">
-                <a:solidFill>
-                  <a:schemeClr val="tx1"/>
-                </a:solidFill>
-              </a:rPr>
-              <a:t>collect</a:t>
-            </a:r>
-            <a:r>
-              <a:rPr lang="zh-CN" altLang="en-US" sz="3200" dirty="0" smtClean="0">
-                <a:solidFill>
-                  <a:schemeClr val="tx1"/>
-                </a:solidFill>
-              </a:rPr>
-              <a:t> </a:t>
-            </a:r>
-            <a:r>
-              <a:rPr lang="en-US" altLang="zh-CN" sz="3200" dirty="0" smtClean="0">
-                <a:solidFill>
-                  <a:schemeClr val="tx1"/>
-                </a:solidFill>
-              </a:rPr>
-              <a:t>different</a:t>
-            </a:r>
-            <a:r>
-              <a:rPr lang="zh-CN" altLang="en-US" sz="3200" dirty="0" smtClean="0">
-                <a:solidFill>
-                  <a:schemeClr val="tx1"/>
-                </a:solidFill>
-              </a:rPr>
-              <a:t> </a:t>
-            </a:r>
-            <a:r>
-              <a:rPr lang="en-US" altLang="zh-CN" sz="3200" dirty="0" smtClean="0">
-                <a:solidFill>
-                  <a:schemeClr val="tx1"/>
-                </a:solidFill>
-              </a:rPr>
-              <a:t>styles</a:t>
-            </a:r>
-            <a:r>
-              <a:rPr lang="zh-CN" altLang="en-US" sz="3200" dirty="0" smtClean="0">
-                <a:solidFill>
-                  <a:schemeClr val="tx1"/>
-                </a:solidFill>
-              </a:rPr>
-              <a:t> </a:t>
-            </a:r>
-            <a:r>
-              <a:rPr lang="en-US" altLang="zh-CN" sz="3200" dirty="0" smtClean="0">
-                <a:solidFill>
-                  <a:schemeClr val="tx1"/>
-                </a:solidFill>
-              </a:rPr>
-              <a:t>of</a:t>
-            </a:r>
-            <a:r>
-              <a:rPr lang="zh-CN" altLang="en-US" sz="3200" dirty="0" smtClean="0">
-                <a:solidFill>
-                  <a:schemeClr val="tx1"/>
-                </a:solidFill>
-              </a:rPr>
-              <a:t> </a:t>
-            </a:r>
-            <a:r>
-              <a:rPr lang="en-US" altLang="zh-CN" sz="3200" dirty="0" smtClean="0">
-                <a:solidFill>
-                  <a:schemeClr val="tx1"/>
-                </a:solidFill>
-              </a:rPr>
-              <a:t>music</a:t>
-            </a:r>
-            <a:r>
-              <a:rPr lang="zh-CN" altLang="en-US" sz="3200" dirty="0" smtClean="0">
-                <a:solidFill>
-                  <a:schemeClr val="tx1"/>
-                </a:solidFill>
-              </a:rPr>
-              <a:t> </a:t>
-            </a:r>
-            <a:r>
-              <a:rPr lang="en-US" altLang="zh-CN" sz="3200" dirty="0" smtClean="0">
-                <a:solidFill>
-                  <a:schemeClr val="tx1"/>
-                </a:solidFill>
-              </a:rPr>
-              <a:t>in</a:t>
-            </a:r>
-            <a:r>
-              <a:rPr lang="zh-CN" altLang="en-US" sz="3200" dirty="0" smtClean="0">
-                <a:solidFill>
-                  <a:schemeClr val="tx1"/>
-                </a:solidFill>
-              </a:rPr>
-              <a:t> </a:t>
-            </a:r>
-            <a:r>
-              <a:rPr lang="en-US" altLang="zh-CN" sz="3200" dirty="0" smtClean="0">
-                <a:solidFill>
-                  <a:schemeClr val="tx1"/>
-                </a:solidFill>
-              </a:rPr>
-              <a:t>format</a:t>
-            </a:r>
-            <a:r>
-              <a:rPr lang="zh-CN" altLang="en-US" sz="3200" dirty="0" smtClean="0">
-                <a:solidFill>
-                  <a:schemeClr val="tx1"/>
-                </a:solidFill>
-              </a:rPr>
-              <a:t> </a:t>
-            </a:r>
-            <a:r>
-              <a:rPr lang="en-US" altLang="zh-CN" sz="3200" dirty="0" smtClean="0">
-                <a:solidFill>
-                  <a:schemeClr val="tx1"/>
-                </a:solidFill>
-              </a:rPr>
-              <a:t>of</a:t>
-            </a:r>
-            <a:r>
-              <a:rPr lang="zh-CN" altLang="en-US" sz="3200" dirty="0" smtClean="0">
-                <a:solidFill>
-                  <a:schemeClr val="tx1"/>
-                </a:solidFill>
-              </a:rPr>
-              <a:t> </a:t>
-            </a:r>
-            <a:r>
-              <a:rPr lang="en-US" altLang="zh-CN" sz="3200" dirty="0" smtClean="0">
-                <a:solidFill>
-                  <a:schemeClr val="tx1"/>
-                </a:solidFill>
-              </a:rPr>
-              <a:t>midi.</a:t>
-            </a:r>
-            <a:br>
-              <a:rPr lang="en-US" altLang="zh-CN" sz="3200" dirty="0" smtClean="0">
-                <a:solidFill>
-                  <a:schemeClr val="tx1"/>
-                </a:solidFill>
-              </a:rPr>
-            </a:br>
-            <a:r>
-              <a:rPr lang="en-US" altLang="zh-CN" sz="3200" dirty="0">
-                <a:solidFill>
-                  <a:schemeClr val="tx1"/>
-                </a:solidFill>
-              </a:rPr>
-              <a:t/>
             </a:r>
             <a:br>
               <a:rPr lang="en-US" altLang="zh-CN" sz="3200" dirty="0">
@@ -8141,7 +6996,237 @@
               </a:rPr>
             </a:br>
             <a:r>
-              <a:rPr lang="en-US" altLang="zh-CN" sz="3200" dirty="0" smtClean="0">
+              <a:rPr lang="en-US" altLang="zh-CN" sz="3200" dirty="0">
+                <a:solidFill>
+                  <a:schemeClr val="tx1"/>
+                </a:solidFill>
+              </a:rPr>
+              <a:t>which</a:t>
+            </a:r>
+            <a:r>
+              <a:rPr lang="zh-CN" altLang="en-US" sz="3200" dirty="0">
+                <a:solidFill>
+                  <a:schemeClr val="tx1"/>
+                </a:solidFill>
+              </a:rPr>
+              <a:t> </a:t>
+            </a:r>
+            <a:r>
+              <a:rPr lang="en-US" altLang="zh-CN" sz="3200" dirty="0">
+                <a:solidFill>
+                  <a:schemeClr val="tx1"/>
+                </a:solidFill>
+              </a:rPr>
+              <a:t>are</a:t>
+            </a:r>
+            <a:r>
+              <a:rPr lang="zh-CN" altLang="en-US" sz="3200" dirty="0">
+                <a:solidFill>
+                  <a:schemeClr val="tx1"/>
+                </a:solidFill>
+              </a:rPr>
+              <a:t> </a:t>
+            </a:r>
+            <a:r>
+              <a:rPr lang="en-US" altLang="zh-CN" sz="3200" dirty="0">
+                <a:solidFill>
+                  <a:schemeClr val="tx1"/>
+                </a:solidFill>
+              </a:rPr>
+              <a:t>two</a:t>
+            </a:r>
+            <a:r>
+              <a:rPr lang="zh-CN" altLang="en-US" sz="3200" dirty="0">
+                <a:solidFill>
+                  <a:schemeClr val="tx1"/>
+                </a:solidFill>
+              </a:rPr>
+              <a:t> </a:t>
+            </a:r>
+            <a:r>
+              <a:rPr lang="en-US" altLang="zh-CN" sz="3200" dirty="0">
+                <a:solidFill>
+                  <a:schemeClr val="tx1"/>
+                </a:solidFill>
+              </a:rPr>
+              <a:t>websites</a:t>
+            </a:r>
+            <a:r>
+              <a:rPr lang="zh-CN" altLang="en-US" sz="3200" dirty="0">
+                <a:solidFill>
+                  <a:schemeClr val="tx1"/>
+                </a:solidFill>
+              </a:rPr>
+              <a:t> </a:t>
+            </a:r>
+            <a:r>
+              <a:rPr lang="en-US" altLang="zh-CN" sz="3200" dirty="0">
+                <a:solidFill>
+                  <a:schemeClr val="tx1"/>
+                </a:solidFill>
+              </a:rPr>
+              <a:t>both</a:t>
+            </a:r>
+            <a:r>
+              <a:rPr lang="zh-CN" altLang="en-US" sz="3200" dirty="0">
+                <a:solidFill>
+                  <a:schemeClr val="tx1"/>
+                </a:solidFill>
+              </a:rPr>
+              <a:t> </a:t>
+            </a:r>
+            <a:r>
+              <a:rPr lang="en-US" altLang="zh-CN" sz="3200" dirty="0">
+                <a:solidFill>
+                  <a:schemeClr val="tx1"/>
+                </a:solidFill>
+              </a:rPr>
+              <a:t>collect</a:t>
+            </a:r>
+            <a:r>
+              <a:rPr lang="zh-CN" altLang="en-US" sz="3200" dirty="0">
+                <a:solidFill>
+                  <a:schemeClr val="tx1"/>
+                </a:solidFill>
+              </a:rPr>
+              <a:t> </a:t>
+            </a:r>
+            <a:r>
+              <a:rPr lang="en-US" altLang="zh-CN" sz="3200" dirty="0">
+                <a:solidFill>
+                  <a:schemeClr val="tx1"/>
+                </a:solidFill>
+              </a:rPr>
+              <a:t>different</a:t>
+            </a:r>
+            <a:r>
+              <a:rPr lang="zh-CN" altLang="en-US" sz="3200" dirty="0">
+                <a:solidFill>
+                  <a:schemeClr val="tx1"/>
+                </a:solidFill>
+              </a:rPr>
+              <a:t> </a:t>
+            </a:r>
+            <a:r>
+              <a:rPr lang="en-US" altLang="zh-CN" sz="3200" dirty="0">
+                <a:solidFill>
+                  <a:schemeClr val="tx1"/>
+                </a:solidFill>
+              </a:rPr>
+              <a:t>styles</a:t>
+            </a:r>
+            <a:r>
+              <a:rPr lang="zh-CN" altLang="en-US" sz="3200" dirty="0">
+                <a:solidFill>
+                  <a:schemeClr val="tx1"/>
+                </a:solidFill>
+              </a:rPr>
+              <a:t> </a:t>
+            </a:r>
+            <a:r>
+              <a:rPr lang="en-US" altLang="zh-CN" sz="3200" dirty="0">
+                <a:solidFill>
+                  <a:schemeClr val="tx1"/>
+                </a:solidFill>
+              </a:rPr>
+              <a:t>of</a:t>
+            </a:r>
+            <a:r>
+              <a:rPr lang="zh-CN" altLang="en-US" sz="3200" dirty="0">
+                <a:solidFill>
+                  <a:schemeClr val="tx1"/>
+                </a:solidFill>
+              </a:rPr>
+              <a:t> </a:t>
+            </a:r>
+            <a:r>
+              <a:rPr lang="en-US" altLang="zh-CN" sz="3200" dirty="0">
+                <a:solidFill>
+                  <a:schemeClr val="tx1"/>
+                </a:solidFill>
+              </a:rPr>
+              <a:t>music</a:t>
+            </a:r>
+            <a:r>
+              <a:rPr lang="zh-CN" altLang="en-US" sz="3200" dirty="0">
+                <a:solidFill>
+                  <a:schemeClr val="tx1"/>
+                </a:solidFill>
+              </a:rPr>
+              <a:t> </a:t>
+            </a:r>
+            <a:r>
+              <a:rPr lang="en-US" altLang="zh-CN" sz="3200" dirty="0">
+                <a:solidFill>
+                  <a:schemeClr val="tx1"/>
+                </a:solidFill>
+              </a:rPr>
+              <a:t>in</a:t>
+            </a:r>
+            <a:r>
+              <a:rPr lang="zh-CN" altLang="en-US" sz="3200" dirty="0">
+                <a:solidFill>
+                  <a:schemeClr val="tx1"/>
+                </a:solidFill>
+              </a:rPr>
+              <a:t> </a:t>
+            </a:r>
+            <a:r>
+              <a:rPr lang="en-US" altLang="zh-CN" sz="3200" dirty="0">
+                <a:solidFill>
+                  <a:schemeClr val="tx1"/>
+                </a:solidFill>
+              </a:rPr>
+              <a:t>format</a:t>
+            </a:r>
+            <a:r>
+              <a:rPr lang="zh-CN" altLang="en-US" sz="3200" dirty="0">
+                <a:solidFill>
+                  <a:schemeClr val="tx1"/>
+                </a:solidFill>
+              </a:rPr>
+              <a:t> </a:t>
+            </a:r>
+            <a:r>
+              <a:rPr lang="en-US" altLang="zh-CN" sz="3200" dirty="0">
+                <a:solidFill>
+                  <a:schemeClr val="tx1"/>
+                </a:solidFill>
+              </a:rPr>
+              <a:t>of</a:t>
+            </a:r>
+            <a:r>
+              <a:rPr lang="zh-CN" altLang="en-US" sz="3200" dirty="0">
+                <a:solidFill>
+                  <a:schemeClr val="tx1"/>
+                </a:solidFill>
+              </a:rPr>
+              <a:t> </a:t>
+            </a:r>
+            <a:r>
+              <a:rPr lang="en-US" altLang="zh-CN" sz="3200" dirty="0">
+                <a:solidFill>
+                  <a:schemeClr val="tx1"/>
+                </a:solidFill>
+              </a:rPr>
+              <a:t>midi.</a:t>
+            </a:r>
+            <a:br>
+              <a:rPr lang="en-US" altLang="zh-CN" sz="3200" dirty="0">
+                <a:solidFill>
+                  <a:schemeClr val="tx1"/>
+                </a:solidFill>
+              </a:rPr>
+            </a:br>
+            <a:br>
+              <a:rPr lang="en-US" altLang="zh-CN" sz="3200" dirty="0">
+                <a:solidFill>
+                  <a:schemeClr val="tx1"/>
+                </a:solidFill>
+              </a:rPr>
+            </a:br>
+            <a:r>
+              <a:rPr lang="en-US" altLang="zh-CN" sz="3200" dirty="0">
                 <a:solidFill>
                   <a:schemeClr val="tx1"/>
                 </a:solidFill>
@@ -8149,15 +7234,15 @@
               <a:t>We</a:t>
             </a:r>
             <a:r>
-              <a:rPr lang="zh-CN" altLang="en-US" sz="3200" dirty="0" smtClean="0">
-                <a:solidFill>
-                  <a:schemeClr val="tx1"/>
-                </a:solidFill>
-              </a:rPr>
-              <a:t> </a:t>
-            </a:r>
-            <a:r>
-              <a:rPr lang="en-US" altLang="zh-CN" sz="3200" dirty="0" smtClean="0">
+              <a:rPr lang="zh-CN" altLang="en-US" sz="3200" dirty="0">
+                <a:solidFill>
+                  <a:schemeClr val="tx1"/>
+                </a:solidFill>
+              </a:rPr>
+              <a:t> </a:t>
+            </a:r>
+            <a:r>
+              <a:rPr lang="en-US" altLang="zh-CN" sz="3200" dirty="0">
                 <a:solidFill>
                   <a:schemeClr val="tx1"/>
                 </a:solidFill>
@@ -8165,15 +7250,15 @@
               <a:t>are</a:t>
             </a:r>
             <a:r>
-              <a:rPr lang="zh-CN" altLang="en-US" sz="3200" dirty="0" smtClean="0">
-                <a:solidFill>
-                  <a:schemeClr val="tx1"/>
-                </a:solidFill>
-              </a:rPr>
-              <a:t> </a:t>
-            </a:r>
-            <a:r>
-              <a:rPr lang="en-US" altLang="zh-CN" sz="3200" dirty="0" smtClean="0">
+              <a:rPr lang="zh-CN" altLang="en-US" sz="3200" dirty="0">
+                <a:solidFill>
+                  <a:schemeClr val="tx1"/>
+                </a:solidFill>
+              </a:rPr>
+              <a:t> </a:t>
+            </a:r>
+            <a:r>
+              <a:rPr lang="en-US" altLang="zh-CN" sz="3200" dirty="0">
                 <a:solidFill>
                   <a:schemeClr val="tx1"/>
                 </a:solidFill>
@@ -8181,15 +7266,15 @@
               <a:t>about</a:t>
             </a:r>
             <a:r>
-              <a:rPr lang="zh-CN" altLang="en-US" sz="3200" dirty="0" smtClean="0">
-                <a:solidFill>
-                  <a:schemeClr val="tx1"/>
-                </a:solidFill>
-              </a:rPr>
-              <a:t> </a:t>
-            </a:r>
-            <a:r>
-              <a:rPr lang="en-US" altLang="zh-CN" sz="3200" dirty="0" smtClean="0">
+              <a:rPr lang="zh-CN" altLang="en-US" sz="3200" dirty="0">
+                <a:solidFill>
+                  <a:schemeClr val="tx1"/>
+                </a:solidFill>
+              </a:rPr>
+              <a:t> </a:t>
+            </a:r>
+            <a:r>
+              <a:rPr lang="en-US" altLang="zh-CN" sz="3200" dirty="0">
                 <a:solidFill>
                   <a:schemeClr val="tx1"/>
                 </a:solidFill>
@@ -8197,15 +7282,15 @@
               <a:t>to</a:t>
             </a:r>
             <a:r>
-              <a:rPr lang="zh-CN" altLang="en-US" sz="3200" dirty="0" smtClean="0">
-                <a:solidFill>
-                  <a:schemeClr val="tx1"/>
-                </a:solidFill>
-              </a:rPr>
-              <a:t> </a:t>
-            </a:r>
-            <a:r>
-              <a:rPr lang="en-US" altLang="zh-CN" sz="3200" dirty="0" smtClean="0">
+              <a:rPr lang="zh-CN" altLang="en-US" sz="3200" dirty="0">
+                <a:solidFill>
+                  <a:schemeClr val="tx1"/>
+                </a:solidFill>
+              </a:rPr>
+              <a:t> </a:t>
+            </a:r>
+            <a:r>
+              <a:rPr lang="en-US" altLang="zh-CN" sz="3200" dirty="0">
                 <a:solidFill>
                   <a:schemeClr val="tx1"/>
                 </a:solidFill>
@@ -8213,15 +7298,15 @@
               <a:t>process</a:t>
             </a:r>
             <a:r>
-              <a:rPr lang="zh-CN" altLang="en-US" sz="3200" dirty="0" smtClean="0">
-                <a:solidFill>
-                  <a:schemeClr val="tx1"/>
-                </a:solidFill>
-              </a:rPr>
-              <a:t> </a:t>
-            </a:r>
-            <a:r>
-              <a:rPr lang="en-US" altLang="zh-CN" sz="3200" dirty="0" smtClean="0">
+              <a:rPr lang="zh-CN" altLang="en-US" sz="3200" dirty="0">
+                <a:solidFill>
+                  <a:schemeClr val="tx1"/>
+                </a:solidFill>
+              </a:rPr>
+              <a:t> </a:t>
+            </a:r>
+            <a:r>
+              <a:rPr lang="en-US" altLang="zh-CN" sz="3200" dirty="0">
                 <a:solidFill>
                   <a:schemeClr val="tx1"/>
                 </a:solidFill>
@@ -8229,15 +7314,15 @@
               <a:t>more</a:t>
             </a:r>
             <a:r>
-              <a:rPr lang="zh-CN" altLang="en-US" sz="3200" dirty="0" smtClean="0">
-                <a:solidFill>
-                  <a:schemeClr val="tx1"/>
-                </a:solidFill>
-              </a:rPr>
-              <a:t> </a:t>
-            </a:r>
-            <a:r>
-              <a:rPr lang="en-US" altLang="zh-CN" sz="3200" dirty="0" smtClean="0">
+              <a:rPr lang="zh-CN" altLang="en-US" sz="3200" dirty="0">
+                <a:solidFill>
+                  <a:schemeClr val="tx1"/>
+                </a:solidFill>
+              </a:rPr>
+              <a:t> </a:t>
+            </a:r>
+            <a:r>
+              <a:rPr lang="en-US" altLang="zh-CN" sz="3200" dirty="0">
                 <a:solidFill>
                   <a:schemeClr val="tx1"/>
                 </a:solidFill>
@@ -8245,15 +7330,15 @@
               <a:t>than</a:t>
             </a:r>
             <a:r>
-              <a:rPr lang="zh-CN" altLang="en-US" sz="3200" dirty="0" smtClean="0">
-                <a:solidFill>
-                  <a:schemeClr val="tx1"/>
-                </a:solidFill>
-              </a:rPr>
-              <a:t> </a:t>
-            </a:r>
-            <a:r>
-              <a:rPr lang="en-US" altLang="zh-CN" sz="3200" dirty="0" smtClean="0">
+              <a:rPr lang="zh-CN" altLang="en-US" sz="3200" dirty="0">
+                <a:solidFill>
+                  <a:schemeClr val="tx1"/>
+                </a:solidFill>
+              </a:rPr>
+              <a:t> </a:t>
+            </a:r>
+            <a:r>
+              <a:rPr lang="en-US" altLang="zh-CN" sz="3200" dirty="0">
                 <a:solidFill>
                   <a:schemeClr val="tx1"/>
                 </a:solidFill>
@@ -8261,15 +7346,15 @@
               <a:t>6000</a:t>
             </a:r>
             <a:r>
-              <a:rPr lang="zh-CN" altLang="en-US" sz="3200" dirty="0" smtClean="0">
-                <a:solidFill>
-                  <a:schemeClr val="tx1"/>
-                </a:solidFill>
-              </a:rPr>
-              <a:t> </a:t>
-            </a:r>
-            <a:r>
-              <a:rPr lang="en-US" altLang="zh-CN" sz="3200" dirty="0" smtClean="0">
+              <a:rPr lang="zh-CN" altLang="en-US" sz="3200" dirty="0">
+                <a:solidFill>
+                  <a:schemeClr val="tx1"/>
+                </a:solidFill>
+              </a:rPr>
+              <a:t> </a:t>
+            </a:r>
+            <a:r>
+              <a:rPr lang="en-US" altLang="zh-CN" sz="3200" dirty="0">
                 <a:solidFill>
                   <a:schemeClr val="tx1"/>
                 </a:solidFill>
@@ -8277,15 +7362,15 @@
               <a:t>minutes</a:t>
             </a:r>
             <a:r>
-              <a:rPr lang="zh-CN" altLang="en-US" sz="3200" dirty="0" smtClean="0">
-                <a:solidFill>
-                  <a:schemeClr val="tx1"/>
-                </a:solidFill>
-              </a:rPr>
-              <a:t> </a:t>
-            </a:r>
-            <a:r>
-              <a:rPr lang="en-US" altLang="zh-CN" sz="3200" dirty="0" smtClean="0">
+              <a:rPr lang="zh-CN" altLang="en-US" sz="3200" dirty="0">
+                <a:solidFill>
+                  <a:schemeClr val="tx1"/>
+                </a:solidFill>
+              </a:rPr>
+              <a:t> </a:t>
+            </a:r>
+            <a:r>
+              <a:rPr lang="en-US" altLang="zh-CN" sz="3200" dirty="0">
                 <a:solidFill>
                   <a:schemeClr val="tx1"/>
                 </a:solidFill>
@@ -8293,15 +7378,15 @@
               <a:t>of</a:t>
             </a:r>
             <a:r>
-              <a:rPr lang="zh-CN" altLang="en-US" sz="3200" dirty="0" smtClean="0">
-                <a:solidFill>
-                  <a:schemeClr val="tx1"/>
-                </a:solidFill>
-              </a:rPr>
-              <a:t> </a:t>
-            </a:r>
-            <a:r>
-              <a:rPr lang="en-US" altLang="zh-CN" sz="3200" dirty="0" smtClean="0">
+              <a:rPr lang="zh-CN" altLang="en-US" sz="3200" dirty="0">
+                <a:solidFill>
+                  <a:schemeClr val="tx1"/>
+                </a:solidFill>
+              </a:rPr>
+              <a:t> </a:t>
+            </a:r>
+            <a:r>
+              <a:rPr lang="en-US" altLang="zh-CN" sz="3200" dirty="0">
                 <a:solidFill>
                   <a:schemeClr val="tx1"/>
                 </a:solidFill>
@@ -8326,13 +7411,6 @@
   <p:clrMapOvr>
     <a:masterClrMapping/>
   </p:clrMapOvr>
-  <p:timing>
-    <p:tnLst>
-      <p:par>
-        <p:cTn id="1" dur="indefinite" restart="never" nodeType="tmRoot"/>
-      </p:par>
-    </p:tnLst>
-  </p:timing>
 </p:sld>
 </file>
 
@@ -8376,7 +7454,7 @@
           <a:lstStyle/>
           <a:p>
             <a:r>
-              <a:rPr lang="en-US" altLang="zh-CN" sz="4000" dirty="0" smtClean="0"/>
+              <a:rPr lang="en-US" altLang="zh-CN" sz="4000" dirty="0"/>
               <a:t>Milestone</a:t>
             </a:r>
             <a:endParaRPr lang="en-US" sz="4000" dirty="0"/>
@@ -8406,280 +7484,280 @@
           <a:lstStyle/>
           <a:p>
             <a:r>
-              <a:rPr lang="en-US" altLang="zh-CN" sz="2400" dirty="0" smtClean="0"/>
+              <a:rPr lang="en-US" altLang="zh-CN" sz="2400" dirty="0"/>
               <a:t>·</a:t>
             </a:r>
             <a:r>
-              <a:rPr lang="zh-CN" altLang="en-US" sz="2400" dirty="0" smtClean="0"/>
-              <a:t> </a:t>
-            </a:r>
-            <a:r>
-              <a:rPr lang="en-US" altLang="zh-CN" sz="2400" dirty="0" smtClean="0"/>
+              <a:rPr lang="zh-CN" altLang="en-US" sz="2400" dirty="0"/>
+              <a:t> </a:t>
+            </a:r>
+            <a:r>
+              <a:rPr lang="en-US" altLang="zh-CN" sz="2400" dirty="0"/>
               <a:t>1st</a:t>
             </a:r>
             <a:r>
-              <a:rPr lang="zh-CN" altLang="en-US" sz="2400" dirty="0" smtClean="0"/>
-              <a:t> </a:t>
-            </a:r>
-            <a:r>
-              <a:rPr lang="en-US" altLang="zh-CN" sz="2400" dirty="0" smtClean="0"/>
+              <a:rPr lang="zh-CN" altLang="en-US" sz="2400" dirty="0"/>
+              <a:t> </a:t>
+            </a:r>
+            <a:r>
+              <a:rPr lang="en-US" altLang="zh-CN" sz="2400" dirty="0"/>
               <a:t>Week:</a:t>
             </a:r>
             <a:r>
-              <a:rPr lang="zh-CN" altLang="en-US" sz="2400" dirty="0" smtClean="0"/>
-              <a:t> </a:t>
-            </a:r>
-            <a:r>
-              <a:rPr lang="en-US" altLang="zh-CN" sz="2400" dirty="0" smtClean="0"/>
+              <a:rPr lang="zh-CN" altLang="en-US" sz="2400" dirty="0"/>
+              <a:t> </a:t>
+            </a:r>
+            <a:r>
+              <a:rPr lang="en-US" altLang="zh-CN" sz="2400" dirty="0"/>
               <a:t>collect</a:t>
             </a:r>
             <a:r>
-              <a:rPr lang="zh-CN" altLang="en-US" sz="2400" dirty="0" smtClean="0"/>
-              <a:t> </a:t>
-            </a:r>
-            <a:r>
-              <a:rPr lang="en-US" altLang="zh-CN" sz="2400" dirty="0" smtClean="0"/>
+              <a:rPr lang="zh-CN" altLang="en-US" sz="2400" dirty="0"/>
+              <a:t> </a:t>
+            </a:r>
+            <a:r>
+              <a:rPr lang="en-US" altLang="zh-CN" sz="2400" dirty="0"/>
               <a:t>midi</a:t>
             </a:r>
             <a:r>
-              <a:rPr lang="zh-CN" altLang="en-US" sz="2400" dirty="0" smtClean="0"/>
-              <a:t> </a:t>
-            </a:r>
-            <a:r>
-              <a:rPr lang="en-US" altLang="zh-CN" sz="2400" dirty="0" smtClean="0"/>
+              <a:rPr lang="zh-CN" altLang="en-US" sz="2400" dirty="0"/>
+              <a:t> </a:t>
+            </a:r>
+            <a:r>
+              <a:rPr lang="en-US" altLang="zh-CN" sz="2400" dirty="0"/>
               <a:t>files</a:t>
             </a:r>
             <a:r>
-              <a:rPr lang="zh-CN" altLang="en-US" sz="2400" dirty="0" smtClean="0"/>
-              <a:t> </a:t>
-            </a:r>
-            <a:r>
-              <a:rPr lang="en-US" altLang="zh-CN" sz="2400" dirty="0" smtClean="0"/>
+              <a:rPr lang="zh-CN" altLang="en-US" sz="2400" dirty="0"/>
+              <a:t> </a:t>
+            </a:r>
+            <a:r>
+              <a:rPr lang="en-US" altLang="zh-CN" sz="2400" dirty="0"/>
               <a:t>and</a:t>
             </a:r>
             <a:r>
-              <a:rPr lang="zh-CN" altLang="en-US" sz="2400" dirty="0" smtClean="0"/>
-              <a:t> </a:t>
-            </a:r>
-            <a:r>
-              <a:rPr lang="en-US" altLang="zh-CN" sz="2400" dirty="0" smtClean="0"/>
+              <a:rPr lang="zh-CN" altLang="en-US" sz="2400" dirty="0"/>
+              <a:t> </a:t>
+            </a:r>
+            <a:r>
+              <a:rPr lang="en-US" altLang="zh-CN" sz="2400" dirty="0"/>
               <a:t>convert</a:t>
             </a:r>
             <a:r>
-              <a:rPr lang="zh-CN" altLang="en-US" sz="2400" dirty="0" smtClean="0"/>
-              <a:t> </a:t>
-            </a:r>
-            <a:r>
-              <a:rPr lang="en-US" altLang="zh-CN" sz="2400" dirty="0" smtClean="0"/>
+              <a:rPr lang="zh-CN" altLang="en-US" sz="2400" dirty="0"/>
+              <a:t> </a:t>
+            </a:r>
+            <a:r>
+              <a:rPr lang="en-US" altLang="zh-CN" sz="2400" dirty="0"/>
               <a:t>them</a:t>
             </a:r>
             <a:r>
-              <a:rPr lang="zh-CN" altLang="en-US" sz="2400" dirty="0" smtClean="0"/>
-              <a:t> </a:t>
-            </a:r>
-            <a:r>
-              <a:rPr lang="en-US" altLang="zh-CN" sz="2400" dirty="0" smtClean="0"/>
+              <a:rPr lang="zh-CN" altLang="en-US" sz="2400" dirty="0"/>
+              <a:t> </a:t>
+            </a:r>
+            <a:r>
+              <a:rPr lang="en-US" altLang="zh-CN" sz="2400" dirty="0"/>
               <a:t>into</a:t>
             </a:r>
             <a:r>
-              <a:rPr lang="zh-CN" altLang="en-US" sz="2400" dirty="0" smtClean="0"/>
-              <a:t> </a:t>
-            </a:r>
-            <a:r>
-              <a:rPr lang="en-US" altLang="zh-CN" sz="2400" dirty="0" err="1" smtClean="0"/>
+              <a:rPr lang="zh-CN" altLang="en-US" sz="2400" dirty="0"/>
+              <a:t> </a:t>
+            </a:r>
+            <a:r>
+              <a:rPr lang="en-US" altLang="zh-CN" sz="2400" dirty="0" err="1"/>
               <a:t>LilyPond</a:t>
             </a:r>
             <a:r>
-              <a:rPr lang="zh-CN" altLang="en-US" sz="2400" dirty="0" smtClean="0"/>
-              <a:t> </a:t>
-            </a:r>
-            <a:r>
-              <a:rPr lang="en-US" altLang="zh-CN" sz="2400" dirty="0" smtClean="0"/>
+              <a:rPr lang="zh-CN" altLang="en-US" sz="2400" dirty="0"/>
+              <a:t> </a:t>
+            </a:r>
+            <a:r>
+              <a:rPr lang="en-US" altLang="zh-CN" sz="2400" dirty="0"/>
               <a:t>file</a:t>
             </a:r>
             <a:r>
-              <a:rPr lang="zh-CN" altLang="en-US" sz="2400" dirty="0" smtClean="0"/>
-              <a:t> </a:t>
-            </a:r>
-            <a:r>
-              <a:rPr lang="en-US" altLang="zh-CN" sz="2400" dirty="0" smtClean="0"/>
+              <a:rPr lang="zh-CN" altLang="en-US" sz="2400" dirty="0"/>
+              <a:t> </a:t>
+            </a:r>
+            <a:r>
+              <a:rPr lang="en-US" altLang="zh-CN" sz="2400" dirty="0"/>
               <a:t>,</a:t>
             </a:r>
             <a:r>
-              <a:rPr lang="zh-CN" altLang="en-US" sz="2400" dirty="0" smtClean="0"/>
-              <a:t> </a:t>
-            </a:r>
-            <a:r>
-              <a:rPr lang="en-US" altLang="zh-CN" sz="2400" dirty="0" smtClean="0"/>
+              <a:rPr lang="zh-CN" altLang="en-US" sz="2400" dirty="0"/>
+              <a:t> </a:t>
+            </a:r>
+            <a:r>
+              <a:rPr lang="en-US" altLang="zh-CN" sz="2400" dirty="0"/>
               <a:t>which</a:t>
             </a:r>
             <a:r>
-              <a:rPr lang="zh-CN" altLang="en-US" sz="2400" dirty="0" smtClean="0"/>
-              <a:t> </a:t>
-            </a:r>
-            <a:r>
-              <a:rPr lang="en-US" altLang="zh-CN" sz="2400" dirty="0" smtClean="0"/>
+              <a:rPr lang="zh-CN" altLang="en-US" sz="2400" dirty="0"/>
+              <a:t> </a:t>
+            </a:r>
+            <a:r>
+              <a:rPr lang="en-US" altLang="zh-CN" sz="2400" dirty="0"/>
               <a:t>is</a:t>
             </a:r>
             <a:r>
-              <a:rPr lang="zh-CN" altLang="en-US" sz="2400" dirty="0" smtClean="0"/>
-              <a:t> </a:t>
-            </a:r>
-            <a:r>
-              <a:rPr lang="en-US" altLang="zh-CN" sz="2400" dirty="0" smtClean="0"/>
+              <a:rPr lang="zh-CN" altLang="en-US" sz="2400" dirty="0"/>
+              <a:t> </a:t>
+            </a:r>
+            <a:r>
+              <a:rPr lang="en-US" altLang="zh-CN" sz="2400" dirty="0"/>
               <a:t>editable</a:t>
             </a:r>
             <a:r>
-              <a:rPr lang="zh-CN" altLang="en-US" sz="2400" dirty="0" smtClean="0"/>
-              <a:t> </a:t>
-            </a:r>
-            <a:r>
-              <a:rPr lang="en-US" altLang="zh-CN" sz="2400" dirty="0" smtClean="0"/>
+              <a:rPr lang="zh-CN" altLang="en-US" sz="2400" dirty="0"/>
+              <a:t> </a:t>
+            </a:r>
+            <a:r>
+              <a:rPr lang="en-US" altLang="zh-CN" sz="2400" dirty="0"/>
               <a:t>and</a:t>
             </a:r>
             <a:r>
-              <a:rPr lang="zh-CN" altLang="en-US" sz="2400" dirty="0" smtClean="0"/>
-              <a:t> </a:t>
-            </a:r>
-            <a:r>
-              <a:rPr lang="en-US" altLang="zh-CN" sz="2400" dirty="0" smtClean="0"/>
+              <a:rPr lang="zh-CN" altLang="en-US" sz="2400" dirty="0"/>
+              <a:t> </a:t>
+            </a:r>
+            <a:r>
+              <a:rPr lang="en-US" altLang="zh-CN" sz="2400" dirty="0"/>
               <a:t>readable</a:t>
             </a:r>
           </a:p>
           <a:p>
-            <a:endParaRPr lang="en-US" altLang="zh-CN" sz="2400" dirty="0" smtClean="0"/>
-          </a:p>
-          <a:p>
-            <a:r>
-              <a:rPr lang="en-US" altLang="zh-CN" sz="2400" dirty="0" smtClean="0"/>
+            <a:endParaRPr lang="en-US" altLang="zh-CN" sz="2400" dirty="0"/>
+          </a:p>
+          <a:p>
+            <a:r>
+              <a:rPr lang="en-US" altLang="zh-CN" sz="2400" dirty="0"/>
               <a:t>·</a:t>
             </a:r>
             <a:r>
-              <a:rPr lang="zh-CN" altLang="en-US" sz="2400" dirty="0" smtClean="0"/>
-              <a:t> </a:t>
-            </a:r>
-            <a:r>
-              <a:rPr lang="en-US" altLang="zh-CN" sz="2400" dirty="0" smtClean="0"/>
+              <a:rPr lang="zh-CN" altLang="en-US" sz="2400" dirty="0"/>
+              <a:t> </a:t>
+            </a:r>
+            <a:r>
+              <a:rPr lang="en-US" altLang="zh-CN" sz="2400" dirty="0"/>
               <a:t>2nd</a:t>
             </a:r>
             <a:r>
-              <a:rPr lang="zh-CN" altLang="en-US" sz="2400" dirty="0" smtClean="0"/>
-              <a:t> </a:t>
-            </a:r>
-            <a:r>
-              <a:rPr lang="en-US" altLang="zh-CN" sz="2400" dirty="0" smtClean="0"/>
+              <a:rPr lang="zh-CN" altLang="en-US" sz="2400" dirty="0"/>
+              <a:t> </a:t>
+            </a:r>
+            <a:r>
+              <a:rPr lang="en-US" altLang="zh-CN" sz="2400" dirty="0"/>
               <a:t>Week:</a:t>
             </a:r>
             <a:r>
-              <a:rPr lang="zh-CN" altLang="en-US" sz="2400" dirty="0" smtClean="0"/>
-              <a:t> </a:t>
-            </a:r>
-            <a:r>
-              <a:rPr lang="en-US" altLang="zh-CN" sz="2400" dirty="0" smtClean="0"/>
+              <a:rPr lang="zh-CN" altLang="en-US" sz="2400" dirty="0"/>
+              <a:t> </a:t>
+            </a:r>
+            <a:r>
+              <a:rPr lang="en-US" altLang="zh-CN" sz="2400" dirty="0"/>
               <a:t>implement</a:t>
             </a:r>
             <a:r>
-              <a:rPr lang="zh-CN" altLang="en-US" sz="2400" dirty="0" smtClean="0"/>
-              <a:t> </a:t>
-            </a:r>
-            <a:r>
-              <a:rPr lang="en-US" altLang="zh-CN" sz="2400" dirty="0" smtClean="0"/>
+              <a:rPr lang="zh-CN" altLang="en-US" sz="2400" dirty="0"/>
+              <a:t> </a:t>
+            </a:r>
+            <a:r>
+              <a:rPr lang="en-US" altLang="zh-CN" sz="2400" dirty="0"/>
               <a:t>and</a:t>
             </a:r>
             <a:r>
-              <a:rPr lang="zh-CN" altLang="en-US" sz="2400" dirty="0" smtClean="0"/>
-              <a:t> </a:t>
-            </a:r>
-            <a:r>
-              <a:rPr lang="en-US" altLang="zh-CN" sz="2400" dirty="0" smtClean="0"/>
+              <a:rPr lang="zh-CN" altLang="en-US" sz="2400" dirty="0"/>
+              <a:t> </a:t>
+            </a:r>
+            <a:r>
+              <a:rPr lang="en-US" altLang="zh-CN" sz="2400" dirty="0"/>
               <a:t>revise</a:t>
             </a:r>
             <a:r>
-              <a:rPr lang="zh-CN" altLang="en-US" sz="2400" dirty="0" smtClean="0"/>
-              <a:t> </a:t>
-            </a:r>
-            <a:r>
-              <a:rPr lang="en-US" altLang="zh-CN" sz="2400" dirty="0" smtClean="0"/>
+              <a:rPr lang="zh-CN" altLang="en-US" sz="2400" dirty="0"/>
+              <a:t> </a:t>
+            </a:r>
+            <a:r>
+              <a:rPr lang="en-US" altLang="zh-CN" sz="2400" dirty="0"/>
               <a:t>our</a:t>
             </a:r>
             <a:r>
-              <a:rPr lang="zh-CN" altLang="en-US" sz="2400" dirty="0" smtClean="0"/>
-              <a:t> </a:t>
-            </a:r>
-            <a:r>
-              <a:rPr lang="en-US" altLang="zh-CN" sz="2400" dirty="0" smtClean="0"/>
+              <a:rPr lang="zh-CN" altLang="en-US" sz="2400" dirty="0"/>
+              <a:t> </a:t>
+            </a:r>
+            <a:r>
+              <a:rPr lang="en-US" altLang="zh-CN" sz="2400" dirty="0"/>
               <a:t>Scala</a:t>
             </a:r>
             <a:r>
-              <a:rPr lang="zh-CN" altLang="en-US" sz="2400" dirty="0" smtClean="0"/>
-              <a:t> </a:t>
-            </a:r>
-            <a:r>
-              <a:rPr lang="en-US" altLang="zh-CN" sz="2400" dirty="0" smtClean="0"/>
+              <a:rPr lang="zh-CN" altLang="en-US" sz="2400" dirty="0"/>
+              <a:t> </a:t>
+            </a:r>
+            <a:r>
+              <a:rPr lang="en-US" altLang="zh-CN" sz="2400" dirty="0"/>
               <a:t>function</a:t>
             </a:r>
             <a:r>
-              <a:rPr lang="zh-CN" altLang="en-US" sz="2400" dirty="0" smtClean="0"/>
-              <a:t> </a:t>
-            </a:r>
-            <a:r>
-              <a:rPr lang="en-US" altLang="zh-CN" sz="2400" dirty="0" smtClean="0"/>
+              <a:rPr lang="zh-CN" altLang="en-US" sz="2400" dirty="0"/>
+              <a:t> </a:t>
+            </a:r>
+            <a:r>
+              <a:rPr lang="en-US" altLang="zh-CN" sz="2400" dirty="0"/>
               <a:t>that</a:t>
             </a:r>
             <a:r>
-              <a:rPr lang="zh-CN" altLang="en-US" sz="2400" dirty="0" smtClean="0"/>
-              <a:t> </a:t>
-            </a:r>
-            <a:r>
-              <a:rPr lang="en-US" altLang="zh-CN" sz="2400" dirty="0" smtClean="0"/>
+              <a:rPr lang="zh-CN" altLang="en-US" sz="2400" dirty="0"/>
+              <a:t> </a:t>
+            </a:r>
+            <a:r>
+              <a:rPr lang="en-US" altLang="zh-CN" sz="2400" dirty="0"/>
               <a:t>we</a:t>
             </a:r>
             <a:r>
-              <a:rPr lang="zh-CN" altLang="en-US" sz="2400" dirty="0" smtClean="0"/>
-              <a:t> </a:t>
-            </a:r>
-            <a:r>
-              <a:rPr lang="en-US" altLang="zh-CN" sz="2400" dirty="0" smtClean="0"/>
+              <a:rPr lang="zh-CN" altLang="en-US" sz="2400" dirty="0"/>
+              <a:t> </a:t>
+            </a:r>
+            <a:r>
+              <a:rPr lang="en-US" altLang="zh-CN" sz="2400" dirty="0"/>
               <a:t>need</a:t>
             </a:r>
             <a:r>
-              <a:rPr lang="zh-CN" altLang="en-US" sz="2400" dirty="0" smtClean="0"/>
-              <a:t> </a:t>
-            </a:r>
-            <a:r>
-              <a:rPr lang="en-US" altLang="zh-CN" sz="2400" dirty="0" smtClean="0"/>
+              <a:rPr lang="zh-CN" altLang="en-US" sz="2400" dirty="0"/>
+              <a:t> </a:t>
+            </a:r>
+            <a:r>
+              <a:rPr lang="en-US" altLang="zh-CN" sz="2400" dirty="0"/>
               <a:t>to</a:t>
             </a:r>
             <a:r>
-              <a:rPr lang="zh-CN" altLang="en-US" sz="2400" dirty="0" smtClean="0"/>
-              <a:t> </a:t>
-            </a:r>
-            <a:r>
-              <a:rPr lang="en-US" altLang="zh-CN" sz="2400" dirty="0" smtClean="0"/>
+              <a:rPr lang="zh-CN" altLang="en-US" sz="2400" dirty="0"/>
+              <a:t> </a:t>
+            </a:r>
+            <a:r>
+              <a:rPr lang="en-US" altLang="zh-CN" sz="2400" dirty="0"/>
               <a:t>use</a:t>
             </a:r>
             <a:r>
-              <a:rPr lang="zh-CN" altLang="en-US" sz="2400" dirty="0" smtClean="0"/>
-              <a:t> </a:t>
-            </a:r>
-            <a:r>
-              <a:rPr lang="en-US" altLang="zh-CN" sz="2400" dirty="0" smtClean="0"/>
+              <a:rPr lang="zh-CN" altLang="en-US" sz="2400" dirty="0"/>
+              <a:t> </a:t>
+            </a:r>
+            <a:r>
+              <a:rPr lang="en-US" altLang="zh-CN" sz="2400" dirty="0"/>
               <a:t>in</a:t>
             </a:r>
             <a:r>
-              <a:rPr lang="zh-CN" altLang="en-US" sz="2400" dirty="0" smtClean="0"/>
-              <a:t> </a:t>
-            </a:r>
-            <a:r>
-              <a:rPr lang="en-US" altLang="zh-CN" sz="2400" dirty="0" smtClean="0"/>
+              <a:rPr lang="zh-CN" altLang="en-US" sz="2400" dirty="0"/>
+              <a:t> </a:t>
+            </a:r>
+            <a:r>
+              <a:rPr lang="en-US" altLang="zh-CN" sz="2400" dirty="0"/>
               <a:t>our</a:t>
             </a:r>
             <a:r>
-              <a:rPr lang="zh-CN" altLang="en-US" sz="2400" dirty="0" smtClean="0"/>
-              <a:t> </a:t>
-            </a:r>
-            <a:r>
-              <a:rPr lang="en-US" altLang="zh-CN" sz="2400" dirty="0" smtClean="0"/>
+              <a:rPr lang="zh-CN" altLang="en-US" sz="2400" dirty="0"/>
+              <a:t> </a:t>
+            </a:r>
+            <a:r>
+              <a:rPr lang="en-US" altLang="zh-CN" sz="2400" dirty="0"/>
               <a:t>project</a:t>
             </a:r>
           </a:p>
@@ -8688,35 +7766,35 @@
           </a:p>
           <a:p>
             <a:r>
-              <a:rPr lang="en-US" altLang="zh-CN" sz="2400" dirty="0" smtClean="0"/>
+              <a:rPr lang="en-US" altLang="zh-CN" sz="2400" dirty="0"/>
               <a:t>·</a:t>
             </a:r>
             <a:r>
-              <a:rPr lang="zh-CN" altLang="en-US" sz="2400" dirty="0" smtClean="0"/>
-              <a:t> </a:t>
-            </a:r>
-            <a:r>
-              <a:rPr lang="en-US" altLang="zh-CN" sz="2400" dirty="0" smtClean="0"/>
+              <a:rPr lang="zh-CN" altLang="en-US" sz="2400" dirty="0"/>
+              <a:t> </a:t>
+            </a:r>
+            <a:r>
+              <a:rPr lang="en-US" altLang="zh-CN" sz="2400" dirty="0"/>
               <a:t>3rd</a:t>
             </a:r>
             <a:r>
-              <a:rPr lang="zh-CN" altLang="en-US" sz="2400" dirty="0" smtClean="0"/>
-              <a:t> </a:t>
-            </a:r>
-            <a:r>
-              <a:rPr lang="en-US" altLang="zh-CN" sz="2400" dirty="0" smtClean="0"/>
+              <a:rPr lang="zh-CN" altLang="en-US" sz="2400" dirty="0"/>
+              <a:t> </a:t>
+            </a:r>
+            <a:r>
+              <a:rPr lang="en-US" altLang="zh-CN" sz="2400" dirty="0"/>
               <a:t>Week:</a:t>
             </a:r>
             <a:r>
-              <a:rPr lang="zh-CN" altLang="en-US" sz="2400" dirty="0" smtClean="0"/>
-              <a:t> </a:t>
-            </a:r>
-            <a:r>
-              <a:rPr lang="en-US" altLang="zh-CN" sz="2400" dirty="0" smtClean="0"/>
+              <a:rPr lang="zh-CN" altLang="en-US" sz="2400" dirty="0"/>
+              <a:t> </a:t>
+            </a:r>
+            <a:r>
+              <a:rPr lang="en-US" altLang="zh-CN" sz="2400" dirty="0"/>
               <a:t>create</a:t>
             </a:r>
             <a:r>
-              <a:rPr lang="zh-CN" altLang="en-US" sz="2400" dirty="0" smtClean="0"/>
+              <a:rPr lang="zh-CN" altLang="en-US" sz="2400" dirty="0"/>
               <a:t> </a:t>
             </a:r>
             <a:r>
@@ -8724,55 +7802,51 @@
               <a:t>a interface for</a:t>
             </a:r>
             <a:r>
-              <a:rPr lang="zh-CN" altLang="en-US" sz="2400" dirty="0" smtClean="0"/>
-              <a:t> </a:t>
-            </a:r>
-            <a:r>
-              <a:rPr lang="en-US" altLang="zh-CN" sz="2400" dirty="0" smtClean="0"/>
+              <a:rPr lang="zh-CN" altLang="en-US" sz="2400" dirty="0"/>
+              <a:t> </a:t>
+            </a:r>
+            <a:r>
+              <a:rPr lang="en-US" altLang="zh-CN" sz="2400" dirty="0"/>
               <a:t>importing</a:t>
             </a:r>
             <a:r>
-              <a:rPr lang="zh-CN" altLang="en-US" sz="2400" dirty="0" smtClean="0"/>
-              <a:t> </a:t>
-            </a:r>
-            <a:r>
-              <a:rPr lang="en-US" altLang="zh-CN" sz="2400" dirty="0" smtClean="0"/>
+              <a:rPr lang="zh-CN" altLang="en-US" sz="2400" dirty="0"/>
+              <a:t> </a:t>
+            </a:r>
+            <a:r>
+              <a:rPr lang="en-US" altLang="zh-CN" sz="2400" dirty="0"/>
               <a:t>data</a:t>
             </a:r>
             <a:r>
-              <a:rPr lang="zh-CN" altLang="en-US" sz="2400" dirty="0" smtClean="0"/>
-              <a:t> </a:t>
-            </a:r>
-            <a:r>
-              <a:rPr lang="en-US" altLang="zh-CN" sz="2400" dirty="0" smtClean="0"/>
+              <a:rPr lang="zh-CN" altLang="en-US" sz="2400" dirty="0"/>
+              <a:t> </a:t>
+            </a:r>
+            <a:r>
+              <a:rPr lang="en-US" altLang="zh-CN" sz="2400" dirty="0"/>
               <a:t>from</a:t>
             </a:r>
             <a:r>
-              <a:rPr lang="zh-CN" altLang="en-US" sz="2400" dirty="0" smtClean="0"/>
-              <a:t> </a:t>
-            </a:r>
-            <a:r>
-              <a:rPr lang="en-US" altLang="zh-CN" sz="2400" dirty="0"/>
-              <a:t>audio data sets </a:t>
-            </a:r>
-            <a:r>
-              <a:rPr lang="en-US" altLang="zh-CN" sz="2400" dirty="0" smtClean="0"/>
-              <a:t>to</a:t>
-            </a:r>
-            <a:r>
-              <a:rPr lang="zh-CN" altLang="en-US" sz="2400" dirty="0" smtClean="0"/>
-              <a:t> </a:t>
-            </a:r>
-            <a:r>
-              <a:rPr lang="en-US" altLang="zh-CN" sz="2400" dirty="0" smtClean="0"/>
+              <a:rPr lang="zh-CN" altLang="en-US" sz="2400" dirty="0"/>
+              <a:t> </a:t>
+            </a:r>
+            <a:r>
+              <a:rPr lang="en-US" altLang="zh-CN" sz="2400" dirty="0"/>
+              <a:t>audio data sets to</a:t>
+            </a:r>
+            <a:r>
+              <a:rPr lang="zh-CN" altLang="en-US" sz="2400" dirty="0"/>
+              <a:t> </a:t>
+            </a:r>
+            <a:r>
+              <a:rPr lang="en-US" altLang="zh-CN" sz="2400" dirty="0"/>
               <a:t>run our</a:t>
             </a:r>
             <a:r>
-              <a:rPr lang="zh-CN" altLang="en-US" sz="2400" dirty="0" smtClean="0"/>
-              <a:t> </a:t>
-            </a:r>
-            <a:r>
-              <a:rPr lang="en-US" altLang="zh-CN" sz="2400" dirty="0" smtClean="0"/>
+              <a:rPr lang="zh-CN" altLang="en-US" sz="2400" dirty="0"/>
+              <a:t> </a:t>
+            </a:r>
+            <a:r>
+              <a:rPr lang="en-US" altLang="zh-CN" sz="2400" dirty="0"/>
               <a:t>main function</a:t>
             </a:r>
           </a:p>
@@ -8781,87 +7855,87 @@
           </a:p>
           <a:p>
             <a:r>
-              <a:rPr lang="en-US" altLang="zh-CN" sz="2400" dirty="0" smtClean="0"/>
+              <a:rPr lang="en-US" altLang="zh-CN" sz="2400" dirty="0"/>
               <a:t>·</a:t>
             </a:r>
             <a:r>
-              <a:rPr lang="zh-CN" altLang="en-US" sz="2400" dirty="0" smtClean="0"/>
-              <a:t> </a:t>
-            </a:r>
-            <a:r>
-              <a:rPr lang="en-US" altLang="zh-CN" sz="2400" dirty="0" smtClean="0"/>
+              <a:rPr lang="zh-CN" altLang="en-US" sz="2400" dirty="0"/>
+              <a:t> </a:t>
+            </a:r>
+            <a:r>
+              <a:rPr lang="en-US" altLang="zh-CN" sz="2400" dirty="0"/>
               <a:t>4th</a:t>
             </a:r>
             <a:r>
-              <a:rPr lang="zh-CN" altLang="en-US" sz="2400" dirty="0" smtClean="0"/>
-              <a:t> </a:t>
-            </a:r>
-            <a:r>
-              <a:rPr lang="en-US" altLang="zh-CN" sz="2400" dirty="0" smtClean="0"/>
+              <a:rPr lang="zh-CN" altLang="en-US" sz="2400" dirty="0"/>
+              <a:t> </a:t>
+            </a:r>
+            <a:r>
+              <a:rPr lang="en-US" altLang="zh-CN" sz="2400" dirty="0"/>
               <a:t>Week:</a:t>
             </a:r>
             <a:r>
-              <a:rPr lang="zh-CN" altLang="en-US" sz="2400" dirty="0" smtClean="0"/>
-              <a:t> </a:t>
-            </a:r>
-            <a:r>
-              <a:rPr lang="en-US" altLang="zh-CN" sz="2400" dirty="0" smtClean="0"/>
+              <a:rPr lang="zh-CN" altLang="en-US" sz="2400" dirty="0"/>
+              <a:t> </a:t>
+            </a:r>
+            <a:r>
+              <a:rPr lang="en-US" altLang="zh-CN" sz="2400" dirty="0"/>
               <a:t>debug</a:t>
             </a:r>
             <a:r>
-              <a:rPr lang="zh-CN" altLang="en-US" sz="2400" dirty="0" smtClean="0"/>
-              <a:t> </a:t>
-            </a:r>
-            <a:r>
-              <a:rPr lang="en-US" altLang="zh-CN" sz="2400" dirty="0" smtClean="0"/>
+              <a:rPr lang="zh-CN" altLang="en-US" sz="2400" dirty="0"/>
+              <a:t> </a:t>
+            </a:r>
+            <a:r>
+              <a:rPr lang="en-US" altLang="zh-CN" sz="2400" dirty="0"/>
               <a:t>project</a:t>
             </a:r>
             <a:r>
-              <a:rPr lang="zh-CN" altLang="en-US" sz="2400" dirty="0" smtClean="0"/>
-              <a:t> </a:t>
-            </a:r>
-            <a:r>
-              <a:rPr lang="en-US" altLang="zh-CN" sz="2400" dirty="0" smtClean="0"/>
+              <a:rPr lang="zh-CN" altLang="en-US" sz="2400" dirty="0"/>
+              <a:t> </a:t>
+            </a:r>
+            <a:r>
+              <a:rPr lang="en-US" altLang="zh-CN" sz="2400" dirty="0"/>
               <a:t>by</a:t>
             </a:r>
             <a:r>
-              <a:rPr lang="zh-CN" altLang="en-US" sz="2400" dirty="0" smtClean="0"/>
-              <a:t> </a:t>
-            </a:r>
-            <a:r>
-              <a:rPr lang="en-US" altLang="zh-CN" sz="2400" dirty="0" smtClean="0"/>
+              <a:rPr lang="zh-CN" altLang="en-US" sz="2400" dirty="0"/>
+              <a:t> </a:t>
+            </a:r>
+            <a:r>
+              <a:rPr lang="en-US" altLang="zh-CN" sz="2400" dirty="0"/>
               <a:t>testing</a:t>
             </a:r>
             <a:r>
-              <a:rPr lang="zh-CN" altLang="en-US" sz="2400" dirty="0" smtClean="0"/>
-              <a:t> </a:t>
-            </a:r>
-            <a:r>
-              <a:rPr lang="en-US" altLang="zh-CN" sz="2400" dirty="0" smtClean="0"/>
+              <a:rPr lang="zh-CN" altLang="en-US" sz="2400" dirty="0"/>
+              <a:t> </a:t>
+            </a:r>
+            <a:r>
+              <a:rPr lang="en-US" altLang="zh-CN" sz="2400" dirty="0"/>
               <a:t>and</a:t>
             </a:r>
             <a:r>
-              <a:rPr lang="zh-CN" altLang="en-US" sz="2400" dirty="0" smtClean="0"/>
-              <a:t> </a:t>
-            </a:r>
-            <a:r>
-              <a:rPr lang="en-US" altLang="zh-CN" sz="2400" dirty="0" smtClean="0"/>
+              <a:rPr lang="zh-CN" altLang="en-US" sz="2400" dirty="0"/>
+              <a:t> </a:t>
+            </a:r>
+            <a:r>
+              <a:rPr lang="en-US" altLang="zh-CN" sz="2400" dirty="0"/>
               <a:t>preparing</a:t>
             </a:r>
             <a:r>
-              <a:rPr lang="zh-CN" altLang="en-US" sz="2400" dirty="0" smtClean="0"/>
-              <a:t> </a:t>
-            </a:r>
-            <a:r>
-              <a:rPr lang="en-US" altLang="zh-CN" sz="2400" dirty="0" smtClean="0"/>
+              <a:rPr lang="zh-CN" altLang="en-US" sz="2400" dirty="0"/>
+              <a:t> </a:t>
+            </a:r>
+            <a:r>
+              <a:rPr lang="en-US" altLang="zh-CN" sz="2400" dirty="0"/>
               <a:t>final</a:t>
             </a:r>
             <a:r>
-              <a:rPr lang="zh-CN" altLang="en-US" sz="2400" dirty="0" smtClean="0"/>
-              <a:t> </a:t>
-            </a:r>
-            <a:r>
-              <a:rPr lang="en-US" altLang="zh-CN" sz="2400" dirty="0" smtClean="0"/>
+              <a:rPr lang="zh-CN" altLang="en-US" sz="2400" dirty="0"/>
+              <a:t> </a:t>
+            </a:r>
+            <a:r>
+              <a:rPr lang="en-US" altLang="zh-CN" sz="2400" dirty="0"/>
               <a:t>presentation</a:t>
             </a:r>
             <a:endParaRPr lang="en-US" sz="2400" dirty="0"/>
@@ -8878,13 +7952,6 @@
   <p:clrMapOvr>
     <a:masterClrMapping/>
   </p:clrMapOvr>
-  <p:timing>
-    <p:tnLst>
-      <p:par>
-        <p:cTn id="1" dur="indefinite" restart="never" nodeType="tmRoot"/>
-      </p:par>
-    </p:tnLst>
-  </p:timing>
 </p:sld>
 </file>
 
@@ -8928,7 +7995,7 @@
           <a:lstStyle/>
           <a:p>
             <a:r>
-              <a:rPr lang="en-US" altLang="zh-CN" sz="3200" dirty="0" smtClean="0">
+              <a:rPr lang="en-US" altLang="zh-CN" sz="3200" dirty="0">
                 <a:solidFill>
                   <a:schemeClr val="tx1"/>
                 </a:solidFill>
@@ -8936,15 +8003,15 @@
               <a:t>Basically,</a:t>
             </a:r>
             <a:r>
-              <a:rPr lang="zh-CN" altLang="en-US" sz="3200" dirty="0" smtClean="0">
-                <a:solidFill>
-                  <a:schemeClr val="tx1"/>
-                </a:solidFill>
-              </a:rPr>
-              <a:t> </a:t>
-            </a:r>
-            <a:r>
-              <a:rPr lang="en-US" altLang="zh-CN" sz="3200" dirty="0" smtClean="0">
+              <a:rPr lang="zh-CN" altLang="en-US" sz="3200" dirty="0">
+                <a:solidFill>
+                  <a:schemeClr val="tx1"/>
+                </a:solidFill>
+              </a:rPr>
+              <a:t> </a:t>
+            </a:r>
+            <a:r>
+              <a:rPr lang="en-US" altLang="zh-CN" sz="3200" dirty="0">
                 <a:solidFill>
                   <a:schemeClr val="tx1"/>
                 </a:solidFill>
@@ -8952,15 +8019,15 @@
               <a:t>we</a:t>
             </a:r>
             <a:r>
-              <a:rPr lang="zh-CN" altLang="en-US" sz="3200" dirty="0" smtClean="0">
-                <a:solidFill>
-                  <a:schemeClr val="tx1"/>
-                </a:solidFill>
-              </a:rPr>
-              <a:t> </a:t>
-            </a:r>
-            <a:r>
-              <a:rPr lang="en-US" altLang="zh-CN" sz="3200" dirty="0" smtClean="0">
+              <a:rPr lang="zh-CN" altLang="en-US" sz="3200" dirty="0">
+                <a:solidFill>
+                  <a:schemeClr val="tx1"/>
+                </a:solidFill>
+              </a:rPr>
+              <a:t> </a:t>
+            </a:r>
+            <a:r>
+              <a:rPr lang="en-US" altLang="zh-CN" sz="3200" dirty="0">
                 <a:solidFill>
                   <a:schemeClr val="tx1"/>
                 </a:solidFill>
@@ -8968,15 +8035,15 @@
               <a:t>plan</a:t>
             </a:r>
             <a:r>
-              <a:rPr lang="zh-CN" altLang="en-US" sz="3200" dirty="0" smtClean="0">
-                <a:solidFill>
-                  <a:schemeClr val="tx1"/>
-                </a:solidFill>
-              </a:rPr>
-              <a:t> </a:t>
-            </a:r>
-            <a:r>
-              <a:rPr lang="en-US" altLang="zh-CN" sz="3200" dirty="0" smtClean="0">
+              <a:rPr lang="zh-CN" altLang="en-US" sz="3200" dirty="0">
+                <a:solidFill>
+                  <a:schemeClr val="tx1"/>
+                </a:solidFill>
+              </a:rPr>
+              <a:t> </a:t>
+            </a:r>
+            <a:r>
+              <a:rPr lang="en-US" altLang="zh-CN" sz="3200" dirty="0">
                 <a:solidFill>
                   <a:schemeClr val="tx1"/>
                 </a:solidFill>
@@ -8984,15 +8051,15 @@
               <a:t>to</a:t>
             </a:r>
             <a:r>
-              <a:rPr lang="zh-CN" altLang="en-US" sz="3200" dirty="0" smtClean="0">
-                <a:solidFill>
-                  <a:schemeClr val="tx1"/>
-                </a:solidFill>
-              </a:rPr>
-              <a:t> </a:t>
-            </a:r>
-            <a:r>
-              <a:rPr lang="en-US" altLang="zh-CN" sz="3200" dirty="0" smtClean="0">
+              <a:rPr lang="zh-CN" altLang="en-US" sz="3200" dirty="0">
+                <a:solidFill>
+                  <a:schemeClr val="tx1"/>
+                </a:solidFill>
+              </a:rPr>
+              <a:t> </a:t>
+            </a:r>
+            <a:r>
+              <a:rPr lang="en-US" altLang="zh-CN" sz="3200" dirty="0">
                 <a:solidFill>
                   <a:schemeClr val="tx1"/>
                 </a:solidFill>
@@ -9000,15 +8067,15 @@
               <a:t>implement</a:t>
             </a:r>
             <a:r>
-              <a:rPr lang="zh-CN" altLang="en-US" sz="3200" dirty="0" smtClean="0">
-                <a:solidFill>
-                  <a:schemeClr val="tx1"/>
-                </a:solidFill>
-              </a:rPr>
-              <a:t> </a:t>
-            </a:r>
-            <a:r>
-              <a:rPr lang="en-US" altLang="zh-CN" sz="3200" dirty="0" smtClean="0">
+              <a:rPr lang="zh-CN" altLang="en-US" sz="3200" dirty="0">
+                <a:solidFill>
+                  <a:schemeClr val="tx1"/>
+                </a:solidFill>
+              </a:rPr>
+              <a:t> </a:t>
+            </a:r>
+            <a:r>
+              <a:rPr lang="en-US" altLang="zh-CN" sz="3200" dirty="0">
                 <a:solidFill>
                   <a:schemeClr val="tx1"/>
                 </a:solidFill>
@@ -9016,23 +8083,23 @@
               <a:t>some</a:t>
             </a:r>
             <a:r>
-              <a:rPr lang="zh-CN" altLang="en-US" sz="3200" dirty="0" smtClean="0">
-                <a:solidFill>
-                  <a:schemeClr val="tx1"/>
-                </a:solidFill>
-              </a:rPr>
-              <a:t> </a:t>
-            </a:r>
-            <a:r>
-              <a:rPr lang="en-US" altLang="zh-CN" sz="3200" dirty="0" smtClean="0"/>
+              <a:rPr lang="zh-CN" altLang="en-US" sz="3200" dirty="0">
+                <a:solidFill>
+                  <a:schemeClr val="tx1"/>
+                </a:solidFill>
+              </a:rPr>
+              <a:t> </a:t>
+            </a:r>
+            <a:r>
+              <a:rPr lang="en-US" altLang="zh-CN" sz="3200" dirty="0"/>
               <a:t>functions</a:t>
             </a:r>
             <a:r>
-              <a:rPr lang="zh-CN" altLang="en-US" sz="3200" dirty="0" smtClean="0"/>
-              <a:t> </a:t>
-            </a:r>
-            <a:r>
-              <a:rPr lang="en-US" altLang="zh-CN" sz="3200" dirty="0" smtClean="0">
+              <a:rPr lang="zh-CN" altLang="en-US" sz="3200" dirty="0"/>
+              <a:t> </a:t>
+            </a:r>
+            <a:r>
+              <a:rPr lang="en-US" altLang="zh-CN" sz="3200" dirty="0">
                 <a:solidFill>
                   <a:schemeClr val="tx1"/>
                 </a:solidFill>
@@ -9040,15 +8107,15 @@
               <a:t>that</a:t>
             </a:r>
             <a:r>
-              <a:rPr lang="zh-CN" altLang="en-US" sz="3200" dirty="0" smtClean="0">
-                <a:solidFill>
-                  <a:schemeClr val="tx1"/>
-                </a:solidFill>
-              </a:rPr>
-              <a:t> </a:t>
-            </a:r>
-            <a:r>
-              <a:rPr lang="en-US" altLang="zh-CN" sz="3200" dirty="0" smtClean="0">
+              <a:rPr lang="zh-CN" altLang="en-US" sz="3200" dirty="0">
+                <a:solidFill>
+                  <a:schemeClr val="tx1"/>
+                </a:solidFill>
+              </a:rPr>
+              <a:t> </a:t>
+            </a:r>
+            <a:r>
+              <a:rPr lang="en-US" altLang="zh-CN" sz="3200" dirty="0">
                 <a:solidFill>
                   <a:schemeClr val="tx1"/>
                 </a:solidFill>
@@ -9056,15 +8123,15 @@
               <a:t>based</a:t>
             </a:r>
             <a:r>
-              <a:rPr lang="zh-CN" altLang="en-US" sz="3200" dirty="0" smtClean="0">
-                <a:solidFill>
-                  <a:schemeClr val="tx1"/>
-                </a:solidFill>
-              </a:rPr>
-              <a:t> </a:t>
-            </a:r>
-            <a:r>
-              <a:rPr lang="en-US" altLang="zh-CN" sz="3200" dirty="0" smtClean="0">
+              <a:rPr lang="zh-CN" altLang="en-US" sz="3200" dirty="0">
+                <a:solidFill>
+                  <a:schemeClr val="tx1"/>
+                </a:solidFill>
+              </a:rPr>
+              <a:t> </a:t>
+            </a:r>
+            <a:r>
+              <a:rPr lang="en-US" altLang="zh-CN" sz="3200" dirty="0">
                 <a:solidFill>
                   <a:schemeClr val="tx1"/>
                 </a:solidFill>
@@ -9072,15 +8139,15 @@
               <a:t>on</a:t>
             </a:r>
             <a:r>
-              <a:rPr lang="zh-CN" altLang="en-US" sz="3200" dirty="0" smtClean="0">
-                <a:solidFill>
-                  <a:schemeClr val="tx1"/>
-                </a:solidFill>
-              </a:rPr>
-              <a:t> </a:t>
-            </a:r>
-            <a:r>
-              <a:rPr lang="en-US" altLang="zh-CN" sz="3200" dirty="0" smtClean="0">
+              <a:rPr lang="zh-CN" altLang="en-US" sz="3200" dirty="0">
+                <a:solidFill>
+                  <a:schemeClr val="tx1"/>
+                </a:solidFill>
+              </a:rPr>
+              <a:t> </a:t>
+            </a:r>
+            <a:r>
+              <a:rPr lang="en-US" altLang="zh-CN" sz="3200" dirty="0">
                 <a:solidFill>
                   <a:schemeClr val="tx1"/>
                 </a:solidFill>
@@ -9088,15 +8155,15 @@
               <a:t>Markov</a:t>
             </a:r>
             <a:r>
-              <a:rPr lang="zh-CN" altLang="en-US" sz="3200" dirty="0" smtClean="0">
-                <a:solidFill>
-                  <a:schemeClr val="tx1"/>
-                </a:solidFill>
-              </a:rPr>
-              <a:t> </a:t>
-            </a:r>
-            <a:r>
-              <a:rPr lang="en-US" altLang="zh-CN" sz="3200" dirty="0" smtClean="0">
+              <a:rPr lang="zh-CN" altLang="en-US" sz="3200" dirty="0">
+                <a:solidFill>
+                  <a:schemeClr val="tx1"/>
+                </a:solidFill>
+              </a:rPr>
+              <a:t> </a:t>
+            </a:r>
+            <a:r>
+              <a:rPr lang="en-US" altLang="zh-CN" sz="3200" dirty="0">
                 <a:solidFill>
                   <a:schemeClr val="tx1"/>
                 </a:solidFill>
@@ -9104,15 +8171,15 @@
               <a:t>Chain</a:t>
             </a:r>
             <a:r>
-              <a:rPr lang="zh-CN" altLang="en-US" sz="3200" dirty="0" smtClean="0">
-                <a:solidFill>
-                  <a:schemeClr val="tx1"/>
-                </a:solidFill>
-              </a:rPr>
-              <a:t> </a:t>
-            </a:r>
-            <a:r>
-              <a:rPr lang="en-US" altLang="zh-CN" sz="3200" dirty="0" smtClean="0">
+              <a:rPr lang="zh-CN" altLang="en-US" sz="3200" dirty="0">
+                <a:solidFill>
+                  <a:schemeClr val="tx1"/>
+                </a:solidFill>
+              </a:rPr>
+              <a:t> </a:t>
+            </a:r>
+            <a:r>
+              <a:rPr lang="en-US" altLang="zh-CN" sz="3200" dirty="0">
                 <a:solidFill>
                   <a:schemeClr val="tx1"/>
                 </a:solidFill>
@@ -9120,15 +8187,15 @@
               <a:t>make</a:t>
             </a:r>
             <a:r>
-              <a:rPr lang="zh-CN" altLang="en-US" sz="3200" dirty="0" smtClean="0">
-                <a:solidFill>
-                  <a:schemeClr val="tx1"/>
-                </a:solidFill>
-              </a:rPr>
-              <a:t> </a:t>
-            </a:r>
-            <a:r>
-              <a:rPr lang="en-US" altLang="zh-CN" sz="3200" dirty="0" smtClean="0">
+              <a:rPr lang="zh-CN" altLang="en-US" sz="3200" dirty="0">
+                <a:solidFill>
+                  <a:schemeClr val="tx1"/>
+                </a:solidFill>
+              </a:rPr>
+              <a:t> </a:t>
+            </a:r>
+            <a:r>
+              <a:rPr lang="en-US" altLang="zh-CN" sz="3200" dirty="0">
                 <a:solidFill>
                   <a:schemeClr val="tx1"/>
                 </a:solidFill>
@@ -9136,15 +8203,15 @@
               <a:t>thousands</a:t>
             </a:r>
             <a:r>
-              <a:rPr lang="zh-CN" altLang="en-US" sz="3200" dirty="0" smtClean="0">
-                <a:solidFill>
-                  <a:schemeClr val="tx1"/>
-                </a:solidFill>
-              </a:rPr>
-              <a:t> </a:t>
-            </a:r>
-            <a:r>
-              <a:rPr lang="en-US" altLang="zh-CN" sz="3200" dirty="0" smtClean="0">
+              <a:rPr lang="zh-CN" altLang="en-US" sz="3200" dirty="0">
+                <a:solidFill>
+                  <a:schemeClr val="tx1"/>
+                </a:solidFill>
+              </a:rPr>
+              <a:t> </a:t>
+            </a:r>
+            <a:r>
+              <a:rPr lang="en-US" altLang="zh-CN" sz="3200" dirty="0">
                 <a:solidFill>
                   <a:schemeClr val="tx1"/>
                 </a:solidFill>
@@ -9152,15 +8219,15 @@
               <a:t>of</a:t>
             </a:r>
             <a:r>
-              <a:rPr lang="zh-CN" altLang="en-US" sz="3200" dirty="0" smtClean="0">
-                <a:solidFill>
-                  <a:schemeClr val="tx1"/>
-                </a:solidFill>
-              </a:rPr>
-              <a:t> </a:t>
-            </a:r>
-            <a:r>
-              <a:rPr lang="en-US" altLang="zh-CN" sz="3200" dirty="0" err="1" smtClean="0">
+              <a:rPr lang="zh-CN" altLang="en-US" sz="3200" dirty="0">
+                <a:solidFill>
+                  <a:schemeClr val="tx1"/>
+                </a:solidFill>
+              </a:rPr>
+              <a:t> </a:t>
+            </a:r>
+            <a:r>
+              <a:rPr lang="en-US" altLang="zh-CN" sz="3200" dirty="0" err="1">
                 <a:solidFill>
                   <a:schemeClr val="tx1"/>
                 </a:solidFill>
@@ -9168,15 +8235,15 @@
               <a:t>LilyPond</a:t>
             </a:r>
             <a:r>
-              <a:rPr lang="zh-CN" altLang="en-US" sz="3200" dirty="0" smtClean="0">
-                <a:solidFill>
-                  <a:schemeClr val="tx1"/>
-                </a:solidFill>
-              </a:rPr>
-              <a:t> </a:t>
-            </a:r>
-            <a:r>
-              <a:rPr lang="en-US" altLang="zh-CN" sz="3200" dirty="0" smtClean="0">
+              <a:rPr lang="zh-CN" altLang="en-US" sz="3200" dirty="0">
+                <a:solidFill>
+                  <a:schemeClr val="tx1"/>
+                </a:solidFill>
+              </a:rPr>
+              <a:t> </a:t>
+            </a:r>
+            <a:r>
+              <a:rPr lang="en-US" altLang="zh-CN" sz="3200" dirty="0">
                 <a:solidFill>
                   <a:schemeClr val="tx1"/>
                 </a:solidFill>
@@ -9184,15 +8251,15 @@
               <a:t>file</a:t>
             </a:r>
             <a:r>
-              <a:rPr lang="zh-CN" altLang="en-US" sz="3200" dirty="0" smtClean="0">
-                <a:solidFill>
-                  <a:schemeClr val="tx1"/>
-                </a:solidFill>
-              </a:rPr>
-              <a:t> </a:t>
-            </a:r>
-            <a:r>
-              <a:rPr lang="en-US" altLang="zh-CN" sz="3200" dirty="0" smtClean="0">
+              <a:rPr lang="zh-CN" altLang="en-US" sz="3200" dirty="0">
+                <a:solidFill>
+                  <a:schemeClr val="tx1"/>
+                </a:solidFill>
+              </a:rPr>
+              <a:t> </a:t>
+            </a:r>
+            <a:r>
+              <a:rPr lang="en-US" altLang="zh-CN" sz="3200" dirty="0">
                 <a:solidFill>
                   <a:schemeClr val="tx1"/>
                 </a:solidFill>
@@ -9200,15 +8267,15 @@
               <a:t>into</a:t>
             </a:r>
             <a:r>
-              <a:rPr lang="zh-CN" altLang="en-US" sz="3200" dirty="0" smtClean="0">
-                <a:solidFill>
-                  <a:schemeClr val="tx1"/>
-                </a:solidFill>
-              </a:rPr>
-              <a:t> </a:t>
-            </a:r>
-            <a:r>
-              <a:rPr lang="en-US" altLang="zh-CN" sz="3200" dirty="0" smtClean="0">
+              <a:rPr lang="zh-CN" altLang="en-US" sz="3200" dirty="0">
+                <a:solidFill>
+                  <a:schemeClr val="tx1"/>
+                </a:solidFill>
+              </a:rPr>
+              <a:t> </a:t>
+            </a:r>
+            <a:r>
+              <a:rPr lang="en-US" altLang="zh-CN" sz="3200" dirty="0">
                 <a:solidFill>
                   <a:schemeClr val="tx1"/>
                 </a:solidFill>
@@ -9216,15 +8283,15 @@
               <a:t>new</a:t>
             </a:r>
             <a:r>
-              <a:rPr lang="zh-CN" altLang="en-US" sz="3200" dirty="0" smtClean="0">
-                <a:solidFill>
-                  <a:schemeClr val="tx1"/>
-                </a:solidFill>
-              </a:rPr>
-              <a:t> </a:t>
-            </a:r>
-            <a:r>
-              <a:rPr lang="en-US" altLang="zh-CN" sz="3200" dirty="0" smtClean="0">
+              <a:rPr lang="zh-CN" altLang="en-US" sz="3200" dirty="0">
+                <a:solidFill>
+                  <a:schemeClr val="tx1"/>
+                </a:solidFill>
+              </a:rPr>
+              <a:t> </a:t>
+            </a:r>
+            <a:r>
+              <a:rPr lang="en-US" altLang="zh-CN" sz="3200" dirty="0">
                 <a:solidFill>
                   <a:schemeClr val="tx1"/>
                 </a:solidFill>
@@ -9232,15 +8299,15 @@
               <a:t>collections</a:t>
             </a:r>
             <a:r>
-              <a:rPr lang="zh-CN" altLang="en-US" sz="3200" dirty="0" smtClean="0">
-                <a:solidFill>
-                  <a:schemeClr val="tx1"/>
-                </a:solidFill>
-              </a:rPr>
-              <a:t> </a:t>
-            </a:r>
-            <a:r>
-              <a:rPr lang="en-US" altLang="zh-CN" sz="3200" dirty="0" smtClean="0">
+              <a:rPr lang="zh-CN" altLang="en-US" sz="3200" dirty="0">
+                <a:solidFill>
+                  <a:schemeClr val="tx1"/>
+                </a:solidFill>
+              </a:rPr>
+              <a:t> </a:t>
+            </a:r>
+            <a:r>
+              <a:rPr lang="en-US" altLang="zh-CN" sz="3200" dirty="0">
                 <a:solidFill>
                   <a:schemeClr val="tx1"/>
                 </a:solidFill>
@@ -9248,15 +8315,15 @@
               <a:t>by</a:t>
             </a:r>
             <a:r>
-              <a:rPr lang="zh-CN" altLang="en-US" sz="3200" dirty="0" smtClean="0">
-                <a:solidFill>
-                  <a:schemeClr val="tx1"/>
-                </a:solidFill>
-              </a:rPr>
-              <a:t> </a:t>
-            </a:r>
-            <a:r>
-              <a:rPr lang="en-US" altLang="zh-CN" sz="3200" dirty="0" smtClean="0">
+              <a:rPr lang="zh-CN" altLang="en-US" sz="3200" dirty="0">
+                <a:solidFill>
+                  <a:schemeClr val="tx1"/>
+                </a:solidFill>
+              </a:rPr>
+              <a:t> </a:t>
+            </a:r>
+            <a:r>
+              <a:rPr lang="en-US" altLang="zh-CN" sz="3200" dirty="0">
                 <a:solidFill>
                   <a:schemeClr val="tx1"/>
                 </a:solidFill>
@@ -9264,15 +8331,15 @@
               <a:t>the</a:t>
             </a:r>
             <a:r>
-              <a:rPr lang="zh-CN" altLang="en-US" sz="3200" dirty="0" smtClean="0">
-                <a:solidFill>
-                  <a:schemeClr val="tx1"/>
-                </a:solidFill>
-              </a:rPr>
-              <a:t> </a:t>
-            </a:r>
-            <a:r>
-              <a:rPr lang="en-US" altLang="zh-CN" sz="3200" dirty="0" smtClean="0">
+              <a:rPr lang="zh-CN" altLang="en-US" sz="3200" dirty="0">
+                <a:solidFill>
+                  <a:schemeClr val="tx1"/>
+                </a:solidFill>
+              </a:rPr>
+              <a:t> </a:t>
+            </a:r>
+            <a:r>
+              <a:rPr lang="en-US" altLang="zh-CN" sz="3200" dirty="0">
                 <a:solidFill>
                   <a:schemeClr val="tx1"/>
                 </a:solidFill>
@@ -9280,15 +8347,15 @@
               <a:t>rules</a:t>
             </a:r>
             <a:r>
-              <a:rPr lang="zh-CN" altLang="en-US" sz="3200" dirty="0" smtClean="0">
-                <a:solidFill>
-                  <a:schemeClr val="tx1"/>
-                </a:solidFill>
-              </a:rPr>
-              <a:t> </a:t>
-            </a:r>
-            <a:r>
-              <a:rPr lang="en-US" altLang="zh-CN" sz="3200" dirty="0" smtClean="0">
+              <a:rPr lang="zh-CN" altLang="en-US" sz="3200" dirty="0">
+                <a:solidFill>
+                  <a:schemeClr val="tx1"/>
+                </a:solidFill>
+              </a:rPr>
+              <a:t> </a:t>
+            </a:r>
+            <a:r>
+              <a:rPr lang="en-US" altLang="zh-CN" sz="3200" dirty="0">
                 <a:solidFill>
                   <a:schemeClr val="tx1"/>
                 </a:solidFill>
@@ -9296,15 +8363,15 @@
               <a:t>that</a:t>
             </a:r>
             <a:r>
-              <a:rPr lang="zh-CN" altLang="en-US" sz="3200" dirty="0" smtClean="0">
-                <a:solidFill>
-                  <a:schemeClr val="tx1"/>
-                </a:solidFill>
-              </a:rPr>
-              <a:t> </a:t>
-            </a:r>
-            <a:r>
-              <a:rPr lang="en-US" altLang="zh-CN" sz="3200" dirty="0" smtClean="0">
+              <a:rPr lang="zh-CN" altLang="en-US" sz="3200" dirty="0">
+                <a:solidFill>
+                  <a:schemeClr val="tx1"/>
+                </a:solidFill>
+              </a:rPr>
+              <a:t> </a:t>
+            </a:r>
+            <a:r>
+              <a:rPr lang="en-US" altLang="zh-CN" sz="3200" dirty="0">
                 <a:solidFill>
                   <a:schemeClr val="tx1"/>
                 </a:solidFill>
@@ -9312,35 +8379,20 @@
               <a:t>we</a:t>
             </a:r>
             <a:r>
-              <a:rPr lang="zh-CN" altLang="en-US" sz="3200" dirty="0" smtClean="0">
-                <a:solidFill>
-                  <a:schemeClr val="tx1"/>
-                </a:solidFill>
-              </a:rPr>
-              <a:t> </a:t>
-            </a:r>
-            <a:r>
-              <a:rPr lang="en-US" altLang="zh-CN" sz="3200" dirty="0" smtClean="0">
+              <a:rPr lang="zh-CN" altLang="en-US" sz="3200" dirty="0">
+                <a:solidFill>
+                  <a:schemeClr val="tx1"/>
+                </a:solidFill>
+              </a:rPr>
+              <a:t> </a:t>
+            </a:r>
+            <a:r>
+              <a:rPr lang="en-US" altLang="zh-CN" sz="3200" dirty="0">
                 <a:solidFill>
                   <a:schemeClr val="tx1"/>
                 </a:solidFill>
               </a:rPr>
               <a:t>pre-defined.</a:t>
-            </a:r>
-            <a:br>
-              <a:rPr lang="en-US" altLang="zh-CN" sz="3200" dirty="0" smtClean="0">
-                <a:solidFill>
-                  <a:schemeClr val="tx1"/>
-                </a:solidFill>
-              </a:rPr>
-            </a:br>
-            <a:r>
-              <a:rPr lang="en-US" altLang="zh-CN" sz="3200" dirty="0">
-                <a:solidFill>
-                  <a:schemeClr val="tx1"/>
-                </a:solidFill>
-              </a:rPr>
-              <a:t/>
             </a:r>
             <a:br>
               <a:rPr lang="en-US" altLang="zh-CN" sz="3200" dirty="0">
@@ -9349,8 +8401,15 @@
                 </a:solidFill>
               </a:rPr>
             </a:br>
-            <a:r>
-              <a:rPr lang="en-US" altLang="zh-CN" sz="3200" dirty="0" smtClean="0">
+            <a:br>
+              <a:rPr lang="en-US" altLang="zh-CN" sz="3200" dirty="0">
+                <a:solidFill>
+                  <a:schemeClr val="tx1"/>
+                </a:solidFill>
+              </a:rPr>
+            </a:br>
+            <a:r>
+              <a:rPr lang="en-US" altLang="zh-CN" sz="3200" dirty="0">
                 <a:solidFill>
                   <a:schemeClr val="tx1"/>
                 </a:solidFill>
@@ -9358,15 +8417,15 @@
               <a:t>Our</a:t>
             </a:r>
             <a:r>
-              <a:rPr lang="zh-CN" altLang="en-US" sz="3200" dirty="0" smtClean="0">
-                <a:solidFill>
-                  <a:schemeClr val="tx1"/>
-                </a:solidFill>
-              </a:rPr>
-              <a:t> </a:t>
-            </a:r>
-            <a:r>
-              <a:rPr lang="en-US" altLang="zh-CN" sz="3200" dirty="0" smtClean="0">
+              <a:rPr lang="zh-CN" altLang="en-US" sz="3200" dirty="0">
+                <a:solidFill>
+                  <a:schemeClr val="tx1"/>
+                </a:solidFill>
+              </a:rPr>
+              <a:t> </a:t>
+            </a:r>
+            <a:r>
+              <a:rPr lang="en-US" altLang="zh-CN" sz="3200" dirty="0">
                 <a:solidFill>
                   <a:schemeClr val="tx1"/>
                 </a:solidFill>
@@ -9374,15 +8433,15 @@
               <a:t>code</a:t>
             </a:r>
             <a:r>
-              <a:rPr lang="zh-CN" altLang="en-US" sz="3200" dirty="0" smtClean="0">
-                <a:solidFill>
-                  <a:schemeClr val="tx1"/>
-                </a:solidFill>
-              </a:rPr>
-              <a:t> </a:t>
-            </a:r>
-            <a:r>
-              <a:rPr lang="en-US" altLang="zh-CN" sz="3200" dirty="0" smtClean="0">
+              <a:rPr lang="zh-CN" altLang="en-US" sz="3200" dirty="0">
+                <a:solidFill>
+                  <a:schemeClr val="tx1"/>
+                </a:solidFill>
+              </a:rPr>
+              <a:t> </a:t>
+            </a:r>
+            <a:r>
+              <a:rPr lang="en-US" altLang="zh-CN" sz="3200" dirty="0">
                 <a:solidFill>
                   <a:schemeClr val="tx1"/>
                 </a:solidFill>
@@ -9390,15 +8449,15 @@
               <a:t>repository</a:t>
             </a:r>
             <a:r>
-              <a:rPr lang="zh-CN" altLang="en-US" sz="3200" dirty="0" smtClean="0">
-                <a:solidFill>
-                  <a:schemeClr val="tx1"/>
-                </a:solidFill>
-              </a:rPr>
-              <a:t> </a:t>
-            </a:r>
-            <a:r>
-              <a:rPr lang="en-US" altLang="zh-CN" sz="3200" dirty="0" smtClean="0">
+              <a:rPr lang="zh-CN" altLang="en-US" sz="3200" dirty="0">
+                <a:solidFill>
+                  <a:schemeClr val="tx1"/>
+                </a:solidFill>
+              </a:rPr>
+              <a:t> </a:t>
+            </a:r>
+            <a:r>
+              <a:rPr lang="en-US" altLang="zh-CN" sz="3200" dirty="0">
                 <a:solidFill>
                   <a:schemeClr val="tx1"/>
                 </a:solidFill>
@@ -9406,15 +8465,15 @@
               <a:t>would</a:t>
             </a:r>
             <a:r>
-              <a:rPr lang="zh-CN" altLang="en-US" sz="3200" dirty="0" smtClean="0">
-                <a:solidFill>
-                  <a:schemeClr val="tx1"/>
-                </a:solidFill>
-              </a:rPr>
-              <a:t> </a:t>
-            </a:r>
-            <a:r>
-              <a:rPr lang="en-US" altLang="zh-CN" sz="3200" dirty="0" smtClean="0">
+              <a:rPr lang="zh-CN" altLang="en-US" sz="3200" dirty="0">
+                <a:solidFill>
+                  <a:schemeClr val="tx1"/>
+                </a:solidFill>
+              </a:rPr>
+              <a:t> </a:t>
+            </a:r>
+            <a:r>
+              <a:rPr lang="en-US" altLang="zh-CN" sz="3200" dirty="0">
                 <a:solidFill>
                   <a:schemeClr val="tx1"/>
                 </a:solidFill>
@@ -9422,15 +8481,15 @@
               <a:t>be</a:t>
             </a:r>
             <a:r>
-              <a:rPr lang="zh-CN" altLang="en-US" sz="3200" dirty="0" smtClean="0">
-                <a:solidFill>
-                  <a:schemeClr val="tx1"/>
-                </a:solidFill>
-              </a:rPr>
-              <a:t> </a:t>
-            </a:r>
-            <a:r>
-              <a:rPr lang="en-US" altLang="zh-CN" sz="3200" dirty="0" smtClean="0">
+              <a:rPr lang="zh-CN" altLang="en-US" sz="3200" dirty="0">
+                <a:solidFill>
+                  <a:schemeClr val="tx1"/>
+                </a:solidFill>
+              </a:rPr>
+              <a:t> </a:t>
+            </a:r>
+            <a:r>
+              <a:rPr lang="en-US" altLang="zh-CN" sz="3200" dirty="0">
                 <a:solidFill>
                   <a:schemeClr val="tx1"/>
                 </a:solidFill>
@@ -9438,15 +8497,15 @@
               <a:t>put</a:t>
             </a:r>
             <a:r>
-              <a:rPr lang="zh-CN" altLang="en-US" sz="3200" dirty="0" smtClean="0">
-                <a:solidFill>
-                  <a:schemeClr val="tx1"/>
-                </a:solidFill>
-              </a:rPr>
-              <a:t> </a:t>
-            </a:r>
-            <a:r>
-              <a:rPr lang="en-US" altLang="zh-CN" sz="3200" dirty="0" smtClean="0">
+              <a:rPr lang="zh-CN" altLang="en-US" sz="3200" dirty="0">
+                <a:solidFill>
+                  <a:schemeClr val="tx1"/>
+                </a:solidFill>
+              </a:rPr>
+              <a:t> </a:t>
+            </a:r>
+            <a:r>
+              <a:rPr lang="en-US" altLang="zh-CN" sz="3200" dirty="0">
                 <a:solidFill>
                   <a:schemeClr val="tx1"/>
                 </a:solidFill>
@@ -9454,15 +8513,15 @@
               <a:t>in</a:t>
             </a:r>
             <a:r>
-              <a:rPr lang="zh-CN" altLang="en-US" sz="3200" dirty="0" smtClean="0">
-                <a:solidFill>
-                  <a:schemeClr val="tx1"/>
-                </a:solidFill>
-              </a:rPr>
-              <a:t> </a:t>
-            </a:r>
-            <a:r>
-              <a:rPr lang="en-US" altLang="zh-CN" sz="3200" dirty="0" smtClean="0">
+              <a:rPr lang="zh-CN" altLang="en-US" sz="3200" dirty="0">
+                <a:solidFill>
+                  <a:schemeClr val="tx1"/>
+                </a:solidFill>
+              </a:rPr>
+              <a:t> </a:t>
+            </a:r>
+            <a:r>
+              <a:rPr lang="en-US" altLang="zh-CN" sz="3200" dirty="0">
                 <a:solidFill>
                   <a:schemeClr val="tx1"/>
                 </a:solidFill>
@@ -9470,15 +8529,15 @@
               <a:t>our</a:t>
             </a:r>
             <a:r>
-              <a:rPr lang="zh-CN" altLang="en-US" sz="3200" dirty="0" smtClean="0">
-                <a:solidFill>
-                  <a:schemeClr val="tx1"/>
-                </a:solidFill>
-              </a:rPr>
-              <a:t> </a:t>
-            </a:r>
-            <a:r>
-              <a:rPr lang="en-US" altLang="zh-CN" sz="3200" dirty="0" smtClean="0">
+              <a:rPr lang="zh-CN" altLang="en-US" sz="3200" dirty="0">
+                <a:solidFill>
+                  <a:schemeClr val="tx1"/>
+                </a:solidFill>
+              </a:rPr>
+              <a:t> </a:t>
+            </a:r>
+            <a:r>
+              <a:rPr lang="en-US" altLang="zh-CN" sz="3200" dirty="0">
                 <a:solidFill>
                   <a:schemeClr val="tx1"/>
                 </a:solidFill>
@@ -9486,15 +8545,15 @@
               <a:t>team</a:t>
             </a:r>
             <a:r>
-              <a:rPr lang="zh-CN" altLang="en-US" sz="3200" dirty="0" smtClean="0">
-                <a:solidFill>
-                  <a:schemeClr val="tx1"/>
-                </a:solidFill>
-              </a:rPr>
-              <a:t> </a:t>
-            </a:r>
-            <a:r>
-              <a:rPr lang="en-US" altLang="zh-CN" sz="3200" dirty="0" err="1" smtClean="0">
+              <a:rPr lang="zh-CN" altLang="en-US" sz="3200" dirty="0">
+                <a:solidFill>
+                  <a:schemeClr val="tx1"/>
+                </a:solidFill>
+              </a:rPr>
+              <a:t> </a:t>
+            </a:r>
+            <a:r>
+              <a:rPr lang="en-US" altLang="zh-CN" sz="3200" dirty="0" err="1">
                 <a:solidFill>
                   <a:schemeClr val="tx1"/>
                 </a:solidFill>
@@ -9542,13 +8601,6 @@
   <p:clrMapOvr>
     <a:masterClrMapping/>
   </p:clrMapOvr>
-  <p:timing>
-    <p:tnLst>
-      <p:par>
-        <p:cTn id="1" dur="indefinite" restart="never" nodeType="tmRoot"/>
-      </p:par>
-    </p:tnLst>
-  </p:timing>
 </p:sld>
 </file>
 
@@ -9602,7 +8654,7 @@
         <p:spPr>
           <a:xfrm>
             <a:off x="787791" y="1930400"/>
-            <a:ext cx="7244861" cy="3046988"/>
+            <a:ext cx="7244861" cy="3785652"/>
           </a:xfrm>
           <a:prstGeom prst="rect">
             <a:avLst/>
@@ -9616,182 +8668,58 @@
           <a:lstStyle/>
           <a:p>
             <a:r>
-              <a:rPr lang="en-US" altLang="zh-CN" sz="2400" dirty="0" smtClean="0"/>
+              <a:rPr lang="en-US" altLang="zh-CN" sz="2400" dirty="0"/>
               <a:t>·</a:t>
             </a:r>
             <a:r>
-              <a:rPr lang="zh-CN" altLang="en-US" sz="2400" dirty="0" smtClean="0"/>
-              <a:t> </a:t>
-            </a:r>
-            <a:r>
-              <a:rPr lang="en-US" altLang="zh-CN" sz="2400" dirty="0" smtClean="0"/>
-              <a:t>Our</a:t>
-            </a:r>
-            <a:r>
-              <a:rPr lang="zh-CN" altLang="en-US" sz="2400" dirty="0" smtClean="0"/>
-              <a:t> </a:t>
-            </a:r>
-            <a:r>
-              <a:rPr lang="en-US" altLang="zh-CN" sz="2400" dirty="0" smtClean="0"/>
-              <a:t>project</a:t>
-            </a:r>
-            <a:r>
-              <a:rPr lang="zh-CN" altLang="en-US" sz="2400" dirty="0" smtClean="0"/>
-              <a:t> </a:t>
-            </a:r>
-            <a:r>
-              <a:rPr lang="en-US" altLang="zh-CN" sz="2400" dirty="0" smtClean="0"/>
-              <a:t>would</a:t>
-            </a:r>
-            <a:r>
-              <a:rPr lang="zh-CN" altLang="en-US" sz="2400" dirty="0" smtClean="0"/>
-              <a:t> </a:t>
-            </a:r>
-            <a:r>
-              <a:rPr lang="en-US" altLang="zh-CN" sz="2400" dirty="0" smtClean="0"/>
-              <a:t>generate</a:t>
-            </a:r>
-            <a:r>
-              <a:rPr lang="zh-CN" altLang="en-US" sz="2400" dirty="0" smtClean="0"/>
-              <a:t> </a:t>
-            </a:r>
-            <a:r>
-              <a:rPr lang="en-US" altLang="zh-CN" sz="2400" dirty="0" smtClean="0"/>
-              <a:t>lots</a:t>
-            </a:r>
-            <a:r>
-              <a:rPr lang="zh-CN" altLang="en-US" sz="2400" dirty="0" smtClean="0"/>
-              <a:t> </a:t>
-            </a:r>
-            <a:r>
-              <a:rPr lang="en-US" altLang="zh-CN" sz="2400" dirty="0" smtClean="0"/>
-              <a:t>of</a:t>
-            </a:r>
-            <a:r>
-              <a:rPr lang="zh-CN" altLang="en-US" sz="2400" dirty="0" smtClean="0"/>
-              <a:t>  </a:t>
-            </a:r>
-            <a:r>
-              <a:rPr lang="en-US" altLang="zh-CN" sz="2400" dirty="0" smtClean="0"/>
-              <a:t>three-minute</a:t>
-            </a:r>
-            <a:r>
-              <a:rPr lang="zh-CN" altLang="en-US" sz="2400" dirty="0" smtClean="0"/>
-              <a:t> </a:t>
-            </a:r>
-            <a:r>
-              <a:rPr lang="en-US" altLang="zh-CN" sz="2400" dirty="0" smtClean="0"/>
-              <a:t>songs,</a:t>
-            </a:r>
-            <a:r>
-              <a:rPr lang="zh-CN" altLang="en-US" sz="2400" dirty="0" smtClean="0"/>
-              <a:t> </a:t>
-            </a:r>
-            <a:r>
-              <a:rPr lang="en-US" altLang="zh-CN" sz="2400" dirty="0" smtClean="0"/>
-              <a:t>we</a:t>
-            </a:r>
-            <a:r>
-              <a:rPr lang="zh-CN" altLang="en-US" sz="2400" dirty="0" smtClean="0"/>
-              <a:t> </a:t>
-            </a:r>
-            <a:r>
-              <a:rPr lang="en-US" altLang="zh-CN" sz="2400" dirty="0" smtClean="0"/>
-              <a:t>will</a:t>
-            </a:r>
-            <a:r>
-              <a:rPr lang="zh-CN" altLang="en-US" sz="2400" dirty="0" smtClean="0"/>
-              <a:t> </a:t>
-            </a:r>
-            <a:r>
-              <a:rPr lang="en-US" altLang="zh-CN" sz="2400" dirty="0" smtClean="0"/>
-              <a:t>select</a:t>
-            </a:r>
-            <a:r>
-              <a:rPr lang="zh-CN" altLang="en-US" sz="2400" dirty="0" smtClean="0"/>
-              <a:t> </a:t>
-            </a:r>
-            <a:r>
-              <a:rPr lang="en-US" altLang="zh-CN" sz="2400" dirty="0" smtClean="0"/>
-              <a:t>some</a:t>
-            </a:r>
-            <a:r>
-              <a:rPr lang="zh-CN" altLang="en-US" sz="2400" dirty="0" smtClean="0"/>
-              <a:t> </a:t>
-            </a:r>
-            <a:r>
-              <a:rPr lang="en-US" altLang="zh-CN" sz="2400" dirty="0" smtClean="0"/>
-              <a:t>songs</a:t>
-            </a:r>
-            <a:r>
-              <a:rPr lang="zh-CN" altLang="en-US" sz="2400" dirty="0" smtClean="0"/>
-              <a:t> </a:t>
-            </a:r>
-            <a:r>
-              <a:rPr lang="en-US" altLang="zh-CN" sz="2400" dirty="0" smtClean="0"/>
-              <a:t>which</a:t>
-            </a:r>
-            <a:r>
-              <a:rPr lang="zh-CN" altLang="en-US" sz="2400" dirty="0" smtClean="0"/>
-              <a:t> </a:t>
-            </a:r>
-            <a:r>
-              <a:rPr lang="en-US" altLang="zh-CN" sz="2400" dirty="0" smtClean="0"/>
-              <a:t>sound</a:t>
-            </a:r>
-            <a:r>
-              <a:rPr lang="zh-CN" altLang="en-US" sz="2400" dirty="0" smtClean="0"/>
-              <a:t> </a:t>
-            </a:r>
-            <a:r>
-              <a:rPr lang="en-US" altLang="zh-CN" sz="2400" dirty="0" smtClean="0"/>
-              <a:t>normal</a:t>
-            </a:r>
-            <a:r>
-              <a:rPr lang="zh-CN" altLang="en-US" sz="2400" dirty="0" smtClean="0"/>
-              <a:t> </a:t>
-            </a:r>
-            <a:r>
-              <a:rPr lang="en-US" altLang="zh-CN" sz="2400" dirty="0" smtClean="0"/>
-              <a:t>and</a:t>
-            </a:r>
-            <a:r>
-              <a:rPr lang="zh-CN" altLang="en-US" sz="2400" dirty="0" smtClean="0"/>
-              <a:t> </a:t>
-            </a:r>
-            <a:r>
-              <a:rPr lang="en-US" altLang="zh-CN" sz="2400" dirty="0" smtClean="0"/>
-              <a:t>pleasing</a:t>
-            </a:r>
-            <a:endParaRPr lang="en-US" sz="2400" dirty="0" smtClean="0"/>
+              <a:rPr lang="zh-CN" altLang="en-US" sz="2400" dirty="0"/>
+              <a:t> </a:t>
+            </a:r>
+            <a:r>
+              <a:rPr lang="en-US" altLang="zh-CN" sz="2400" dirty="0"/>
+              <a:t>Default meter of output songs is 4/4;</a:t>
+            </a:r>
           </a:p>
           <a:p>
             <a:endParaRPr lang="en-US" sz="2400" dirty="0"/>
           </a:p>
           <a:p>
             <a:r>
-              <a:rPr lang="en-US" altLang="zh-CN" sz="2400" dirty="0" smtClean="0"/>
+              <a:rPr lang="en-US" altLang="zh-CN" sz="2400" dirty="0"/>
+              <a:t>·</a:t>
+            </a:r>
+            <a:r>
+              <a:rPr lang="zh-CN" altLang="en-US" sz="2400" dirty="0"/>
+              <a:t> </a:t>
+            </a:r>
+            <a:r>
+              <a:rPr lang="en-US" altLang="zh-CN" sz="2400" dirty="0"/>
+              <a:t>According to the human hearing range, the frequencies of output songs is between 20Hz to 20KHz.</a:t>
+            </a:r>
+          </a:p>
+          <a:p>
+            <a:endParaRPr lang="en-US" sz="2400" dirty="0"/>
+          </a:p>
+          <a:p>
+            <a:r>
+              <a:rPr lang="en-US" altLang="zh-CN" sz="2400" dirty="0"/>
               <a:t>·In</a:t>
             </a:r>
             <a:r>
-              <a:rPr lang="zh-CN" altLang="en-US" sz="2400" dirty="0" smtClean="0"/>
-              <a:t> </a:t>
-            </a:r>
-            <a:r>
-              <a:rPr lang="en-US" altLang="zh-CN" sz="2400" dirty="0" smtClean="0"/>
+              <a:rPr lang="zh-CN" altLang="en-US" sz="2400" dirty="0"/>
+              <a:t> </a:t>
+            </a:r>
+            <a:r>
+              <a:rPr lang="en-US" altLang="zh-CN" sz="2400" dirty="0"/>
               <a:t>the</a:t>
             </a:r>
             <a:r>
-              <a:rPr lang="zh-CN" altLang="en-US" sz="2400" dirty="0" smtClean="0"/>
-              <a:t> </a:t>
-            </a:r>
-            <a:r>
-              <a:rPr lang="en-US" altLang="zh-CN" sz="2400" dirty="0" smtClean="0"/>
-              <a:t>end</a:t>
-            </a:r>
-            <a:r>
-              <a:rPr lang="en-US" altLang="zh-CN" sz="2400" dirty="0"/>
-              <a:t>,</a:t>
+              <a:rPr lang="zh-CN" altLang="en-US" sz="2400" dirty="0"/>
+              <a:t> </a:t>
+            </a:r>
+            <a:r>
+              <a:rPr lang="en-US" altLang="zh-CN" sz="2400" dirty="0"/>
+              <a:t>end,</a:t>
             </a:r>
             <a:r>
               <a:rPr lang="zh-CN" altLang="en-US" sz="2400" dirty="0"/>
@@ -10079,13 +9007,6 @@
   <p:clrMapOvr>
     <a:masterClrMapping/>
   </p:clrMapOvr>
-  <p:timing>
-    <p:tnLst>
-      <p:par>
-        <p:cTn id="1" dur="indefinite" restart="never" nodeType="tmRoot"/>
-      </p:par>
-    </p:tnLst>
-  </p:timing>
 </p:sld>
 </file>
 
@@ -10146,8 +9067,8 @@
         </p:nvSpPr>
         <p:spPr>
           <a:xfrm>
-            <a:off x="677334" y="2623723"/>
-            <a:ext cx="7779434" cy="2677656"/>
+            <a:off x="677334" y="1532590"/>
+            <a:ext cx="7779434" cy="3970318"/>
           </a:xfrm>
           <a:prstGeom prst="rect">
             <a:avLst/>
@@ -10162,39 +9083,7 @@
           <a:p>
             <a:r>
               <a:rPr lang="en-US" altLang="zh-CN" sz="2800" dirty="0"/>
-              <a:t>·</a:t>
-            </a:r>
-            <a:r>
-              <a:rPr lang="zh-CN" altLang="en-US" sz="2800" dirty="0"/>
-              <a:t> </a:t>
-            </a:r>
-            <a:r>
-              <a:rPr lang="en-US" altLang="zh-CN" sz="2800" dirty="0"/>
-              <a:t>Basic</a:t>
-            </a:r>
-            <a:r>
-              <a:rPr lang="zh-CN" altLang="en-US" sz="2800" dirty="0"/>
-              <a:t> </a:t>
-            </a:r>
-            <a:r>
-              <a:rPr lang="en-US" altLang="zh-CN" sz="2800" dirty="0"/>
-              <a:t>criteria</a:t>
-            </a:r>
-            <a:r>
-              <a:rPr lang="zh-CN" altLang="en-US" sz="2800" dirty="0"/>
-              <a:t> </a:t>
-            </a:r>
-            <a:r>
-              <a:rPr lang="en-US" altLang="zh-CN" sz="2800" dirty="0"/>
-              <a:t>is</a:t>
-            </a:r>
-            <a:r>
-              <a:rPr lang="zh-CN" altLang="en-US" sz="2800" dirty="0"/>
-              <a:t> </a:t>
-            </a:r>
-            <a:r>
-              <a:rPr lang="en-US" altLang="zh-CN" sz="2800" dirty="0"/>
-              <a:t>that</a:t>
+              <a:t>In</a:t>
             </a:r>
             <a:r>
               <a:rPr lang="zh-CN" altLang="en-US" sz="2800" dirty="0"/>
@@ -10210,7 +9099,7 @@
             </a:r>
             <a:r>
               <a:rPr lang="en-US" altLang="zh-CN" sz="2800" dirty="0"/>
-              <a:t>music</a:t>
+              <a:t>project,</a:t>
             </a:r>
             <a:r>
               <a:rPr lang="zh-CN" altLang="en-US" sz="2800" dirty="0"/>
@@ -10218,7 +9107,223 @@
             </a:r>
             <a:r>
               <a:rPr lang="en-US" altLang="zh-CN" sz="2800" dirty="0"/>
-              <a:t>generator</a:t>
+              <a:t>we</a:t>
+            </a:r>
+            <a:r>
+              <a:rPr lang="zh-CN" altLang="en-US" sz="2800" dirty="0"/>
+              <a:t> </a:t>
+            </a:r>
+            <a:r>
+              <a:rPr lang="en-US" altLang="zh-CN" sz="2800" dirty="0"/>
+              <a:t>are</a:t>
+            </a:r>
+            <a:r>
+              <a:rPr lang="zh-CN" altLang="en-US" sz="2800" dirty="0"/>
+              <a:t> </a:t>
+            </a:r>
+            <a:r>
+              <a:rPr lang="en-US" altLang="zh-CN" sz="2800" dirty="0"/>
+              <a:t>going</a:t>
+            </a:r>
+            <a:r>
+              <a:rPr lang="zh-CN" altLang="en-US" sz="2800" dirty="0"/>
+              <a:t> </a:t>
+            </a:r>
+            <a:r>
+              <a:rPr lang="en-US" altLang="zh-CN" sz="2800" dirty="0"/>
+              <a:t>to</a:t>
+            </a:r>
+            <a:r>
+              <a:rPr lang="zh-CN" altLang="en-US" sz="2800" dirty="0"/>
+              <a:t> </a:t>
+            </a:r>
+            <a:r>
+              <a:rPr lang="en-US" altLang="zh-CN" sz="2800" dirty="0"/>
+              <a:t>input</a:t>
+            </a:r>
+            <a:r>
+              <a:rPr lang="zh-CN" altLang="en-US" sz="2800" dirty="0"/>
+              <a:t> </a:t>
+            </a:r>
+            <a:r>
+              <a:rPr lang="en-US" altLang="zh-CN" sz="2800" dirty="0"/>
+              <a:t>audio</a:t>
+            </a:r>
+            <a:r>
+              <a:rPr lang="zh-CN" altLang="en-US" sz="2800" dirty="0"/>
+              <a:t> </a:t>
+            </a:r>
+            <a:r>
+              <a:rPr lang="en-US" altLang="zh-CN" sz="2800" dirty="0"/>
+              <a:t>file</a:t>
+            </a:r>
+            <a:r>
+              <a:rPr lang="zh-CN" altLang="en-US" sz="2800" dirty="0"/>
+              <a:t> </a:t>
+            </a:r>
+            <a:r>
+              <a:rPr lang="en-US" altLang="zh-CN" sz="2800" dirty="0"/>
+              <a:t>in</a:t>
+            </a:r>
+            <a:r>
+              <a:rPr lang="zh-CN" altLang="en-US" sz="2800" dirty="0"/>
+              <a:t> </a:t>
+            </a:r>
+            <a:r>
+              <a:rPr lang="en-US" altLang="zh-CN" sz="2800" dirty="0"/>
+              <a:t>format</a:t>
+            </a:r>
+            <a:r>
+              <a:rPr lang="zh-CN" altLang="en-US" sz="2800" dirty="0"/>
+              <a:t> </a:t>
+            </a:r>
+            <a:r>
+              <a:rPr lang="en-US" altLang="zh-CN" sz="2800" dirty="0"/>
+              <a:t>of</a:t>
+            </a:r>
+            <a:r>
+              <a:rPr lang="zh-CN" altLang="en-US" sz="2800" dirty="0"/>
+              <a:t> </a:t>
+            </a:r>
+            <a:r>
+              <a:rPr lang="en-US" altLang="zh-CN" sz="2800" dirty="0"/>
+              <a:t>MIDI</a:t>
+            </a:r>
+            <a:r>
+              <a:rPr lang="zh-CN" altLang="en-US" sz="2800" dirty="0"/>
+              <a:t> </a:t>
+            </a:r>
+            <a:r>
+              <a:rPr lang="en-US" altLang="zh-CN" sz="2800" dirty="0"/>
+              <a:t>and</a:t>
+            </a:r>
+            <a:r>
+              <a:rPr lang="zh-CN" altLang="en-US" sz="2800" dirty="0"/>
+              <a:t> </a:t>
+            </a:r>
+            <a:r>
+              <a:rPr lang="en-US" altLang="zh-CN" sz="2800" dirty="0"/>
+              <a:t>this</a:t>
+            </a:r>
+            <a:r>
+              <a:rPr lang="zh-CN" altLang="en-US" sz="2800" dirty="0"/>
+              <a:t> </a:t>
+            </a:r>
+            <a:r>
+              <a:rPr lang="en-US" altLang="zh-CN" sz="2800" dirty="0"/>
+              <a:t>time</a:t>
+            </a:r>
+            <a:r>
+              <a:rPr lang="zh-CN" altLang="en-US" sz="2800" dirty="0"/>
+              <a:t> </a:t>
+            </a:r>
+            <a:r>
+              <a:rPr lang="en-US" altLang="zh-CN" sz="2800" dirty="0"/>
+              <a:t>we</a:t>
+            </a:r>
+            <a:r>
+              <a:rPr lang="zh-CN" altLang="en-US" sz="2800" dirty="0"/>
+              <a:t> </a:t>
+            </a:r>
+            <a:r>
+              <a:rPr lang="en-US" altLang="zh-CN" sz="2800" dirty="0"/>
+              <a:t>focus</a:t>
+            </a:r>
+            <a:r>
+              <a:rPr lang="zh-CN" altLang="en-US" sz="2800" dirty="0"/>
+              <a:t> </a:t>
+            </a:r>
+            <a:r>
+              <a:rPr lang="en-US" altLang="zh-CN" sz="2800" dirty="0"/>
+              <a:t>on</a:t>
+            </a:r>
+            <a:r>
+              <a:rPr lang="zh-CN" altLang="en-US" sz="2800" dirty="0"/>
+              <a:t> </a:t>
+            </a:r>
+            <a:r>
+              <a:rPr lang="en-US" altLang="zh-CN" sz="2800" dirty="0"/>
+              <a:t>several</a:t>
+            </a:r>
+            <a:r>
+              <a:rPr lang="zh-CN" altLang="en-US" sz="2800" dirty="0"/>
+              <a:t> </a:t>
+            </a:r>
+            <a:r>
+              <a:rPr lang="en-US" altLang="zh-CN" sz="2800" dirty="0"/>
+              <a:t>styles</a:t>
+            </a:r>
+            <a:r>
+              <a:rPr lang="zh-CN" altLang="en-US" sz="2800" dirty="0"/>
+              <a:t> </a:t>
+            </a:r>
+            <a:r>
+              <a:rPr lang="en-US" altLang="zh-CN" sz="2800" dirty="0"/>
+              <a:t>of</a:t>
+            </a:r>
+            <a:r>
+              <a:rPr lang="zh-CN" altLang="en-US" sz="2800" dirty="0"/>
+              <a:t> </a:t>
+            </a:r>
+            <a:r>
+              <a:rPr lang="en-US" altLang="zh-CN" sz="2800" dirty="0"/>
+              <a:t>music(Pop, Jazz, Classical music, etc.).</a:t>
+            </a:r>
+            <a:r>
+              <a:rPr lang="zh-CN" altLang="en-US" sz="2800" dirty="0"/>
+              <a:t> </a:t>
+            </a:r>
+            <a:r>
+              <a:rPr lang="en-US" altLang="zh-CN" sz="2800" dirty="0"/>
+              <a:t>After</a:t>
+            </a:r>
+            <a:r>
+              <a:rPr lang="zh-CN" altLang="en-US" sz="2800" dirty="0"/>
+              <a:t> </a:t>
+            </a:r>
+            <a:r>
+              <a:rPr lang="en-US" altLang="zh-CN" sz="2800" dirty="0"/>
+              <a:t>processed</a:t>
+            </a:r>
+            <a:r>
+              <a:rPr lang="zh-CN" altLang="en-US" sz="2800" dirty="0"/>
+              <a:t> </a:t>
+            </a:r>
+            <a:r>
+              <a:rPr lang="en-US" altLang="zh-CN" sz="2800" dirty="0"/>
+              <a:t>by</a:t>
+            </a:r>
+            <a:r>
+              <a:rPr lang="zh-CN" altLang="en-US" sz="2800" dirty="0"/>
+              <a:t> </a:t>
+            </a:r>
+            <a:r>
+              <a:rPr lang="en-US" altLang="zh-CN" sz="2800" dirty="0"/>
+              <a:t>our</a:t>
+            </a:r>
+            <a:r>
+              <a:rPr lang="zh-CN" altLang="en-US" sz="2800" dirty="0"/>
+              <a:t> </a:t>
+            </a:r>
+            <a:r>
+              <a:rPr lang="en-US" altLang="zh-CN" sz="2800" dirty="0"/>
+              <a:t>functions,</a:t>
+            </a:r>
+            <a:r>
+              <a:rPr lang="zh-CN" altLang="en-US" sz="2800" dirty="0"/>
+              <a:t> </a:t>
+            </a:r>
+            <a:r>
+              <a:rPr lang="en-US" altLang="zh-CN" sz="2800" dirty="0"/>
+              <a:t>our</a:t>
+            </a:r>
+            <a:r>
+              <a:rPr lang="zh-CN" altLang="en-US" sz="2800" dirty="0"/>
+              <a:t> </a:t>
+            </a:r>
+            <a:r>
+              <a:rPr lang="en-US" altLang="zh-CN" sz="2800" dirty="0"/>
+              <a:t>project</a:t>
             </a:r>
             <a:r>
               <a:rPr lang="zh-CN" altLang="en-US" sz="2800" dirty="0"/>
@@ -10234,7 +9339,7 @@
             </a:r>
             <a:r>
               <a:rPr lang="en-US" altLang="zh-CN" sz="2800" dirty="0"/>
-              <a:t>produce</a:t>
+              <a:t>generate</a:t>
             </a:r>
             <a:r>
               <a:rPr lang="zh-CN" altLang="en-US" sz="2800" dirty="0"/>
@@ -10250,7 +9355,7 @@
             </a:r>
             <a:r>
               <a:rPr lang="en-US" altLang="zh-CN" sz="2800" dirty="0"/>
-              <a:t>complete</a:t>
+              <a:t>set</a:t>
             </a:r>
             <a:r>
               <a:rPr lang="zh-CN" altLang="en-US" sz="2800" dirty="0"/>
@@ -10258,7 +9363,7 @@
             </a:r>
             <a:r>
               <a:rPr lang="en-US" altLang="zh-CN" sz="2800" dirty="0"/>
-              <a:t>song</a:t>
+              <a:t>number</a:t>
             </a:r>
             <a:r>
               <a:rPr lang="zh-CN" altLang="en-US" sz="2800" dirty="0"/>
@@ -10266,7 +9371,7 @@
             </a:r>
             <a:r>
               <a:rPr lang="en-US" altLang="zh-CN" sz="2800" dirty="0"/>
-              <a:t>without</a:t>
+              <a:t>of</a:t>
             </a:r>
             <a:r>
               <a:rPr lang="zh-CN" altLang="en-US" sz="2800" dirty="0"/>
@@ -10274,7 +9379,7 @@
             </a:r>
             <a:r>
               <a:rPr lang="en-US" altLang="zh-CN" sz="2800" dirty="0"/>
-              <a:t>any</a:t>
+              <a:t>new</a:t>
             </a:r>
             <a:r>
               <a:rPr lang="zh-CN" altLang="en-US" sz="2800" dirty="0"/>
@@ -10282,13 +9387,32 @@
             </a:r>
             <a:r>
               <a:rPr lang="en-US" altLang="zh-CN" sz="2800" dirty="0"/>
-              <a:t>noise or unpleasing rhythm.</a:t>
+              <a:t>songs</a:t>
             </a:r>
             <a:r>
               <a:rPr lang="zh-CN" altLang="en-US" sz="2800" dirty="0"/>
               <a:t> </a:t>
             </a:r>
-            <a:endParaRPr lang="en-US" sz="2800" dirty="0"/>
+            <a:r>
+              <a:rPr lang="en-US" altLang="zh-CN" sz="2800" dirty="0"/>
+              <a:t>with</a:t>
+            </a:r>
+            <a:r>
+              <a:rPr lang="zh-CN" altLang="en-US" sz="2800" dirty="0"/>
+              <a:t> </a:t>
+            </a:r>
+            <a:r>
+              <a:rPr lang="en-US" altLang="zh-CN" sz="2800" dirty="0"/>
+              <a:t>different</a:t>
+            </a:r>
+            <a:r>
+              <a:rPr lang="zh-CN" altLang="en-US" sz="2800" dirty="0"/>
+              <a:t> </a:t>
+            </a:r>
+            <a:r>
+              <a:rPr lang="en-US" altLang="zh-CN" sz="2800" dirty="0"/>
+              <a:t>styles.</a:t>
+            </a:r>
           </a:p>
           <a:p>
             <a:endParaRPr lang="en-US" sz="2800" dirty="0"/>
@@ -10370,7 +9494,6 @@
               <a:rPr lang="en-US" altLang="zh-CN" sz="2800" dirty="0"/>
               <a:t>rhythmical</a:t>
             </a:r>
-            <a:endParaRPr lang="en-US" sz="2800" dirty="0"/>
           </a:p>
         </p:txBody>
       </p:sp>
@@ -10384,13 +9507,6 @@
   <p:clrMapOvr>
     <a:masterClrMapping/>
   </p:clrMapOvr>
-  <p:timing>
-    <p:tnLst>
-      <p:par>
-        <p:cTn id="1" dur="indefinite" restart="never" nodeType="tmRoot"/>
-      </p:par>
-    </p:tnLst>
-  </p:timing>
 </p:sld>
 </file>
 
@@ -10465,13 +9581,6 @@
   <p:clrMapOvr>
     <a:masterClrMapping/>
   </p:clrMapOvr>
-  <p:timing>
-    <p:tnLst>
-      <p:par>
-        <p:cTn id="1" dur="indefinite" restart="never" nodeType="tmRoot"/>
-      </p:par>
-    </p:tnLst>
-  </p:timing>
 </p:sld>
 </file>
 
